--- a/figures/figures.pptx
+++ b/figures/figures.pptx
@@ -7819,7 +7819,7 @@
         </p:nvSpPr>
         <p:spPr>
           <a:xfrm>
-            <a:off x="5517574" y="4285974"/>
+            <a:off x="5361709" y="4285974"/>
             <a:ext cx="1028700" cy="2105200"/>
           </a:xfrm>
           <a:prstGeom prst="roundRect">
@@ -7878,7 +7878,7 @@
         </p:nvSpPr>
         <p:spPr>
           <a:xfrm>
-            <a:off x="5812925" y="5333209"/>
+            <a:off x="5657060" y="5333209"/>
             <a:ext cx="458779" cy="228268"/>
           </a:xfrm>
           <a:prstGeom prst="rect">

--- a/figures/figures.pptx
+++ b/figures/figures.pptx
@@ -8,6 +8,7 @@
     <p:sldId id="2126987317" r:id="rId2"/>
     <p:sldId id="2126987318" r:id="rId3"/>
     <p:sldId id="2126987320" r:id="rId4"/>
+    <p:sldId id="2126987321" r:id="rId5"/>
   </p:sldIdLst>
   <p:sldSz cx="12192000" cy="6858000"/>
   <p:notesSz cx="6858000" cy="9144000"/>
@@ -8679,6 +8680,5271 @@
 </p:sld>
 </file>
 
+<file path=ppt/slides/slide4.xml><?xml version="1.0" encoding="utf-8"?>
+<p:sld xmlns:a="http://schemas.openxmlformats.org/drawingml/2006/main" xmlns:r="http://schemas.openxmlformats.org/officeDocument/2006/relationships" xmlns:p="http://schemas.openxmlformats.org/presentationml/2006/main">
+  <p:cSld>
+    <p:spTree>
+      <p:nvGrpSpPr>
+        <p:cNvPr id="1" name=""/>
+        <p:cNvGrpSpPr/>
+        <p:nvPr/>
+      </p:nvGrpSpPr>
+      <p:grpSpPr>
+        <a:xfrm>
+          <a:off x="0" y="0"/>
+          <a:ext cx="0" cy="0"/>
+          <a:chOff x="0" y="0"/>
+          <a:chExt cx="0" cy="0"/>
+        </a:xfrm>
+      </p:grpSpPr>
+      <p:graphicFrame>
+        <p:nvGraphicFramePr>
+          <p:cNvPr id="4" name="Table 3">
+            <a:extLst>
+              <a:ext uri="{FF2B5EF4-FFF2-40B4-BE49-F238E27FC236}">
+                <a16:creationId xmlns:a16="http://schemas.microsoft.com/office/drawing/2014/main" id="{0699EB6E-5930-4780-84A8-A231F098CDFC}"/>
+              </a:ext>
+            </a:extLst>
+          </p:cNvPr>
+          <p:cNvGraphicFramePr>
+            <a:graphicFrameLocks noGrp="1"/>
+          </p:cNvGraphicFramePr>
+          <p:nvPr>
+            <p:extLst>
+              <p:ext uri="{D42A27DB-BD31-4B8C-83A1-F6EECF244321}">
+                <p14:modId xmlns:p14="http://schemas.microsoft.com/office/powerpoint/2010/main" val="3145886802"/>
+              </p:ext>
+            </p:extLst>
+          </p:nvPr>
+        </p:nvGraphicFramePr>
+        <p:xfrm>
+          <a:off x="682894" y="82182"/>
+          <a:ext cx="10826211" cy="6322513"/>
+        </p:xfrm>
+        <a:graphic>
+          <a:graphicData uri="http://schemas.openxmlformats.org/drawingml/2006/table">
+            <a:tbl>
+              <a:tblPr firstRow="1" bandRow="1">
+                <a:tableStyleId>{F5AB1C69-6EDB-4FF4-983F-18BD219EF322}</a:tableStyleId>
+              </a:tblPr>
+              <a:tblGrid>
+                <a:gridCol w="984201">
+                  <a:extLst>
+                    <a:ext uri="{9D8B030D-6E8A-4147-A177-3AD203B41FA5}">
+                      <a16:colId xmlns:a16="http://schemas.microsoft.com/office/drawing/2014/main" val="3218131387"/>
+                    </a:ext>
+                  </a:extLst>
+                </a:gridCol>
+                <a:gridCol w="847505">
+                  <a:extLst>
+                    <a:ext uri="{9D8B030D-6E8A-4147-A177-3AD203B41FA5}">
+                      <a16:colId xmlns:a16="http://schemas.microsoft.com/office/drawing/2014/main" val="3479730438"/>
+                    </a:ext>
+                  </a:extLst>
+                </a:gridCol>
+                <a:gridCol w="838200">
+                  <a:extLst>
+                    <a:ext uri="{9D8B030D-6E8A-4147-A177-3AD203B41FA5}">
+                      <a16:colId xmlns:a16="http://schemas.microsoft.com/office/drawing/2014/main" val="3304993350"/>
+                    </a:ext>
+                  </a:extLst>
+                </a:gridCol>
+                <a:gridCol w="914400">
+                  <a:extLst>
+                    <a:ext uri="{9D8B030D-6E8A-4147-A177-3AD203B41FA5}">
+                      <a16:colId xmlns:a16="http://schemas.microsoft.com/office/drawing/2014/main" val="1918979451"/>
+                    </a:ext>
+                  </a:extLst>
+                </a:gridCol>
+                <a:gridCol w="838200">
+                  <a:extLst>
+                    <a:ext uri="{9D8B030D-6E8A-4147-A177-3AD203B41FA5}">
+                      <a16:colId xmlns:a16="http://schemas.microsoft.com/office/drawing/2014/main" val="2406418125"/>
+                    </a:ext>
+                  </a:extLst>
+                </a:gridCol>
+                <a:gridCol w="914400">
+                  <a:extLst>
+                    <a:ext uri="{9D8B030D-6E8A-4147-A177-3AD203B41FA5}">
+                      <a16:colId xmlns:a16="http://schemas.microsoft.com/office/drawing/2014/main" val="2809684467"/>
+                    </a:ext>
+                  </a:extLst>
+                </a:gridCol>
+                <a:gridCol w="914400">
+                  <a:extLst>
+                    <a:ext uri="{9D8B030D-6E8A-4147-A177-3AD203B41FA5}">
+                      <a16:colId xmlns:a16="http://schemas.microsoft.com/office/drawing/2014/main" val="2834161803"/>
+                    </a:ext>
+                  </a:extLst>
+                </a:gridCol>
+                <a:gridCol w="1066800">
+                  <a:extLst>
+                    <a:ext uri="{9D8B030D-6E8A-4147-A177-3AD203B41FA5}">
+                      <a16:colId xmlns:a16="http://schemas.microsoft.com/office/drawing/2014/main" val="4207089861"/>
+                    </a:ext>
+                  </a:extLst>
+                </a:gridCol>
+                <a:gridCol w="1066800">
+                  <a:extLst>
+                    <a:ext uri="{9D8B030D-6E8A-4147-A177-3AD203B41FA5}">
+                      <a16:colId xmlns:a16="http://schemas.microsoft.com/office/drawing/2014/main" val="1031796733"/>
+                    </a:ext>
+                  </a:extLst>
+                </a:gridCol>
+                <a:gridCol w="1066800">
+                  <a:extLst>
+                    <a:ext uri="{9D8B030D-6E8A-4147-A177-3AD203B41FA5}">
+                      <a16:colId xmlns:a16="http://schemas.microsoft.com/office/drawing/2014/main" val="1156754050"/>
+                    </a:ext>
+                  </a:extLst>
+                </a:gridCol>
+                <a:gridCol w="1374505">
+                  <a:extLst>
+                    <a:ext uri="{9D8B030D-6E8A-4147-A177-3AD203B41FA5}">
+                      <a16:colId xmlns:a16="http://schemas.microsoft.com/office/drawing/2014/main" val="3925639030"/>
+                    </a:ext>
+                  </a:extLst>
+                </a:gridCol>
+              </a:tblGrid>
+              <a:tr h="415636">
+                <a:tc>
+                  <a:txBody>
+                    <a:bodyPr/>
+                    <a:lstStyle/>
+                    <a:p>
+                      <a:pPr algn="ctr"/>
+                      <a:r>
+                        <a:rPr lang="en-US" sz="1100"/>
+                        <a:t>inhibiting</a:t>
+                      </a:r>
+                      <a:endParaRPr lang="en-US" sz="1100" dirty="0"/>
+                    </a:p>
+                  </a:txBody>
+                  <a:tcPr marT="41564" marB="41564"/>
+                </a:tc>
+                <a:tc>
+                  <a:txBody>
+                    <a:bodyPr/>
+                    <a:lstStyle/>
+                    <a:p>
+                      <a:pPr algn="ctr"/>
+                      <a:r>
+                        <a:rPr lang="en-US" sz="1100" dirty="0"/>
+                        <a:t>LEC valid</a:t>
+                      </a:r>
+                    </a:p>
+                  </a:txBody>
+                  <a:tcPr marT="41564" marB="41564"/>
+                </a:tc>
+                <a:tc>
+                  <a:txBody>
+                    <a:bodyPr/>
+                    <a:lstStyle/>
+                    <a:p>
+                      <a:pPr algn="ctr"/>
+                      <a:r>
+                        <a:rPr lang="en-US" sz="1100" dirty="0"/>
+                        <a:t>BAF valid</a:t>
+                      </a:r>
+                    </a:p>
+                  </a:txBody>
+                  <a:tcPr marT="41564" marB="41564"/>
+                </a:tc>
+                <a:tc>
+                  <a:txBody>
+                    <a:bodyPr/>
+                    <a:lstStyle/>
+                    <a:p>
+                      <a:pPr algn="ctr"/>
+                      <a:r>
+                        <a:rPr lang="en-US" sz="1100" dirty="0"/>
+                        <a:t>LEC safe</a:t>
+                      </a:r>
+                    </a:p>
+                  </a:txBody>
+                  <a:tcPr marT="41564" marB="41564"/>
+                </a:tc>
+                <a:tc>
+                  <a:txBody>
+                    <a:bodyPr/>
+                    <a:lstStyle/>
+                    <a:p>
+                      <a:pPr algn="ctr"/>
+                      <a:r>
+                        <a:rPr lang="en-US" sz="1100" dirty="0"/>
+                        <a:t>BAF safe</a:t>
+                      </a:r>
+                    </a:p>
+                  </a:txBody>
+                  <a:tcPr marT="41564" marB="41564"/>
+                </a:tc>
+                <a:tc>
+                  <a:txBody>
+                    <a:bodyPr/>
+                    <a:lstStyle/>
+                    <a:p>
+                      <a:pPr algn="ctr"/>
+                      <a:r>
+                        <a:rPr lang="en-US" sz="1100" dirty="0"/>
+                        <a:t>LEC </a:t>
+                      </a:r>
+                      <a:r>
+                        <a:rPr lang="en-US" sz="1100" dirty="0" err="1"/>
+                        <a:t>tCPA</a:t>
+                      </a:r>
+                      <a:r>
+                        <a:rPr lang="en-US" sz="1100" dirty="0"/>
+                        <a:t> &gt; 179</a:t>
+                      </a:r>
+                    </a:p>
+                  </a:txBody>
+                  <a:tcPr marT="41564" marB="41564"/>
+                </a:tc>
+                <a:tc>
+                  <a:txBody>
+                    <a:bodyPr/>
+                    <a:lstStyle/>
+                    <a:p>
+                      <a:pPr algn="ctr"/>
+                      <a:r>
+                        <a:rPr lang="en-US" sz="1100" dirty="0"/>
+                        <a:t>BAF </a:t>
+                      </a:r>
+                      <a:r>
+                        <a:rPr lang="en-US" sz="1100" dirty="0" err="1"/>
+                        <a:t>tCPA</a:t>
+                      </a:r>
+                      <a:r>
+                        <a:rPr lang="en-US" sz="1100" dirty="0"/>
+                        <a:t> &gt; 179</a:t>
+                      </a:r>
+                    </a:p>
+                  </a:txBody>
+                  <a:tcPr marT="41564" marB="41564"/>
+                </a:tc>
+                <a:tc>
+                  <a:txBody>
+                    <a:bodyPr/>
+                    <a:lstStyle/>
+                    <a:p>
+                      <a:pPr algn="ctr"/>
+                      <a:r>
+                        <a:rPr lang="en-US" sz="1100" dirty="0"/>
+                        <a:t>LEC </a:t>
+                      </a:r>
+                      <a:r>
+                        <a:rPr lang="en-US" sz="1100" dirty="0" err="1"/>
+                        <a:t>pmd</a:t>
+                      </a:r>
+                      <a:r>
+                        <a:rPr lang="en-US" sz="1100" dirty="0"/>
+                        <a:t> &lt;</a:t>
+                      </a:r>
+                    </a:p>
+                    <a:p>
+                      <a:pPr algn="ctr"/>
+                      <a:r>
+                        <a:rPr lang="en-US" sz="1100" dirty="0"/>
+                        <a:t>BAF </a:t>
+                      </a:r>
+                      <a:r>
+                        <a:rPr lang="en-US" sz="1100" dirty="0" err="1"/>
+                        <a:t>pmd</a:t>
+                      </a:r>
+                      <a:endParaRPr lang="en-US" sz="1100" dirty="0"/>
+                    </a:p>
+                  </a:txBody>
+                  <a:tcPr marT="41564" marB="41564"/>
+                </a:tc>
+                <a:tc>
+                  <a:txBody>
+                    <a:bodyPr/>
+                    <a:lstStyle/>
+                    <a:p>
+                      <a:pPr algn="ctr"/>
+                      <a:r>
+                        <a:rPr lang="en-US" sz="1100" dirty="0" err="1"/>
+                        <a:t>currtime</a:t>
+                      </a:r>
+                      <a:r>
+                        <a:rPr lang="en-US" sz="1100" dirty="0"/>
+                        <a:t> &gt; </a:t>
+                      </a:r>
+                      <a:r>
+                        <a:rPr lang="en-US" sz="1100" dirty="0" err="1"/>
+                        <a:t>LEC.time</a:t>
+                      </a:r>
+                      <a:r>
+                        <a:rPr lang="en-US" sz="1100" dirty="0"/>
+                        <a:t> + 3</a:t>
+                      </a:r>
+                    </a:p>
+                  </a:txBody>
+                  <a:tcPr marT="41564" marB="41564"/>
+                </a:tc>
+                <a:tc>
+                  <a:txBody>
+                    <a:bodyPr/>
+                    <a:lstStyle/>
+                    <a:p>
+                      <a:pPr algn="ctr"/>
+                      <a:r>
+                        <a:rPr lang="en-US" sz="1100" dirty="0" err="1"/>
+                        <a:t>currtime</a:t>
+                      </a:r>
+                      <a:r>
+                        <a:rPr lang="en-US" sz="1100" dirty="0"/>
+                        <a:t> &gt; </a:t>
+                      </a:r>
+                      <a:r>
+                        <a:rPr lang="en-US" sz="1100" dirty="0" err="1"/>
+                        <a:t>BAF.time</a:t>
+                      </a:r>
+                      <a:r>
+                        <a:rPr lang="en-US" sz="1100" dirty="0"/>
+                        <a:t> + 3</a:t>
+                      </a:r>
+                    </a:p>
+                  </a:txBody>
+                  <a:tcPr marT="41564" marB="41564"/>
+                </a:tc>
+                <a:tc>
+                  <a:txBody>
+                    <a:bodyPr/>
+                    <a:lstStyle/>
+                    <a:p>
+                      <a:pPr algn="ctr"/>
+                      <a:r>
+                        <a:rPr lang="en-US" sz="1100" dirty="0"/>
+                        <a:t>output</a:t>
+                      </a:r>
+                    </a:p>
+                  </a:txBody>
+                  <a:tcPr marT="41564" marB="41564"/>
+                </a:tc>
+                <a:extLst>
+                  <a:ext uri="{0D108BD9-81ED-4DB2-BD59-A6C34878D82A}">
+                    <a16:rowId xmlns:a16="http://schemas.microsoft.com/office/drawing/2014/main" val="2305236158"/>
+                  </a:ext>
+                </a:extLst>
+              </a:tr>
+              <a:tr h="393607">
+                <a:tc>
+                  <a:txBody>
+                    <a:bodyPr/>
+                    <a:lstStyle/>
+                    <a:p>
+                      <a:pPr algn="ctr"/>
+                      <a:r>
+                        <a:rPr lang="en-US" sz="1100" dirty="0"/>
+                        <a:t>1</a:t>
+                      </a:r>
+                    </a:p>
+                  </a:txBody>
+                  <a:tcPr marT="41564" marB="41564"/>
+                </a:tc>
+                <a:tc>
+                  <a:txBody>
+                    <a:bodyPr/>
+                    <a:lstStyle/>
+                    <a:p>
+                      <a:pPr algn="ctr"/>
+                      <a:r>
+                        <a:rPr lang="en-US" sz="1100" dirty="0"/>
+                        <a:t>-</a:t>
+                      </a:r>
+                    </a:p>
+                  </a:txBody>
+                  <a:tcPr marT="41564" marB="41564"/>
+                </a:tc>
+                <a:tc>
+                  <a:txBody>
+                    <a:bodyPr/>
+                    <a:lstStyle/>
+                    <a:p>
+                      <a:pPr algn="ctr"/>
+                      <a:r>
+                        <a:rPr lang="en-US" sz="1100" dirty="0"/>
+                        <a:t>-</a:t>
+                      </a:r>
+                    </a:p>
+                  </a:txBody>
+                  <a:tcPr marT="41564" marB="41564"/>
+                </a:tc>
+                <a:tc>
+                  <a:txBody>
+                    <a:bodyPr/>
+                    <a:lstStyle/>
+                    <a:p>
+                      <a:pPr algn="ctr"/>
+                      <a:r>
+                        <a:rPr lang="en-US" sz="1100" dirty="0"/>
+                        <a:t>-</a:t>
+                      </a:r>
+                    </a:p>
+                  </a:txBody>
+                  <a:tcPr marT="41564" marB="41564"/>
+                </a:tc>
+                <a:tc>
+                  <a:txBody>
+                    <a:bodyPr/>
+                    <a:lstStyle/>
+                    <a:p>
+                      <a:pPr algn="ctr"/>
+                      <a:r>
+                        <a:rPr lang="en-US" sz="1100" dirty="0"/>
+                        <a:t>-</a:t>
+                      </a:r>
+                    </a:p>
+                  </a:txBody>
+                  <a:tcPr marT="41564" marB="41564"/>
+                </a:tc>
+                <a:tc>
+                  <a:txBody>
+                    <a:bodyPr/>
+                    <a:lstStyle/>
+                    <a:p>
+                      <a:pPr algn="ctr"/>
+                      <a:r>
+                        <a:rPr lang="en-US" sz="1100" dirty="0"/>
+                        <a:t>-</a:t>
+                      </a:r>
+                    </a:p>
+                  </a:txBody>
+                  <a:tcPr marT="41564" marB="41564"/>
+                </a:tc>
+                <a:tc>
+                  <a:txBody>
+                    <a:bodyPr/>
+                    <a:lstStyle/>
+                    <a:p>
+                      <a:pPr algn="ctr"/>
+                      <a:r>
+                        <a:rPr lang="en-US" sz="1100" dirty="0"/>
+                        <a:t>-</a:t>
+                      </a:r>
+                    </a:p>
+                  </a:txBody>
+                  <a:tcPr marT="41564" marB="41564"/>
+                </a:tc>
+                <a:tc>
+                  <a:txBody>
+                    <a:bodyPr/>
+                    <a:lstStyle/>
+                    <a:p>
+                      <a:pPr algn="ctr"/>
+                      <a:r>
+                        <a:rPr lang="en-US" sz="1100" dirty="0"/>
+                        <a:t>-</a:t>
+                      </a:r>
+                    </a:p>
+                  </a:txBody>
+                  <a:tcPr marT="41564" marB="41564"/>
+                </a:tc>
+                <a:tc>
+                  <a:txBody>
+                    <a:bodyPr/>
+                    <a:lstStyle/>
+                    <a:p>
+                      <a:pPr algn="ctr"/>
+                      <a:r>
+                        <a:rPr lang="en-US" sz="1100" dirty="0"/>
+                        <a:t>-</a:t>
+                      </a:r>
+                    </a:p>
+                  </a:txBody>
+                  <a:tcPr marT="41564" marB="41564"/>
+                </a:tc>
+                <a:tc>
+                  <a:txBody>
+                    <a:bodyPr/>
+                    <a:lstStyle/>
+                    <a:p>
+                      <a:pPr algn="ctr"/>
+                      <a:r>
+                        <a:rPr lang="en-US" sz="1100" dirty="0"/>
+                        <a:t>-</a:t>
+                      </a:r>
+                    </a:p>
+                  </a:txBody>
+                  <a:tcPr marT="41564" marB="41564"/>
+                </a:tc>
+                <a:tc>
+                  <a:txBody>
+                    <a:bodyPr/>
+                    <a:lstStyle/>
+                    <a:p>
+                      <a:pPr algn="ctr"/>
+                      <a:r>
+                        <a:rPr lang="en-US" sz="1100" dirty="0"/>
+                        <a:t>NO_PUBLISH</a:t>
+                      </a:r>
+                    </a:p>
+                  </a:txBody>
+                  <a:tcPr marT="41564" marB="41564"/>
+                </a:tc>
+                <a:extLst>
+                  <a:ext uri="{0D108BD9-81ED-4DB2-BD59-A6C34878D82A}">
+                    <a16:rowId xmlns:a16="http://schemas.microsoft.com/office/drawing/2014/main" val="574066289"/>
+                  </a:ext>
+                </a:extLst>
+              </a:tr>
+              <a:tr h="393607">
+                <a:tc>
+                  <a:txBody>
+                    <a:bodyPr/>
+                    <a:lstStyle/>
+                    <a:p>
+                      <a:pPr algn="ctr"/>
+                      <a:r>
+                        <a:rPr lang="en-US" sz="1100" dirty="0"/>
+                        <a:t>0</a:t>
+                      </a:r>
+                    </a:p>
+                  </a:txBody>
+                  <a:tcPr marT="41564" marB="41564"/>
+                </a:tc>
+                <a:tc>
+                  <a:txBody>
+                    <a:bodyPr/>
+                    <a:lstStyle/>
+                    <a:p>
+                      <a:pPr algn="ctr"/>
+                      <a:r>
+                        <a:rPr lang="en-US" sz="1100" dirty="0"/>
+                        <a:t>0</a:t>
+                      </a:r>
+                    </a:p>
+                  </a:txBody>
+                  <a:tcPr marT="41564" marB="41564"/>
+                </a:tc>
+                <a:tc>
+                  <a:txBody>
+                    <a:bodyPr/>
+                    <a:lstStyle/>
+                    <a:p>
+                      <a:pPr algn="ctr"/>
+                      <a:r>
+                        <a:rPr lang="en-US" sz="1100" dirty="0"/>
+                        <a:t>0</a:t>
+                      </a:r>
+                    </a:p>
+                  </a:txBody>
+                  <a:tcPr marT="41564" marB="41564"/>
+                </a:tc>
+                <a:tc>
+                  <a:txBody>
+                    <a:bodyPr/>
+                    <a:lstStyle/>
+                    <a:p>
+                      <a:pPr algn="ctr"/>
+                      <a:r>
+                        <a:rPr lang="en-US" sz="1100" dirty="0"/>
+                        <a:t>-</a:t>
+                      </a:r>
+                    </a:p>
+                  </a:txBody>
+                  <a:tcPr marT="41564" marB="41564"/>
+                </a:tc>
+                <a:tc>
+                  <a:txBody>
+                    <a:bodyPr/>
+                    <a:lstStyle/>
+                    <a:p>
+                      <a:pPr algn="ctr"/>
+                      <a:r>
+                        <a:rPr lang="en-US" sz="1100" dirty="0"/>
+                        <a:t>-</a:t>
+                      </a:r>
+                    </a:p>
+                  </a:txBody>
+                  <a:tcPr marT="41564" marB="41564"/>
+                </a:tc>
+                <a:tc>
+                  <a:txBody>
+                    <a:bodyPr/>
+                    <a:lstStyle/>
+                    <a:p>
+                      <a:pPr algn="ctr"/>
+                      <a:r>
+                        <a:rPr lang="en-US" sz="1100" dirty="0"/>
+                        <a:t>-</a:t>
+                      </a:r>
+                    </a:p>
+                  </a:txBody>
+                  <a:tcPr marT="41564" marB="41564"/>
+                </a:tc>
+                <a:tc>
+                  <a:txBody>
+                    <a:bodyPr/>
+                    <a:lstStyle/>
+                    <a:p>
+                      <a:pPr algn="ctr"/>
+                      <a:r>
+                        <a:rPr lang="en-US" sz="1100" dirty="0"/>
+                        <a:t>-</a:t>
+                      </a:r>
+                    </a:p>
+                  </a:txBody>
+                  <a:tcPr marT="41564" marB="41564"/>
+                </a:tc>
+                <a:tc>
+                  <a:txBody>
+                    <a:bodyPr/>
+                    <a:lstStyle/>
+                    <a:p>
+                      <a:pPr algn="ctr"/>
+                      <a:r>
+                        <a:rPr lang="en-US" sz="1100" dirty="0"/>
+                        <a:t>-</a:t>
+                      </a:r>
+                    </a:p>
+                  </a:txBody>
+                  <a:tcPr marT="41564" marB="41564"/>
+                </a:tc>
+                <a:tc>
+                  <a:txBody>
+                    <a:bodyPr/>
+                    <a:lstStyle/>
+                    <a:p>
+                      <a:pPr algn="ctr"/>
+                      <a:r>
+                        <a:rPr lang="en-US" sz="1100" dirty="0"/>
+                        <a:t>-</a:t>
+                      </a:r>
+                    </a:p>
+                  </a:txBody>
+                  <a:tcPr marT="41564" marB="41564"/>
+                </a:tc>
+                <a:tc>
+                  <a:txBody>
+                    <a:bodyPr/>
+                    <a:lstStyle/>
+                    <a:p>
+                      <a:pPr algn="ctr"/>
+                      <a:r>
+                        <a:rPr lang="en-US" sz="1100" dirty="0"/>
+                        <a:t>-</a:t>
+                      </a:r>
+                    </a:p>
+                  </a:txBody>
+                  <a:tcPr marT="41564" marB="41564"/>
+                </a:tc>
+                <a:tc>
+                  <a:txBody>
+                    <a:bodyPr/>
+                    <a:lstStyle/>
+                    <a:p>
+                      <a:pPr marL="0" marR="0" lvl="0" indent="0" algn="ctr" defTabSz="914400" rtl="0" eaLnBrk="1" fontAlgn="auto" latinLnBrk="0" hangingPunct="1">
+                        <a:lnSpc>
+                          <a:spcPct val="100000"/>
+                        </a:lnSpc>
+                        <a:spcBef>
+                          <a:spcPts val="0"/>
+                        </a:spcBef>
+                        <a:spcAft>
+                          <a:spcPts val="0"/>
+                        </a:spcAft>
+                        <a:buClrTx/>
+                        <a:buSzTx/>
+                        <a:buFontTx/>
+                        <a:buNone/>
+                        <a:tabLst/>
+                        <a:defRPr/>
+                      </a:pPr>
+                      <a:r>
+                        <a:rPr lang="en-US" sz="1100" dirty="0"/>
+                        <a:t>NO_PUBLISH</a:t>
+                      </a:r>
+                    </a:p>
+                  </a:txBody>
+                  <a:tcPr marT="41564" marB="41564"/>
+                </a:tc>
+                <a:extLst>
+                  <a:ext uri="{0D108BD9-81ED-4DB2-BD59-A6C34878D82A}">
+                    <a16:rowId xmlns:a16="http://schemas.microsoft.com/office/drawing/2014/main" val="1995713678"/>
+                  </a:ext>
+                </a:extLst>
+              </a:tr>
+              <a:tr h="393607">
+                <a:tc>
+                  <a:txBody>
+                    <a:bodyPr/>
+                    <a:lstStyle/>
+                    <a:p>
+                      <a:pPr algn="ctr"/>
+                      <a:r>
+                        <a:rPr lang="en-US" sz="1100" dirty="0"/>
+                        <a:t>0</a:t>
+                      </a:r>
+                    </a:p>
+                  </a:txBody>
+                  <a:tcPr marT="41564" marB="41564"/>
+                </a:tc>
+                <a:tc>
+                  <a:txBody>
+                    <a:bodyPr/>
+                    <a:lstStyle/>
+                    <a:p>
+                      <a:pPr algn="ctr"/>
+                      <a:r>
+                        <a:rPr lang="en-US" sz="1100" dirty="0"/>
+                        <a:t>1</a:t>
+                      </a:r>
+                    </a:p>
+                  </a:txBody>
+                  <a:tcPr marT="41564" marB="41564"/>
+                </a:tc>
+                <a:tc>
+                  <a:txBody>
+                    <a:bodyPr/>
+                    <a:lstStyle/>
+                    <a:p>
+                      <a:pPr algn="ctr"/>
+                      <a:r>
+                        <a:rPr lang="en-US" sz="1100" dirty="0"/>
+                        <a:t>0</a:t>
+                      </a:r>
+                    </a:p>
+                  </a:txBody>
+                  <a:tcPr marT="41564" marB="41564"/>
+                </a:tc>
+                <a:tc>
+                  <a:txBody>
+                    <a:bodyPr/>
+                    <a:lstStyle/>
+                    <a:p>
+                      <a:pPr algn="ctr"/>
+                      <a:r>
+                        <a:rPr lang="en-US" sz="1100" dirty="0"/>
+                        <a:t>-</a:t>
+                      </a:r>
+                    </a:p>
+                  </a:txBody>
+                  <a:tcPr marT="41564" marB="41564"/>
+                </a:tc>
+                <a:tc>
+                  <a:txBody>
+                    <a:bodyPr/>
+                    <a:lstStyle/>
+                    <a:p>
+                      <a:pPr algn="ctr"/>
+                      <a:r>
+                        <a:rPr lang="en-US" sz="1100" dirty="0"/>
+                        <a:t>-</a:t>
+                      </a:r>
+                    </a:p>
+                  </a:txBody>
+                  <a:tcPr marT="41564" marB="41564"/>
+                </a:tc>
+                <a:tc>
+                  <a:txBody>
+                    <a:bodyPr/>
+                    <a:lstStyle/>
+                    <a:p>
+                      <a:pPr algn="ctr"/>
+                      <a:r>
+                        <a:rPr lang="en-US" sz="1100" dirty="0"/>
+                        <a:t>-</a:t>
+                      </a:r>
+                    </a:p>
+                  </a:txBody>
+                  <a:tcPr marT="41564" marB="41564"/>
+                </a:tc>
+                <a:tc>
+                  <a:txBody>
+                    <a:bodyPr/>
+                    <a:lstStyle/>
+                    <a:p>
+                      <a:pPr algn="ctr"/>
+                      <a:r>
+                        <a:rPr lang="en-US" sz="1100" dirty="0"/>
+                        <a:t>-</a:t>
+                      </a:r>
+                    </a:p>
+                  </a:txBody>
+                  <a:tcPr marT="41564" marB="41564"/>
+                </a:tc>
+                <a:tc>
+                  <a:txBody>
+                    <a:bodyPr/>
+                    <a:lstStyle/>
+                    <a:p>
+                      <a:pPr algn="ctr"/>
+                      <a:r>
+                        <a:rPr lang="en-US" sz="1100" dirty="0"/>
+                        <a:t>-</a:t>
+                      </a:r>
+                    </a:p>
+                  </a:txBody>
+                  <a:tcPr marT="41564" marB="41564"/>
+                </a:tc>
+                <a:tc>
+                  <a:txBody>
+                    <a:bodyPr/>
+                    <a:lstStyle/>
+                    <a:p>
+                      <a:pPr algn="ctr"/>
+                      <a:r>
+                        <a:rPr lang="en-US" sz="1100" dirty="0"/>
+                        <a:t>0</a:t>
+                      </a:r>
+                    </a:p>
+                  </a:txBody>
+                  <a:tcPr marT="41564" marB="41564"/>
+                </a:tc>
+                <a:tc>
+                  <a:txBody>
+                    <a:bodyPr/>
+                    <a:lstStyle/>
+                    <a:p>
+                      <a:pPr algn="ctr"/>
+                      <a:r>
+                        <a:rPr lang="en-US" sz="1100" dirty="0"/>
+                        <a:t>-</a:t>
+                      </a:r>
+                    </a:p>
+                  </a:txBody>
+                  <a:tcPr marT="41564" marB="41564"/>
+                </a:tc>
+                <a:tc>
+                  <a:txBody>
+                    <a:bodyPr/>
+                    <a:lstStyle/>
+                    <a:p>
+                      <a:pPr marL="0" marR="0" lvl="0" indent="0" algn="ctr" defTabSz="914400" rtl="0" eaLnBrk="1" fontAlgn="auto" latinLnBrk="0" hangingPunct="1">
+                        <a:lnSpc>
+                          <a:spcPct val="100000"/>
+                        </a:lnSpc>
+                        <a:spcBef>
+                          <a:spcPts val="0"/>
+                        </a:spcBef>
+                        <a:spcAft>
+                          <a:spcPts val="0"/>
+                        </a:spcAft>
+                        <a:buClrTx/>
+                        <a:buSzTx/>
+                        <a:buFontTx/>
+                        <a:buNone/>
+                        <a:tabLst/>
+                        <a:defRPr/>
+                      </a:pPr>
+                      <a:r>
+                        <a:rPr lang="en-US" sz="1100" dirty="0"/>
+                        <a:t>NO_PUBLISH</a:t>
+                      </a:r>
+                    </a:p>
+                  </a:txBody>
+                  <a:tcPr marT="41564" marB="41564"/>
+                </a:tc>
+                <a:extLst>
+                  <a:ext uri="{0D108BD9-81ED-4DB2-BD59-A6C34878D82A}">
+                    <a16:rowId xmlns:a16="http://schemas.microsoft.com/office/drawing/2014/main" val="493525103"/>
+                  </a:ext>
+                </a:extLst>
+              </a:tr>
+              <a:tr h="393607">
+                <a:tc>
+                  <a:txBody>
+                    <a:bodyPr/>
+                    <a:lstStyle/>
+                    <a:p>
+                      <a:pPr algn="ctr"/>
+                      <a:r>
+                        <a:rPr lang="en-US" sz="1100" dirty="0"/>
+                        <a:t>0</a:t>
+                      </a:r>
+                    </a:p>
+                  </a:txBody>
+                  <a:tcPr marT="41564" marB="41564"/>
+                </a:tc>
+                <a:tc>
+                  <a:txBody>
+                    <a:bodyPr/>
+                    <a:lstStyle/>
+                    <a:p>
+                      <a:pPr algn="ctr"/>
+                      <a:r>
+                        <a:rPr lang="en-US" sz="1100" dirty="0"/>
+                        <a:t>1</a:t>
+                      </a:r>
+                    </a:p>
+                  </a:txBody>
+                  <a:tcPr marT="41564" marB="41564"/>
+                </a:tc>
+                <a:tc>
+                  <a:txBody>
+                    <a:bodyPr/>
+                    <a:lstStyle/>
+                    <a:p>
+                      <a:pPr algn="ctr"/>
+                      <a:r>
+                        <a:rPr lang="en-US" sz="1100" dirty="0"/>
+                        <a:t>0</a:t>
+                      </a:r>
+                    </a:p>
+                  </a:txBody>
+                  <a:tcPr marT="41564" marB="41564"/>
+                </a:tc>
+                <a:tc>
+                  <a:txBody>
+                    <a:bodyPr/>
+                    <a:lstStyle/>
+                    <a:p>
+                      <a:pPr algn="ctr"/>
+                      <a:r>
+                        <a:rPr lang="en-US" sz="1100" dirty="0"/>
+                        <a:t>-</a:t>
+                      </a:r>
+                    </a:p>
+                  </a:txBody>
+                  <a:tcPr marT="41564" marB="41564"/>
+                </a:tc>
+                <a:tc>
+                  <a:txBody>
+                    <a:bodyPr/>
+                    <a:lstStyle/>
+                    <a:p>
+                      <a:pPr algn="ctr"/>
+                      <a:r>
+                        <a:rPr lang="en-US" sz="1100" dirty="0"/>
+                        <a:t>-</a:t>
+                      </a:r>
+                    </a:p>
+                  </a:txBody>
+                  <a:tcPr marT="41564" marB="41564"/>
+                </a:tc>
+                <a:tc>
+                  <a:txBody>
+                    <a:bodyPr/>
+                    <a:lstStyle/>
+                    <a:p>
+                      <a:pPr algn="ctr"/>
+                      <a:r>
+                        <a:rPr lang="en-US" sz="1100" dirty="0"/>
+                        <a:t>-</a:t>
+                      </a:r>
+                    </a:p>
+                  </a:txBody>
+                  <a:tcPr marT="41564" marB="41564"/>
+                </a:tc>
+                <a:tc>
+                  <a:txBody>
+                    <a:bodyPr/>
+                    <a:lstStyle/>
+                    <a:p>
+                      <a:pPr algn="ctr"/>
+                      <a:r>
+                        <a:rPr lang="en-US" sz="1100" dirty="0"/>
+                        <a:t>-</a:t>
+                      </a:r>
+                    </a:p>
+                  </a:txBody>
+                  <a:tcPr marT="41564" marB="41564"/>
+                </a:tc>
+                <a:tc>
+                  <a:txBody>
+                    <a:bodyPr/>
+                    <a:lstStyle/>
+                    <a:p>
+                      <a:pPr algn="ctr"/>
+                      <a:r>
+                        <a:rPr lang="en-US" sz="1100" dirty="0"/>
+                        <a:t>-</a:t>
+                      </a:r>
+                    </a:p>
+                  </a:txBody>
+                  <a:tcPr marT="41564" marB="41564"/>
+                </a:tc>
+                <a:tc>
+                  <a:txBody>
+                    <a:bodyPr/>
+                    <a:lstStyle/>
+                    <a:p>
+                      <a:pPr algn="ctr"/>
+                      <a:r>
+                        <a:rPr lang="en-US" sz="1100" dirty="0"/>
+                        <a:t>1</a:t>
+                      </a:r>
+                    </a:p>
+                  </a:txBody>
+                  <a:tcPr marT="41564" marB="41564"/>
+                </a:tc>
+                <a:tc>
+                  <a:txBody>
+                    <a:bodyPr/>
+                    <a:lstStyle/>
+                    <a:p>
+                      <a:pPr algn="ctr"/>
+                      <a:r>
+                        <a:rPr lang="en-US" sz="1100" dirty="0"/>
+                        <a:t>-</a:t>
+                      </a:r>
+                    </a:p>
+                  </a:txBody>
+                  <a:tcPr marT="41564" marB="41564"/>
+                </a:tc>
+                <a:tc>
+                  <a:txBody>
+                    <a:bodyPr/>
+                    <a:lstStyle/>
+                    <a:p>
+                      <a:pPr algn="ctr"/>
+                      <a:r>
+                        <a:rPr lang="en-US" sz="1100" dirty="0"/>
+                        <a:t>PUBLISH_LEC</a:t>
+                      </a:r>
+                    </a:p>
+                  </a:txBody>
+                  <a:tcPr marT="41564" marB="41564"/>
+                </a:tc>
+                <a:extLst>
+                  <a:ext uri="{0D108BD9-81ED-4DB2-BD59-A6C34878D82A}">
+                    <a16:rowId xmlns:a16="http://schemas.microsoft.com/office/drawing/2014/main" val="635113704"/>
+                  </a:ext>
+                </a:extLst>
+              </a:tr>
+              <a:tr h="393607">
+                <a:tc>
+                  <a:txBody>
+                    <a:bodyPr/>
+                    <a:lstStyle/>
+                    <a:p>
+                      <a:pPr algn="ctr"/>
+                      <a:r>
+                        <a:rPr lang="en-US" sz="1100" dirty="0"/>
+                        <a:t>0</a:t>
+                      </a:r>
+                    </a:p>
+                  </a:txBody>
+                  <a:tcPr marT="41564" marB="41564"/>
+                </a:tc>
+                <a:tc>
+                  <a:txBody>
+                    <a:bodyPr/>
+                    <a:lstStyle/>
+                    <a:p>
+                      <a:pPr algn="ctr"/>
+                      <a:r>
+                        <a:rPr lang="en-US" sz="1100" dirty="0"/>
+                        <a:t>0</a:t>
+                      </a:r>
+                    </a:p>
+                  </a:txBody>
+                  <a:tcPr marT="41564" marB="41564"/>
+                </a:tc>
+                <a:tc>
+                  <a:txBody>
+                    <a:bodyPr/>
+                    <a:lstStyle/>
+                    <a:p>
+                      <a:pPr algn="ctr"/>
+                      <a:r>
+                        <a:rPr lang="en-US" sz="1100" dirty="0"/>
+                        <a:t>1</a:t>
+                      </a:r>
+                    </a:p>
+                  </a:txBody>
+                  <a:tcPr marT="41564" marB="41564"/>
+                </a:tc>
+                <a:tc>
+                  <a:txBody>
+                    <a:bodyPr/>
+                    <a:lstStyle/>
+                    <a:p>
+                      <a:pPr algn="ctr"/>
+                      <a:r>
+                        <a:rPr lang="en-US" sz="1100" dirty="0"/>
+                        <a:t>-</a:t>
+                      </a:r>
+                    </a:p>
+                  </a:txBody>
+                  <a:tcPr marT="41564" marB="41564"/>
+                </a:tc>
+                <a:tc>
+                  <a:txBody>
+                    <a:bodyPr/>
+                    <a:lstStyle/>
+                    <a:p>
+                      <a:pPr algn="ctr"/>
+                      <a:r>
+                        <a:rPr lang="en-US" sz="1100" dirty="0"/>
+                        <a:t>-</a:t>
+                      </a:r>
+                    </a:p>
+                  </a:txBody>
+                  <a:tcPr marT="41564" marB="41564"/>
+                </a:tc>
+                <a:tc>
+                  <a:txBody>
+                    <a:bodyPr/>
+                    <a:lstStyle/>
+                    <a:p>
+                      <a:pPr algn="ctr"/>
+                      <a:r>
+                        <a:rPr lang="en-US" sz="1100" dirty="0"/>
+                        <a:t>-</a:t>
+                      </a:r>
+                    </a:p>
+                  </a:txBody>
+                  <a:tcPr marT="41564" marB="41564"/>
+                </a:tc>
+                <a:tc>
+                  <a:txBody>
+                    <a:bodyPr/>
+                    <a:lstStyle/>
+                    <a:p>
+                      <a:pPr algn="ctr"/>
+                      <a:r>
+                        <a:rPr lang="en-US" sz="1100" dirty="0"/>
+                        <a:t>-</a:t>
+                      </a:r>
+                    </a:p>
+                  </a:txBody>
+                  <a:tcPr marT="41564" marB="41564"/>
+                </a:tc>
+                <a:tc>
+                  <a:txBody>
+                    <a:bodyPr/>
+                    <a:lstStyle/>
+                    <a:p>
+                      <a:pPr algn="ctr"/>
+                      <a:r>
+                        <a:rPr lang="en-US" sz="1100" dirty="0"/>
+                        <a:t>-</a:t>
+                      </a:r>
+                    </a:p>
+                  </a:txBody>
+                  <a:tcPr marT="41564" marB="41564"/>
+                </a:tc>
+                <a:tc>
+                  <a:txBody>
+                    <a:bodyPr/>
+                    <a:lstStyle/>
+                    <a:p>
+                      <a:pPr algn="ctr"/>
+                      <a:r>
+                        <a:rPr lang="en-US" sz="1100" dirty="0"/>
+                        <a:t>-</a:t>
+                      </a:r>
+                    </a:p>
+                  </a:txBody>
+                  <a:tcPr marT="41564" marB="41564"/>
+                </a:tc>
+                <a:tc>
+                  <a:txBody>
+                    <a:bodyPr/>
+                    <a:lstStyle/>
+                    <a:p>
+                      <a:pPr algn="ctr"/>
+                      <a:r>
+                        <a:rPr lang="en-US" sz="1100" dirty="0"/>
+                        <a:t>0</a:t>
+                      </a:r>
+                    </a:p>
+                  </a:txBody>
+                  <a:tcPr marT="41564" marB="41564"/>
+                </a:tc>
+                <a:tc>
+                  <a:txBody>
+                    <a:bodyPr/>
+                    <a:lstStyle/>
+                    <a:p>
+                      <a:pPr marL="0" marR="0" lvl="0" indent="0" algn="ctr" defTabSz="914400" rtl="0" eaLnBrk="1" fontAlgn="auto" latinLnBrk="0" hangingPunct="1">
+                        <a:lnSpc>
+                          <a:spcPct val="100000"/>
+                        </a:lnSpc>
+                        <a:spcBef>
+                          <a:spcPts val="0"/>
+                        </a:spcBef>
+                        <a:spcAft>
+                          <a:spcPts val="0"/>
+                        </a:spcAft>
+                        <a:buClrTx/>
+                        <a:buSzTx/>
+                        <a:buFontTx/>
+                        <a:buNone/>
+                        <a:tabLst/>
+                        <a:defRPr/>
+                      </a:pPr>
+                      <a:r>
+                        <a:rPr lang="en-US" sz="1100" dirty="0"/>
+                        <a:t>NO_PUBLISH</a:t>
+                      </a:r>
+                    </a:p>
+                  </a:txBody>
+                  <a:tcPr marT="41564" marB="41564"/>
+                </a:tc>
+                <a:extLst>
+                  <a:ext uri="{0D108BD9-81ED-4DB2-BD59-A6C34878D82A}">
+                    <a16:rowId xmlns:a16="http://schemas.microsoft.com/office/drawing/2014/main" val="3361261370"/>
+                  </a:ext>
+                </a:extLst>
+              </a:tr>
+              <a:tr h="393607">
+                <a:tc>
+                  <a:txBody>
+                    <a:bodyPr/>
+                    <a:lstStyle/>
+                    <a:p>
+                      <a:pPr algn="ctr"/>
+                      <a:r>
+                        <a:rPr lang="en-US" sz="1100" dirty="0"/>
+                        <a:t>0</a:t>
+                      </a:r>
+                    </a:p>
+                  </a:txBody>
+                  <a:tcPr marT="41564" marB="41564"/>
+                </a:tc>
+                <a:tc>
+                  <a:txBody>
+                    <a:bodyPr/>
+                    <a:lstStyle/>
+                    <a:p>
+                      <a:pPr algn="ctr"/>
+                      <a:r>
+                        <a:rPr lang="en-US" sz="1100" dirty="0"/>
+                        <a:t>0</a:t>
+                      </a:r>
+                    </a:p>
+                  </a:txBody>
+                  <a:tcPr marT="41564" marB="41564"/>
+                </a:tc>
+                <a:tc>
+                  <a:txBody>
+                    <a:bodyPr/>
+                    <a:lstStyle/>
+                    <a:p>
+                      <a:pPr algn="ctr"/>
+                      <a:r>
+                        <a:rPr lang="en-US" sz="1100" dirty="0"/>
+                        <a:t>1</a:t>
+                      </a:r>
+                    </a:p>
+                  </a:txBody>
+                  <a:tcPr marT="41564" marB="41564"/>
+                </a:tc>
+                <a:tc>
+                  <a:txBody>
+                    <a:bodyPr/>
+                    <a:lstStyle/>
+                    <a:p>
+                      <a:pPr algn="ctr"/>
+                      <a:r>
+                        <a:rPr lang="en-US" sz="1100" dirty="0"/>
+                        <a:t>-</a:t>
+                      </a:r>
+                    </a:p>
+                  </a:txBody>
+                  <a:tcPr marT="41564" marB="41564"/>
+                </a:tc>
+                <a:tc>
+                  <a:txBody>
+                    <a:bodyPr/>
+                    <a:lstStyle/>
+                    <a:p>
+                      <a:pPr algn="ctr"/>
+                      <a:r>
+                        <a:rPr lang="en-US" sz="1100" dirty="0"/>
+                        <a:t>-</a:t>
+                      </a:r>
+                    </a:p>
+                  </a:txBody>
+                  <a:tcPr marT="41564" marB="41564"/>
+                </a:tc>
+                <a:tc>
+                  <a:txBody>
+                    <a:bodyPr/>
+                    <a:lstStyle/>
+                    <a:p>
+                      <a:pPr algn="ctr"/>
+                      <a:r>
+                        <a:rPr lang="en-US" sz="1100" dirty="0"/>
+                        <a:t>-</a:t>
+                      </a:r>
+                    </a:p>
+                  </a:txBody>
+                  <a:tcPr marT="41564" marB="41564"/>
+                </a:tc>
+                <a:tc>
+                  <a:txBody>
+                    <a:bodyPr/>
+                    <a:lstStyle/>
+                    <a:p>
+                      <a:pPr algn="ctr"/>
+                      <a:r>
+                        <a:rPr lang="en-US" sz="1100" dirty="0"/>
+                        <a:t>-</a:t>
+                      </a:r>
+                    </a:p>
+                  </a:txBody>
+                  <a:tcPr marT="41564" marB="41564"/>
+                </a:tc>
+                <a:tc>
+                  <a:txBody>
+                    <a:bodyPr/>
+                    <a:lstStyle/>
+                    <a:p>
+                      <a:pPr algn="ctr"/>
+                      <a:r>
+                        <a:rPr lang="en-US" sz="1100" dirty="0"/>
+                        <a:t>-</a:t>
+                      </a:r>
+                    </a:p>
+                  </a:txBody>
+                  <a:tcPr marT="41564" marB="41564"/>
+                </a:tc>
+                <a:tc>
+                  <a:txBody>
+                    <a:bodyPr/>
+                    <a:lstStyle/>
+                    <a:p>
+                      <a:pPr algn="ctr"/>
+                      <a:r>
+                        <a:rPr lang="en-US" sz="1100" dirty="0"/>
+                        <a:t>-</a:t>
+                      </a:r>
+                    </a:p>
+                  </a:txBody>
+                  <a:tcPr marT="41564" marB="41564"/>
+                </a:tc>
+                <a:tc>
+                  <a:txBody>
+                    <a:bodyPr/>
+                    <a:lstStyle/>
+                    <a:p>
+                      <a:pPr algn="ctr"/>
+                      <a:r>
+                        <a:rPr lang="en-US" sz="1100" dirty="0"/>
+                        <a:t>1</a:t>
+                      </a:r>
+                    </a:p>
+                  </a:txBody>
+                  <a:tcPr marT="41564" marB="41564"/>
+                </a:tc>
+                <a:tc>
+                  <a:txBody>
+                    <a:bodyPr/>
+                    <a:lstStyle/>
+                    <a:p>
+                      <a:pPr algn="ctr"/>
+                      <a:r>
+                        <a:rPr lang="en-US" sz="1100" dirty="0"/>
+                        <a:t>PUBLISH_BAF</a:t>
+                      </a:r>
+                    </a:p>
+                  </a:txBody>
+                  <a:tcPr marT="41564" marB="41564"/>
+                </a:tc>
+                <a:extLst>
+                  <a:ext uri="{0D108BD9-81ED-4DB2-BD59-A6C34878D82A}">
+                    <a16:rowId xmlns:a16="http://schemas.microsoft.com/office/drawing/2014/main" val="527110069"/>
+                  </a:ext>
+                </a:extLst>
+              </a:tr>
+              <a:tr h="393607">
+                <a:tc>
+                  <a:txBody>
+                    <a:bodyPr/>
+                    <a:lstStyle/>
+                    <a:p>
+                      <a:pPr algn="ctr"/>
+                      <a:r>
+                        <a:rPr lang="en-US" sz="1100" dirty="0"/>
+                        <a:t>0</a:t>
+                      </a:r>
+                    </a:p>
+                  </a:txBody>
+                  <a:tcPr marT="41564" marB="41564"/>
+                </a:tc>
+                <a:tc>
+                  <a:txBody>
+                    <a:bodyPr/>
+                    <a:lstStyle/>
+                    <a:p>
+                      <a:pPr algn="ctr"/>
+                      <a:r>
+                        <a:rPr lang="en-US" sz="1100" dirty="0"/>
+                        <a:t>1</a:t>
+                      </a:r>
+                    </a:p>
+                  </a:txBody>
+                  <a:tcPr marT="41564" marB="41564"/>
+                </a:tc>
+                <a:tc>
+                  <a:txBody>
+                    <a:bodyPr/>
+                    <a:lstStyle/>
+                    <a:p>
+                      <a:pPr algn="ctr"/>
+                      <a:r>
+                        <a:rPr lang="en-US" sz="1100" dirty="0"/>
+                        <a:t>1</a:t>
+                      </a:r>
+                    </a:p>
+                  </a:txBody>
+                  <a:tcPr marT="41564" marB="41564"/>
+                </a:tc>
+                <a:tc>
+                  <a:txBody>
+                    <a:bodyPr/>
+                    <a:lstStyle/>
+                    <a:p>
+                      <a:pPr algn="ctr"/>
+                      <a:r>
+                        <a:rPr lang="en-US" sz="1100" dirty="0"/>
+                        <a:t>0</a:t>
+                      </a:r>
+                    </a:p>
+                  </a:txBody>
+                  <a:tcPr marT="41564" marB="41564"/>
+                </a:tc>
+                <a:tc>
+                  <a:txBody>
+                    <a:bodyPr/>
+                    <a:lstStyle/>
+                    <a:p>
+                      <a:pPr algn="ctr"/>
+                      <a:r>
+                        <a:rPr lang="en-US" sz="1100" dirty="0"/>
+                        <a:t>0</a:t>
+                      </a:r>
+                    </a:p>
+                  </a:txBody>
+                  <a:tcPr marT="41564" marB="41564"/>
+                </a:tc>
+                <a:tc>
+                  <a:txBody>
+                    <a:bodyPr/>
+                    <a:lstStyle/>
+                    <a:p>
+                      <a:pPr algn="ctr"/>
+                      <a:r>
+                        <a:rPr lang="en-US" sz="1100" dirty="0"/>
+                        <a:t>-</a:t>
+                      </a:r>
+                    </a:p>
+                  </a:txBody>
+                  <a:tcPr marT="41564" marB="41564"/>
+                </a:tc>
+                <a:tc>
+                  <a:txBody>
+                    <a:bodyPr/>
+                    <a:lstStyle/>
+                    <a:p>
+                      <a:pPr algn="ctr"/>
+                      <a:r>
+                        <a:rPr lang="en-US" sz="1100" dirty="0"/>
+                        <a:t>-</a:t>
+                      </a:r>
+                    </a:p>
+                  </a:txBody>
+                  <a:tcPr marT="41564" marB="41564"/>
+                </a:tc>
+                <a:tc>
+                  <a:txBody>
+                    <a:bodyPr/>
+                    <a:lstStyle/>
+                    <a:p>
+                      <a:pPr algn="ctr"/>
+                      <a:r>
+                        <a:rPr lang="en-US" sz="1100" dirty="0"/>
+                        <a:t>1</a:t>
+                      </a:r>
+                    </a:p>
+                  </a:txBody>
+                  <a:tcPr marT="41564" marB="41564"/>
+                </a:tc>
+                <a:tc>
+                  <a:txBody>
+                    <a:bodyPr/>
+                    <a:lstStyle/>
+                    <a:p>
+                      <a:pPr algn="ctr"/>
+                      <a:r>
+                        <a:rPr lang="en-US" sz="1100" dirty="0"/>
+                        <a:t>-</a:t>
+                      </a:r>
+                    </a:p>
+                  </a:txBody>
+                  <a:tcPr marT="41564" marB="41564"/>
+                </a:tc>
+                <a:tc>
+                  <a:txBody>
+                    <a:bodyPr/>
+                    <a:lstStyle/>
+                    <a:p>
+                      <a:pPr algn="ctr"/>
+                      <a:r>
+                        <a:rPr lang="en-US" sz="1100" dirty="0"/>
+                        <a:t>-</a:t>
+                      </a:r>
+                    </a:p>
+                  </a:txBody>
+                  <a:tcPr marT="41564" marB="41564"/>
+                </a:tc>
+                <a:tc>
+                  <a:txBody>
+                    <a:bodyPr/>
+                    <a:lstStyle/>
+                    <a:p>
+                      <a:pPr algn="ctr"/>
+                      <a:r>
+                        <a:rPr lang="en-US" sz="1100" dirty="0"/>
+                        <a:t>PUBLISH_BAF</a:t>
+                      </a:r>
+                    </a:p>
+                  </a:txBody>
+                  <a:tcPr marT="41564" marB="41564"/>
+                </a:tc>
+                <a:extLst>
+                  <a:ext uri="{0D108BD9-81ED-4DB2-BD59-A6C34878D82A}">
+                    <a16:rowId xmlns:a16="http://schemas.microsoft.com/office/drawing/2014/main" val="1343357259"/>
+                  </a:ext>
+                </a:extLst>
+              </a:tr>
+              <a:tr h="393607">
+                <a:tc>
+                  <a:txBody>
+                    <a:bodyPr/>
+                    <a:lstStyle/>
+                    <a:p>
+                      <a:pPr algn="ctr"/>
+                      <a:r>
+                        <a:rPr lang="en-US" sz="1100" dirty="0"/>
+                        <a:t>0</a:t>
+                      </a:r>
+                    </a:p>
+                  </a:txBody>
+                  <a:tcPr marT="41564" marB="41564"/>
+                </a:tc>
+                <a:tc>
+                  <a:txBody>
+                    <a:bodyPr/>
+                    <a:lstStyle/>
+                    <a:p>
+                      <a:pPr algn="ctr"/>
+                      <a:r>
+                        <a:rPr lang="en-US" sz="1100" dirty="0"/>
+                        <a:t>1</a:t>
+                      </a:r>
+                    </a:p>
+                  </a:txBody>
+                  <a:tcPr marT="41564" marB="41564"/>
+                </a:tc>
+                <a:tc>
+                  <a:txBody>
+                    <a:bodyPr/>
+                    <a:lstStyle/>
+                    <a:p>
+                      <a:pPr algn="ctr"/>
+                      <a:r>
+                        <a:rPr lang="en-US" sz="1100" dirty="0"/>
+                        <a:t>1</a:t>
+                      </a:r>
+                    </a:p>
+                  </a:txBody>
+                  <a:tcPr marT="41564" marB="41564"/>
+                </a:tc>
+                <a:tc>
+                  <a:txBody>
+                    <a:bodyPr/>
+                    <a:lstStyle/>
+                    <a:p>
+                      <a:pPr algn="ctr"/>
+                      <a:r>
+                        <a:rPr lang="en-US" sz="1100" dirty="0"/>
+                        <a:t>0</a:t>
+                      </a:r>
+                    </a:p>
+                  </a:txBody>
+                  <a:tcPr marT="41564" marB="41564"/>
+                </a:tc>
+                <a:tc>
+                  <a:txBody>
+                    <a:bodyPr/>
+                    <a:lstStyle/>
+                    <a:p>
+                      <a:pPr algn="ctr"/>
+                      <a:r>
+                        <a:rPr lang="en-US" sz="1100" dirty="0"/>
+                        <a:t>0</a:t>
+                      </a:r>
+                    </a:p>
+                  </a:txBody>
+                  <a:tcPr marT="41564" marB="41564"/>
+                </a:tc>
+                <a:tc>
+                  <a:txBody>
+                    <a:bodyPr/>
+                    <a:lstStyle/>
+                    <a:p>
+                      <a:pPr algn="ctr"/>
+                      <a:r>
+                        <a:rPr lang="en-US" sz="1100" dirty="0"/>
+                        <a:t>-</a:t>
+                      </a:r>
+                    </a:p>
+                  </a:txBody>
+                  <a:tcPr marT="41564" marB="41564"/>
+                </a:tc>
+                <a:tc>
+                  <a:txBody>
+                    <a:bodyPr/>
+                    <a:lstStyle/>
+                    <a:p>
+                      <a:pPr algn="ctr"/>
+                      <a:r>
+                        <a:rPr lang="en-US" sz="1100" dirty="0"/>
+                        <a:t>-</a:t>
+                      </a:r>
+                    </a:p>
+                  </a:txBody>
+                  <a:tcPr marT="41564" marB="41564"/>
+                </a:tc>
+                <a:tc>
+                  <a:txBody>
+                    <a:bodyPr/>
+                    <a:lstStyle/>
+                    <a:p>
+                      <a:pPr algn="ctr"/>
+                      <a:r>
+                        <a:rPr lang="en-US" sz="1100" dirty="0"/>
+                        <a:t>0</a:t>
+                      </a:r>
+                    </a:p>
+                  </a:txBody>
+                  <a:tcPr marT="41564" marB="41564"/>
+                </a:tc>
+                <a:tc>
+                  <a:txBody>
+                    <a:bodyPr/>
+                    <a:lstStyle/>
+                    <a:p>
+                      <a:pPr algn="ctr"/>
+                      <a:r>
+                        <a:rPr lang="en-US" sz="1100" dirty="0"/>
+                        <a:t>-</a:t>
+                      </a:r>
+                    </a:p>
+                  </a:txBody>
+                  <a:tcPr marT="41564" marB="41564"/>
+                </a:tc>
+                <a:tc>
+                  <a:txBody>
+                    <a:bodyPr/>
+                    <a:lstStyle/>
+                    <a:p>
+                      <a:pPr algn="ctr"/>
+                      <a:r>
+                        <a:rPr lang="en-US" sz="1100" dirty="0"/>
+                        <a:t>-</a:t>
+                      </a:r>
+                    </a:p>
+                  </a:txBody>
+                  <a:tcPr marT="41564" marB="41564"/>
+                </a:tc>
+                <a:tc>
+                  <a:txBody>
+                    <a:bodyPr/>
+                    <a:lstStyle/>
+                    <a:p>
+                      <a:pPr algn="ctr"/>
+                      <a:r>
+                        <a:rPr lang="en-US" sz="1100" dirty="0"/>
+                        <a:t>PUBLISH_LEC</a:t>
+                      </a:r>
+                    </a:p>
+                  </a:txBody>
+                  <a:tcPr marT="41564" marB="41564"/>
+                </a:tc>
+                <a:extLst>
+                  <a:ext uri="{0D108BD9-81ED-4DB2-BD59-A6C34878D82A}">
+                    <a16:rowId xmlns:a16="http://schemas.microsoft.com/office/drawing/2014/main" val="3150829054"/>
+                  </a:ext>
+                </a:extLst>
+              </a:tr>
+              <a:tr h="393607">
+                <a:tc>
+                  <a:txBody>
+                    <a:bodyPr/>
+                    <a:lstStyle/>
+                    <a:p>
+                      <a:pPr algn="ctr"/>
+                      <a:r>
+                        <a:rPr lang="en-US" sz="1100" dirty="0"/>
+                        <a:t>0</a:t>
+                      </a:r>
+                    </a:p>
+                  </a:txBody>
+                  <a:tcPr marT="41564" marB="41564"/>
+                </a:tc>
+                <a:tc>
+                  <a:txBody>
+                    <a:bodyPr/>
+                    <a:lstStyle/>
+                    <a:p>
+                      <a:pPr algn="ctr"/>
+                      <a:r>
+                        <a:rPr lang="en-US" sz="1100" dirty="0"/>
+                        <a:t>1</a:t>
+                      </a:r>
+                    </a:p>
+                  </a:txBody>
+                  <a:tcPr marT="41564" marB="41564"/>
+                </a:tc>
+                <a:tc>
+                  <a:txBody>
+                    <a:bodyPr/>
+                    <a:lstStyle/>
+                    <a:p>
+                      <a:pPr algn="ctr"/>
+                      <a:r>
+                        <a:rPr lang="en-US" sz="1100" dirty="0"/>
+                        <a:t>1</a:t>
+                      </a:r>
+                    </a:p>
+                  </a:txBody>
+                  <a:tcPr marT="41564" marB="41564"/>
+                </a:tc>
+                <a:tc>
+                  <a:txBody>
+                    <a:bodyPr/>
+                    <a:lstStyle/>
+                    <a:p>
+                      <a:pPr algn="ctr"/>
+                      <a:r>
+                        <a:rPr lang="en-US" sz="1100" dirty="0"/>
+                        <a:t>1</a:t>
+                      </a:r>
+                    </a:p>
+                  </a:txBody>
+                  <a:tcPr marT="41564" marB="41564"/>
+                </a:tc>
+                <a:tc>
+                  <a:txBody>
+                    <a:bodyPr/>
+                    <a:lstStyle/>
+                    <a:p>
+                      <a:pPr algn="ctr"/>
+                      <a:r>
+                        <a:rPr lang="en-US" sz="1100" dirty="0"/>
+                        <a:t>0</a:t>
+                      </a:r>
+                    </a:p>
+                  </a:txBody>
+                  <a:tcPr marT="41564" marB="41564"/>
+                </a:tc>
+                <a:tc>
+                  <a:txBody>
+                    <a:bodyPr/>
+                    <a:lstStyle/>
+                    <a:p>
+                      <a:pPr algn="ctr"/>
+                      <a:r>
+                        <a:rPr lang="en-US" sz="1100" dirty="0"/>
+                        <a:t>-</a:t>
+                      </a:r>
+                    </a:p>
+                  </a:txBody>
+                  <a:tcPr marT="41564" marB="41564"/>
+                </a:tc>
+                <a:tc>
+                  <a:txBody>
+                    <a:bodyPr/>
+                    <a:lstStyle/>
+                    <a:p>
+                      <a:pPr algn="ctr"/>
+                      <a:r>
+                        <a:rPr lang="en-US" sz="1100" dirty="0"/>
+                        <a:t>-</a:t>
+                      </a:r>
+                    </a:p>
+                  </a:txBody>
+                  <a:tcPr marT="41564" marB="41564"/>
+                </a:tc>
+                <a:tc>
+                  <a:txBody>
+                    <a:bodyPr/>
+                    <a:lstStyle/>
+                    <a:p>
+                      <a:pPr algn="ctr"/>
+                      <a:r>
+                        <a:rPr lang="en-US" sz="1100" dirty="0"/>
+                        <a:t>-</a:t>
+                      </a:r>
+                    </a:p>
+                  </a:txBody>
+                  <a:tcPr marT="41564" marB="41564"/>
+                </a:tc>
+                <a:tc>
+                  <a:txBody>
+                    <a:bodyPr/>
+                    <a:lstStyle/>
+                    <a:p>
+                      <a:pPr algn="ctr"/>
+                      <a:r>
+                        <a:rPr lang="en-US" sz="1100" dirty="0"/>
+                        <a:t>-</a:t>
+                      </a:r>
+                    </a:p>
+                  </a:txBody>
+                  <a:tcPr marT="41564" marB="41564"/>
+                </a:tc>
+                <a:tc>
+                  <a:txBody>
+                    <a:bodyPr/>
+                    <a:lstStyle/>
+                    <a:p>
+                      <a:pPr algn="ctr"/>
+                      <a:r>
+                        <a:rPr lang="en-US" sz="1100" dirty="0"/>
+                        <a:t>-</a:t>
+                      </a:r>
+                    </a:p>
+                  </a:txBody>
+                  <a:tcPr marT="41564" marB="41564"/>
+                </a:tc>
+                <a:tc>
+                  <a:txBody>
+                    <a:bodyPr/>
+                    <a:lstStyle/>
+                    <a:p>
+                      <a:pPr algn="ctr"/>
+                      <a:r>
+                        <a:rPr lang="en-US" sz="1100" dirty="0"/>
+                        <a:t>PUBLISH_LEC</a:t>
+                      </a:r>
+                    </a:p>
+                  </a:txBody>
+                  <a:tcPr marT="41564" marB="41564"/>
+                </a:tc>
+                <a:extLst>
+                  <a:ext uri="{0D108BD9-81ED-4DB2-BD59-A6C34878D82A}">
+                    <a16:rowId xmlns:a16="http://schemas.microsoft.com/office/drawing/2014/main" val="1536688635"/>
+                  </a:ext>
+                </a:extLst>
+              </a:tr>
+              <a:tr h="393607">
+                <a:tc>
+                  <a:txBody>
+                    <a:bodyPr/>
+                    <a:lstStyle/>
+                    <a:p>
+                      <a:pPr algn="ctr"/>
+                      <a:r>
+                        <a:rPr lang="en-US" sz="1100" dirty="0"/>
+                        <a:t>0</a:t>
+                      </a:r>
+                    </a:p>
+                  </a:txBody>
+                  <a:tcPr marT="41564" marB="41564"/>
+                </a:tc>
+                <a:tc>
+                  <a:txBody>
+                    <a:bodyPr/>
+                    <a:lstStyle/>
+                    <a:p>
+                      <a:pPr algn="ctr"/>
+                      <a:r>
+                        <a:rPr lang="en-US" sz="1100" dirty="0"/>
+                        <a:t>1</a:t>
+                      </a:r>
+                    </a:p>
+                  </a:txBody>
+                  <a:tcPr marT="41564" marB="41564"/>
+                </a:tc>
+                <a:tc>
+                  <a:txBody>
+                    <a:bodyPr/>
+                    <a:lstStyle/>
+                    <a:p>
+                      <a:pPr algn="ctr"/>
+                      <a:r>
+                        <a:rPr lang="en-US" sz="1100" dirty="0"/>
+                        <a:t>1</a:t>
+                      </a:r>
+                    </a:p>
+                  </a:txBody>
+                  <a:tcPr marT="41564" marB="41564"/>
+                </a:tc>
+                <a:tc>
+                  <a:txBody>
+                    <a:bodyPr/>
+                    <a:lstStyle/>
+                    <a:p>
+                      <a:pPr algn="ctr"/>
+                      <a:r>
+                        <a:rPr lang="en-US" sz="1100" dirty="0"/>
+                        <a:t>0</a:t>
+                      </a:r>
+                    </a:p>
+                  </a:txBody>
+                  <a:tcPr marT="41564" marB="41564"/>
+                </a:tc>
+                <a:tc>
+                  <a:txBody>
+                    <a:bodyPr/>
+                    <a:lstStyle/>
+                    <a:p>
+                      <a:pPr algn="ctr"/>
+                      <a:r>
+                        <a:rPr lang="en-US" sz="1100" dirty="0"/>
+                        <a:t>1</a:t>
+                      </a:r>
+                    </a:p>
+                  </a:txBody>
+                  <a:tcPr marT="41564" marB="41564"/>
+                </a:tc>
+                <a:tc>
+                  <a:txBody>
+                    <a:bodyPr/>
+                    <a:lstStyle/>
+                    <a:p>
+                      <a:pPr algn="ctr"/>
+                      <a:r>
+                        <a:rPr lang="en-US" sz="1100" dirty="0"/>
+                        <a:t>-</a:t>
+                      </a:r>
+                    </a:p>
+                  </a:txBody>
+                  <a:tcPr marT="41564" marB="41564"/>
+                </a:tc>
+                <a:tc>
+                  <a:txBody>
+                    <a:bodyPr/>
+                    <a:lstStyle/>
+                    <a:p>
+                      <a:pPr algn="ctr"/>
+                      <a:r>
+                        <a:rPr lang="en-US" sz="1100" dirty="0"/>
+                        <a:t>-</a:t>
+                      </a:r>
+                    </a:p>
+                  </a:txBody>
+                  <a:tcPr marT="41564" marB="41564"/>
+                </a:tc>
+                <a:tc>
+                  <a:txBody>
+                    <a:bodyPr/>
+                    <a:lstStyle/>
+                    <a:p>
+                      <a:pPr algn="ctr"/>
+                      <a:r>
+                        <a:rPr lang="en-US" sz="1100" dirty="0"/>
+                        <a:t>-</a:t>
+                      </a:r>
+                    </a:p>
+                  </a:txBody>
+                  <a:tcPr marT="41564" marB="41564"/>
+                </a:tc>
+                <a:tc>
+                  <a:txBody>
+                    <a:bodyPr/>
+                    <a:lstStyle/>
+                    <a:p>
+                      <a:pPr algn="ctr"/>
+                      <a:r>
+                        <a:rPr lang="en-US" sz="1100" dirty="0"/>
+                        <a:t>-</a:t>
+                      </a:r>
+                    </a:p>
+                  </a:txBody>
+                  <a:tcPr marT="41564" marB="41564"/>
+                </a:tc>
+                <a:tc>
+                  <a:txBody>
+                    <a:bodyPr/>
+                    <a:lstStyle/>
+                    <a:p>
+                      <a:pPr algn="ctr"/>
+                      <a:r>
+                        <a:rPr lang="en-US" sz="1100" dirty="0"/>
+                        <a:t>-</a:t>
+                      </a:r>
+                    </a:p>
+                  </a:txBody>
+                  <a:tcPr marT="41564" marB="41564"/>
+                </a:tc>
+                <a:tc>
+                  <a:txBody>
+                    <a:bodyPr/>
+                    <a:lstStyle/>
+                    <a:p>
+                      <a:pPr algn="ctr"/>
+                      <a:r>
+                        <a:rPr lang="en-US" sz="1100" dirty="0"/>
+                        <a:t>PUBLISH_BAF</a:t>
+                      </a:r>
+                    </a:p>
+                  </a:txBody>
+                  <a:tcPr marT="41564" marB="41564"/>
+                </a:tc>
+                <a:extLst>
+                  <a:ext uri="{0D108BD9-81ED-4DB2-BD59-A6C34878D82A}">
+                    <a16:rowId xmlns:a16="http://schemas.microsoft.com/office/drawing/2014/main" val="2176638157"/>
+                  </a:ext>
+                </a:extLst>
+              </a:tr>
+              <a:tr h="393607">
+                <a:tc>
+                  <a:txBody>
+                    <a:bodyPr/>
+                    <a:lstStyle/>
+                    <a:p>
+                      <a:pPr algn="ctr"/>
+                      <a:r>
+                        <a:rPr lang="en-US" sz="1100" dirty="0"/>
+                        <a:t>0</a:t>
+                      </a:r>
+                    </a:p>
+                  </a:txBody>
+                  <a:tcPr marT="41564" marB="41564"/>
+                </a:tc>
+                <a:tc>
+                  <a:txBody>
+                    <a:bodyPr/>
+                    <a:lstStyle/>
+                    <a:p>
+                      <a:pPr algn="ctr"/>
+                      <a:r>
+                        <a:rPr lang="en-US" sz="1100" dirty="0"/>
+                        <a:t>1</a:t>
+                      </a:r>
+                    </a:p>
+                  </a:txBody>
+                  <a:tcPr marT="41564" marB="41564"/>
+                </a:tc>
+                <a:tc>
+                  <a:txBody>
+                    <a:bodyPr/>
+                    <a:lstStyle/>
+                    <a:p>
+                      <a:pPr algn="ctr"/>
+                      <a:r>
+                        <a:rPr lang="en-US" sz="1100" dirty="0"/>
+                        <a:t>1</a:t>
+                      </a:r>
+                    </a:p>
+                  </a:txBody>
+                  <a:tcPr marT="41564" marB="41564"/>
+                </a:tc>
+                <a:tc>
+                  <a:txBody>
+                    <a:bodyPr/>
+                    <a:lstStyle/>
+                    <a:p>
+                      <a:pPr algn="ctr"/>
+                      <a:r>
+                        <a:rPr lang="en-US" sz="1100" dirty="0"/>
+                        <a:t>1</a:t>
+                      </a:r>
+                    </a:p>
+                  </a:txBody>
+                  <a:tcPr marT="41564" marB="41564"/>
+                </a:tc>
+                <a:tc>
+                  <a:txBody>
+                    <a:bodyPr/>
+                    <a:lstStyle/>
+                    <a:p>
+                      <a:pPr algn="ctr"/>
+                      <a:r>
+                        <a:rPr lang="en-US" sz="1100" dirty="0"/>
+                        <a:t>1</a:t>
+                      </a:r>
+                    </a:p>
+                  </a:txBody>
+                  <a:tcPr marT="41564" marB="41564"/>
+                </a:tc>
+                <a:tc>
+                  <a:txBody>
+                    <a:bodyPr/>
+                    <a:lstStyle/>
+                    <a:p>
+                      <a:pPr algn="ctr"/>
+                      <a:r>
+                        <a:rPr lang="en-US" sz="1100" dirty="0"/>
+                        <a:t>0</a:t>
+                      </a:r>
+                    </a:p>
+                  </a:txBody>
+                  <a:tcPr marT="41564" marB="41564"/>
+                </a:tc>
+                <a:tc>
+                  <a:txBody>
+                    <a:bodyPr/>
+                    <a:lstStyle/>
+                    <a:p>
+                      <a:pPr algn="ctr"/>
+                      <a:r>
+                        <a:rPr lang="en-US" sz="1100" dirty="0"/>
+                        <a:t>0</a:t>
+                      </a:r>
+                    </a:p>
+                  </a:txBody>
+                  <a:tcPr marT="41564" marB="41564"/>
+                </a:tc>
+                <a:tc>
+                  <a:txBody>
+                    <a:bodyPr/>
+                    <a:lstStyle/>
+                    <a:p>
+                      <a:pPr algn="ctr"/>
+                      <a:r>
+                        <a:rPr lang="en-US" sz="1100" dirty="0"/>
+                        <a:t>-</a:t>
+                      </a:r>
+                    </a:p>
+                  </a:txBody>
+                  <a:tcPr marT="41564" marB="41564"/>
+                </a:tc>
+                <a:tc>
+                  <a:txBody>
+                    <a:bodyPr/>
+                    <a:lstStyle/>
+                    <a:p>
+                      <a:pPr algn="ctr"/>
+                      <a:r>
+                        <a:rPr lang="en-US" sz="1100" dirty="0"/>
+                        <a:t>-</a:t>
+                      </a:r>
+                    </a:p>
+                  </a:txBody>
+                  <a:tcPr marT="41564" marB="41564"/>
+                </a:tc>
+                <a:tc>
+                  <a:txBody>
+                    <a:bodyPr/>
+                    <a:lstStyle/>
+                    <a:p>
+                      <a:pPr algn="ctr"/>
+                      <a:r>
+                        <a:rPr lang="en-US" sz="1100" dirty="0"/>
+                        <a:t>-</a:t>
+                      </a:r>
+                    </a:p>
+                  </a:txBody>
+                  <a:tcPr marT="41564" marB="41564"/>
+                </a:tc>
+                <a:tc>
+                  <a:txBody>
+                    <a:bodyPr/>
+                    <a:lstStyle/>
+                    <a:p>
+                      <a:pPr algn="ctr"/>
+                      <a:r>
+                        <a:rPr lang="en-US" sz="1100" dirty="0"/>
+                        <a:t>PUBLISH_LEC</a:t>
+                      </a:r>
+                    </a:p>
+                  </a:txBody>
+                  <a:tcPr marT="41564" marB="41564"/>
+                </a:tc>
+                <a:extLst>
+                  <a:ext uri="{0D108BD9-81ED-4DB2-BD59-A6C34878D82A}">
+                    <a16:rowId xmlns:a16="http://schemas.microsoft.com/office/drawing/2014/main" val="2709984198"/>
+                  </a:ext>
+                </a:extLst>
+              </a:tr>
+              <a:tr h="393607">
+                <a:tc>
+                  <a:txBody>
+                    <a:bodyPr/>
+                    <a:lstStyle/>
+                    <a:p>
+                      <a:pPr algn="ctr"/>
+                      <a:r>
+                        <a:rPr lang="en-US" sz="1100" dirty="0"/>
+                        <a:t>0</a:t>
+                      </a:r>
+                    </a:p>
+                  </a:txBody>
+                  <a:tcPr marT="41564" marB="41564"/>
+                </a:tc>
+                <a:tc>
+                  <a:txBody>
+                    <a:bodyPr/>
+                    <a:lstStyle/>
+                    <a:p>
+                      <a:pPr algn="ctr"/>
+                      <a:r>
+                        <a:rPr lang="en-US" sz="1100" dirty="0"/>
+                        <a:t>1</a:t>
+                      </a:r>
+                    </a:p>
+                  </a:txBody>
+                  <a:tcPr marT="41564" marB="41564"/>
+                </a:tc>
+                <a:tc>
+                  <a:txBody>
+                    <a:bodyPr/>
+                    <a:lstStyle/>
+                    <a:p>
+                      <a:pPr algn="ctr"/>
+                      <a:r>
+                        <a:rPr lang="en-US" sz="1100" dirty="0"/>
+                        <a:t>1</a:t>
+                      </a:r>
+                    </a:p>
+                  </a:txBody>
+                  <a:tcPr marT="41564" marB="41564"/>
+                </a:tc>
+                <a:tc>
+                  <a:txBody>
+                    <a:bodyPr/>
+                    <a:lstStyle/>
+                    <a:p>
+                      <a:pPr algn="ctr"/>
+                      <a:r>
+                        <a:rPr lang="en-US" sz="1100" dirty="0"/>
+                        <a:t>1</a:t>
+                      </a:r>
+                    </a:p>
+                  </a:txBody>
+                  <a:tcPr marT="41564" marB="41564"/>
+                </a:tc>
+                <a:tc>
+                  <a:txBody>
+                    <a:bodyPr/>
+                    <a:lstStyle/>
+                    <a:p>
+                      <a:pPr algn="ctr"/>
+                      <a:r>
+                        <a:rPr lang="en-US" sz="1100" dirty="0"/>
+                        <a:t>1</a:t>
+                      </a:r>
+                    </a:p>
+                  </a:txBody>
+                  <a:tcPr marT="41564" marB="41564"/>
+                </a:tc>
+                <a:tc>
+                  <a:txBody>
+                    <a:bodyPr/>
+                    <a:lstStyle/>
+                    <a:p>
+                      <a:pPr algn="ctr"/>
+                      <a:r>
+                        <a:rPr lang="en-US" sz="1100" dirty="0"/>
+                        <a:t>1</a:t>
+                      </a:r>
+                    </a:p>
+                  </a:txBody>
+                  <a:tcPr marT="41564" marB="41564"/>
+                </a:tc>
+                <a:tc>
+                  <a:txBody>
+                    <a:bodyPr/>
+                    <a:lstStyle/>
+                    <a:p>
+                      <a:pPr algn="ctr"/>
+                      <a:r>
+                        <a:rPr lang="en-US" sz="1100" dirty="0"/>
+                        <a:t>0</a:t>
+                      </a:r>
+                    </a:p>
+                  </a:txBody>
+                  <a:tcPr marT="41564" marB="41564"/>
+                </a:tc>
+                <a:tc>
+                  <a:txBody>
+                    <a:bodyPr/>
+                    <a:lstStyle/>
+                    <a:p>
+                      <a:pPr algn="ctr"/>
+                      <a:r>
+                        <a:rPr lang="en-US" sz="1100" dirty="0"/>
+                        <a:t>-</a:t>
+                      </a:r>
+                    </a:p>
+                  </a:txBody>
+                  <a:tcPr marT="41564" marB="41564"/>
+                </a:tc>
+                <a:tc>
+                  <a:txBody>
+                    <a:bodyPr/>
+                    <a:lstStyle/>
+                    <a:p>
+                      <a:pPr algn="ctr"/>
+                      <a:r>
+                        <a:rPr lang="en-US" sz="1100" dirty="0"/>
+                        <a:t>-</a:t>
+                      </a:r>
+                    </a:p>
+                  </a:txBody>
+                  <a:tcPr marT="41564" marB="41564"/>
+                </a:tc>
+                <a:tc>
+                  <a:txBody>
+                    <a:bodyPr/>
+                    <a:lstStyle/>
+                    <a:p>
+                      <a:pPr algn="ctr"/>
+                      <a:r>
+                        <a:rPr lang="en-US" sz="1100" dirty="0"/>
+                        <a:t>-</a:t>
+                      </a:r>
+                    </a:p>
+                  </a:txBody>
+                  <a:tcPr marT="41564" marB="41564"/>
+                </a:tc>
+                <a:tc>
+                  <a:txBody>
+                    <a:bodyPr/>
+                    <a:lstStyle/>
+                    <a:p>
+                      <a:pPr marL="0" marR="0" lvl="0" indent="0" algn="ctr" defTabSz="914400" rtl="0" eaLnBrk="1" fontAlgn="auto" latinLnBrk="0" hangingPunct="1">
+                        <a:lnSpc>
+                          <a:spcPct val="100000"/>
+                        </a:lnSpc>
+                        <a:spcBef>
+                          <a:spcPts val="0"/>
+                        </a:spcBef>
+                        <a:spcAft>
+                          <a:spcPts val="0"/>
+                        </a:spcAft>
+                        <a:buClrTx/>
+                        <a:buSzTx/>
+                        <a:buFontTx/>
+                        <a:buNone/>
+                        <a:tabLst/>
+                        <a:defRPr/>
+                      </a:pPr>
+                      <a:r>
+                        <a:rPr lang="en-US" sz="1100" dirty="0"/>
+                        <a:t>PUBLISH_BAF</a:t>
+                      </a:r>
+                    </a:p>
+                  </a:txBody>
+                  <a:tcPr marT="41564" marB="41564"/>
+                </a:tc>
+                <a:extLst>
+                  <a:ext uri="{0D108BD9-81ED-4DB2-BD59-A6C34878D82A}">
+                    <a16:rowId xmlns:a16="http://schemas.microsoft.com/office/drawing/2014/main" val="4268114756"/>
+                  </a:ext>
+                </a:extLst>
+              </a:tr>
+              <a:tr h="393607">
+                <a:tc>
+                  <a:txBody>
+                    <a:bodyPr/>
+                    <a:lstStyle/>
+                    <a:p>
+                      <a:pPr algn="ctr"/>
+                      <a:r>
+                        <a:rPr lang="en-US" sz="1100" dirty="0"/>
+                        <a:t>0</a:t>
+                      </a:r>
+                    </a:p>
+                  </a:txBody>
+                  <a:tcPr marT="41564" marB="41564"/>
+                </a:tc>
+                <a:tc>
+                  <a:txBody>
+                    <a:bodyPr/>
+                    <a:lstStyle/>
+                    <a:p>
+                      <a:pPr algn="ctr"/>
+                      <a:r>
+                        <a:rPr lang="en-US" sz="1100" dirty="0"/>
+                        <a:t>1</a:t>
+                      </a:r>
+                    </a:p>
+                  </a:txBody>
+                  <a:tcPr marT="41564" marB="41564"/>
+                </a:tc>
+                <a:tc>
+                  <a:txBody>
+                    <a:bodyPr/>
+                    <a:lstStyle/>
+                    <a:p>
+                      <a:pPr algn="ctr"/>
+                      <a:r>
+                        <a:rPr lang="en-US" sz="1100" dirty="0"/>
+                        <a:t>1</a:t>
+                      </a:r>
+                    </a:p>
+                  </a:txBody>
+                  <a:tcPr marT="41564" marB="41564"/>
+                </a:tc>
+                <a:tc>
+                  <a:txBody>
+                    <a:bodyPr/>
+                    <a:lstStyle/>
+                    <a:p>
+                      <a:pPr algn="ctr"/>
+                      <a:r>
+                        <a:rPr lang="en-US" sz="1100" dirty="0"/>
+                        <a:t>1</a:t>
+                      </a:r>
+                    </a:p>
+                  </a:txBody>
+                  <a:tcPr marT="41564" marB="41564"/>
+                </a:tc>
+                <a:tc>
+                  <a:txBody>
+                    <a:bodyPr/>
+                    <a:lstStyle/>
+                    <a:p>
+                      <a:pPr algn="ctr"/>
+                      <a:r>
+                        <a:rPr lang="en-US" sz="1100" dirty="0"/>
+                        <a:t>1</a:t>
+                      </a:r>
+                    </a:p>
+                  </a:txBody>
+                  <a:tcPr marT="41564" marB="41564"/>
+                </a:tc>
+                <a:tc>
+                  <a:txBody>
+                    <a:bodyPr/>
+                    <a:lstStyle/>
+                    <a:p>
+                      <a:pPr algn="ctr"/>
+                      <a:r>
+                        <a:rPr lang="en-US" sz="1100" dirty="0"/>
+                        <a:t>0</a:t>
+                      </a:r>
+                    </a:p>
+                  </a:txBody>
+                  <a:tcPr marT="41564" marB="41564"/>
+                </a:tc>
+                <a:tc>
+                  <a:txBody>
+                    <a:bodyPr/>
+                    <a:lstStyle/>
+                    <a:p>
+                      <a:pPr algn="ctr"/>
+                      <a:r>
+                        <a:rPr lang="en-US" sz="1100" dirty="0"/>
+                        <a:t>1</a:t>
+                      </a:r>
+                    </a:p>
+                  </a:txBody>
+                  <a:tcPr marT="41564" marB="41564"/>
+                </a:tc>
+                <a:tc>
+                  <a:txBody>
+                    <a:bodyPr/>
+                    <a:lstStyle/>
+                    <a:p>
+                      <a:pPr algn="ctr"/>
+                      <a:r>
+                        <a:rPr lang="en-US" sz="1100" dirty="0"/>
+                        <a:t>-</a:t>
+                      </a:r>
+                    </a:p>
+                  </a:txBody>
+                  <a:tcPr marT="41564" marB="41564"/>
+                </a:tc>
+                <a:tc>
+                  <a:txBody>
+                    <a:bodyPr/>
+                    <a:lstStyle/>
+                    <a:p>
+                      <a:pPr algn="ctr"/>
+                      <a:r>
+                        <a:rPr lang="en-US" sz="1100" dirty="0"/>
+                        <a:t>-</a:t>
+                      </a:r>
+                    </a:p>
+                  </a:txBody>
+                  <a:tcPr marT="41564" marB="41564"/>
+                </a:tc>
+                <a:tc>
+                  <a:txBody>
+                    <a:bodyPr/>
+                    <a:lstStyle/>
+                    <a:p>
+                      <a:pPr algn="ctr"/>
+                      <a:r>
+                        <a:rPr lang="en-US" sz="1100" dirty="0"/>
+                        <a:t>-</a:t>
+                      </a:r>
+                    </a:p>
+                  </a:txBody>
+                  <a:tcPr marT="41564" marB="41564"/>
+                </a:tc>
+                <a:tc>
+                  <a:txBody>
+                    <a:bodyPr/>
+                    <a:lstStyle/>
+                    <a:p>
+                      <a:pPr marL="0" marR="0" lvl="0" indent="0" algn="ctr" defTabSz="914400" rtl="0" eaLnBrk="1" fontAlgn="auto" latinLnBrk="0" hangingPunct="1">
+                        <a:lnSpc>
+                          <a:spcPct val="100000"/>
+                        </a:lnSpc>
+                        <a:spcBef>
+                          <a:spcPts val="0"/>
+                        </a:spcBef>
+                        <a:spcAft>
+                          <a:spcPts val="0"/>
+                        </a:spcAft>
+                        <a:buClrTx/>
+                        <a:buSzTx/>
+                        <a:buFontTx/>
+                        <a:buNone/>
+                        <a:tabLst/>
+                        <a:defRPr/>
+                      </a:pPr>
+                      <a:r>
+                        <a:rPr lang="en-US" sz="1100" dirty="0"/>
+                        <a:t>PUBLISH_LEC</a:t>
+                      </a:r>
+                    </a:p>
+                  </a:txBody>
+                  <a:tcPr marT="41564" marB="41564"/>
+                </a:tc>
+                <a:extLst>
+                  <a:ext uri="{0D108BD9-81ED-4DB2-BD59-A6C34878D82A}">
+                    <a16:rowId xmlns:a16="http://schemas.microsoft.com/office/drawing/2014/main" val="1509631769"/>
+                  </a:ext>
+                </a:extLst>
+              </a:tr>
+              <a:tr h="393607">
+                <a:tc>
+                  <a:txBody>
+                    <a:bodyPr/>
+                    <a:lstStyle/>
+                    <a:p>
+                      <a:pPr algn="ctr"/>
+                      <a:r>
+                        <a:rPr lang="en-US" sz="1100" dirty="0"/>
+                        <a:t>0</a:t>
+                      </a:r>
+                    </a:p>
+                  </a:txBody>
+                  <a:tcPr marT="41564" marB="41564"/>
+                </a:tc>
+                <a:tc>
+                  <a:txBody>
+                    <a:bodyPr/>
+                    <a:lstStyle/>
+                    <a:p>
+                      <a:pPr algn="ctr"/>
+                      <a:r>
+                        <a:rPr lang="en-US" sz="1100" dirty="0"/>
+                        <a:t>1</a:t>
+                      </a:r>
+                    </a:p>
+                  </a:txBody>
+                  <a:tcPr marT="41564" marB="41564"/>
+                </a:tc>
+                <a:tc>
+                  <a:txBody>
+                    <a:bodyPr/>
+                    <a:lstStyle/>
+                    <a:p>
+                      <a:pPr algn="ctr"/>
+                      <a:r>
+                        <a:rPr lang="en-US" sz="1100" dirty="0"/>
+                        <a:t>1</a:t>
+                      </a:r>
+                    </a:p>
+                  </a:txBody>
+                  <a:tcPr marT="41564" marB="41564"/>
+                </a:tc>
+                <a:tc>
+                  <a:txBody>
+                    <a:bodyPr/>
+                    <a:lstStyle/>
+                    <a:p>
+                      <a:pPr algn="ctr"/>
+                      <a:r>
+                        <a:rPr lang="en-US" sz="1100" dirty="0"/>
+                        <a:t>1</a:t>
+                      </a:r>
+                    </a:p>
+                  </a:txBody>
+                  <a:tcPr marT="41564" marB="41564"/>
+                </a:tc>
+                <a:tc>
+                  <a:txBody>
+                    <a:bodyPr/>
+                    <a:lstStyle/>
+                    <a:p>
+                      <a:pPr algn="ctr"/>
+                      <a:r>
+                        <a:rPr lang="en-US" sz="1100" dirty="0"/>
+                        <a:t>1</a:t>
+                      </a:r>
+                    </a:p>
+                  </a:txBody>
+                  <a:tcPr marT="41564" marB="41564"/>
+                </a:tc>
+                <a:tc>
+                  <a:txBody>
+                    <a:bodyPr/>
+                    <a:lstStyle/>
+                    <a:p>
+                      <a:pPr algn="ctr"/>
+                      <a:r>
+                        <a:rPr lang="en-US" sz="1100" dirty="0"/>
+                        <a:t>1</a:t>
+                      </a:r>
+                    </a:p>
+                  </a:txBody>
+                  <a:tcPr marT="41564" marB="41564"/>
+                </a:tc>
+                <a:tc>
+                  <a:txBody>
+                    <a:bodyPr/>
+                    <a:lstStyle/>
+                    <a:p>
+                      <a:pPr algn="ctr"/>
+                      <a:r>
+                        <a:rPr lang="en-US" sz="1100" dirty="0"/>
+                        <a:t>1</a:t>
+                      </a:r>
+                    </a:p>
+                  </a:txBody>
+                  <a:tcPr marT="41564" marB="41564"/>
+                </a:tc>
+                <a:tc>
+                  <a:txBody>
+                    <a:bodyPr/>
+                    <a:lstStyle/>
+                    <a:p>
+                      <a:pPr algn="ctr"/>
+                      <a:r>
+                        <a:rPr lang="en-US" sz="1100" dirty="0"/>
+                        <a:t>1</a:t>
+                      </a:r>
+                    </a:p>
+                  </a:txBody>
+                  <a:tcPr marT="41564" marB="41564"/>
+                </a:tc>
+                <a:tc>
+                  <a:txBody>
+                    <a:bodyPr/>
+                    <a:lstStyle/>
+                    <a:p>
+                      <a:pPr algn="ctr"/>
+                      <a:r>
+                        <a:rPr lang="en-US" sz="1100" dirty="0"/>
+                        <a:t>-</a:t>
+                      </a:r>
+                    </a:p>
+                  </a:txBody>
+                  <a:tcPr marT="41564" marB="41564"/>
+                </a:tc>
+                <a:tc>
+                  <a:txBody>
+                    <a:bodyPr/>
+                    <a:lstStyle/>
+                    <a:p>
+                      <a:pPr algn="ctr"/>
+                      <a:r>
+                        <a:rPr lang="en-US" sz="1100" dirty="0"/>
+                        <a:t>-</a:t>
+                      </a:r>
+                    </a:p>
+                  </a:txBody>
+                  <a:tcPr marT="41564" marB="41564"/>
+                </a:tc>
+                <a:tc>
+                  <a:txBody>
+                    <a:bodyPr/>
+                    <a:lstStyle/>
+                    <a:p>
+                      <a:pPr marL="0" marR="0" lvl="0" indent="0" algn="ctr" defTabSz="914400" rtl="0" eaLnBrk="1" fontAlgn="auto" latinLnBrk="0" hangingPunct="1">
+                        <a:lnSpc>
+                          <a:spcPct val="100000"/>
+                        </a:lnSpc>
+                        <a:spcBef>
+                          <a:spcPts val="0"/>
+                        </a:spcBef>
+                        <a:spcAft>
+                          <a:spcPts val="0"/>
+                        </a:spcAft>
+                        <a:buClrTx/>
+                        <a:buSzTx/>
+                        <a:buFontTx/>
+                        <a:buNone/>
+                        <a:tabLst/>
+                        <a:defRPr/>
+                      </a:pPr>
+                      <a:r>
+                        <a:rPr lang="en-US" sz="1100" dirty="0"/>
+                        <a:t>PUBLISH_BAF</a:t>
+                      </a:r>
+                    </a:p>
+                  </a:txBody>
+                  <a:tcPr marT="41564" marB="41564"/>
+                </a:tc>
+                <a:extLst>
+                  <a:ext uri="{0D108BD9-81ED-4DB2-BD59-A6C34878D82A}">
+                    <a16:rowId xmlns:a16="http://schemas.microsoft.com/office/drawing/2014/main" val="3287582433"/>
+                  </a:ext>
+                </a:extLst>
+              </a:tr>
+              <a:tr h="393607">
+                <a:tc>
+                  <a:txBody>
+                    <a:bodyPr/>
+                    <a:lstStyle/>
+                    <a:p>
+                      <a:pPr algn="ctr"/>
+                      <a:r>
+                        <a:rPr lang="en-US" sz="1100" dirty="0"/>
+                        <a:t>0</a:t>
+                      </a:r>
+                    </a:p>
+                  </a:txBody>
+                  <a:tcPr marT="41564" marB="41564"/>
+                </a:tc>
+                <a:tc>
+                  <a:txBody>
+                    <a:bodyPr/>
+                    <a:lstStyle/>
+                    <a:p>
+                      <a:pPr algn="ctr"/>
+                      <a:r>
+                        <a:rPr lang="en-US" sz="1100" dirty="0"/>
+                        <a:t>1</a:t>
+                      </a:r>
+                    </a:p>
+                  </a:txBody>
+                  <a:tcPr marT="41564" marB="41564"/>
+                </a:tc>
+                <a:tc>
+                  <a:txBody>
+                    <a:bodyPr/>
+                    <a:lstStyle/>
+                    <a:p>
+                      <a:pPr algn="ctr"/>
+                      <a:r>
+                        <a:rPr lang="en-US" sz="1100" dirty="0"/>
+                        <a:t>1</a:t>
+                      </a:r>
+                    </a:p>
+                  </a:txBody>
+                  <a:tcPr marT="41564" marB="41564"/>
+                </a:tc>
+                <a:tc>
+                  <a:txBody>
+                    <a:bodyPr/>
+                    <a:lstStyle/>
+                    <a:p>
+                      <a:pPr algn="ctr"/>
+                      <a:r>
+                        <a:rPr lang="en-US" sz="1100" dirty="0"/>
+                        <a:t>1</a:t>
+                      </a:r>
+                    </a:p>
+                  </a:txBody>
+                  <a:tcPr marT="41564" marB="41564"/>
+                </a:tc>
+                <a:tc>
+                  <a:txBody>
+                    <a:bodyPr/>
+                    <a:lstStyle/>
+                    <a:p>
+                      <a:pPr algn="ctr"/>
+                      <a:r>
+                        <a:rPr lang="en-US" sz="1100" dirty="0"/>
+                        <a:t>1</a:t>
+                      </a:r>
+                    </a:p>
+                  </a:txBody>
+                  <a:tcPr marT="41564" marB="41564"/>
+                </a:tc>
+                <a:tc>
+                  <a:txBody>
+                    <a:bodyPr/>
+                    <a:lstStyle/>
+                    <a:p>
+                      <a:pPr algn="ctr"/>
+                      <a:r>
+                        <a:rPr lang="en-US" sz="1100" dirty="0"/>
+                        <a:t>1</a:t>
+                      </a:r>
+                    </a:p>
+                  </a:txBody>
+                  <a:tcPr marT="41564" marB="41564"/>
+                </a:tc>
+                <a:tc>
+                  <a:txBody>
+                    <a:bodyPr/>
+                    <a:lstStyle/>
+                    <a:p>
+                      <a:pPr algn="ctr"/>
+                      <a:r>
+                        <a:rPr lang="en-US" sz="1100" dirty="0"/>
+                        <a:t>1</a:t>
+                      </a:r>
+                    </a:p>
+                  </a:txBody>
+                  <a:tcPr marT="41564" marB="41564"/>
+                </a:tc>
+                <a:tc>
+                  <a:txBody>
+                    <a:bodyPr/>
+                    <a:lstStyle/>
+                    <a:p>
+                      <a:pPr algn="ctr"/>
+                      <a:r>
+                        <a:rPr lang="en-US" sz="1100" dirty="0"/>
+                        <a:t>0</a:t>
+                      </a:r>
+                    </a:p>
+                  </a:txBody>
+                  <a:tcPr marT="41564" marB="41564"/>
+                </a:tc>
+                <a:tc>
+                  <a:txBody>
+                    <a:bodyPr/>
+                    <a:lstStyle/>
+                    <a:p>
+                      <a:pPr algn="ctr"/>
+                      <a:r>
+                        <a:rPr lang="en-US" sz="1100" dirty="0"/>
+                        <a:t>-</a:t>
+                      </a:r>
+                    </a:p>
+                  </a:txBody>
+                  <a:tcPr marT="41564" marB="41564"/>
+                </a:tc>
+                <a:tc>
+                  <a:txBody>
+                    <a:bodyPr/>
+                    <a:lstStyle/>
+                    <a:p>
+                      <a:pPr algn="ctr"/>
+                      <a:r>
+                        <a:rPr lang="en-US" sz="1100" dirty="0"/>
+                        <a:t>-</a:t>
+                      </a:r>
+                    </a:p>
+                  </a:txBody>
+                  <a:tcPr marT="41564" marB="41564"/>
+                </a:tc>
+                <a:tc>
+                  <a:txBody>
+                    <a:bodyPr/>
+                    <a:lstStyle/>
+                    <a:p>
+                      <a:pPr marL="0" marR="0" lvl="0" indent="0" algn="ctr" defTabSz="914400" rtl="0" eaLnBrk="1" fontAlgn="auto" latinLnBrk="0" hangingPunct="1">
+                        <a:lnSpc>
+                          <a:spcPct val="100000"/>
+                        </a:lnSpc>
+                        <a:spcBef>
+                          <a:spcPts val="0"/>
+                        </a:spcBef>
+                        <a:spcAft>
+                          <a:spcPts val="0"/>
+                        </a:spcAft>
+                        <a:buClrTx/>
+                        <a:buSzTx/>
+                        <a:buFontTx/>
+                        <a:buNone/>
+                        <a:tabLst/>
+                        <a:defRPr/>
+                      </a:pPr>
+                      <a:r>
+                        <a:rPr lang="en-US" sz="1100" dirty="0"/>
+                        <a:t>PUBLISH_LEC</a:t>
+                      </a:r>
+                    </a:p>
+                  </a:txBody>
+                  <a:tcPr marT="41564" marB="41564"/>
+                </a:tc>
+                <a:extLst>
+                  <a:ext uri="{0D108BD9-81ED-4DB2-BD59-A6C34878D82A}">
+                    <a16:rowId xmlns:a16="http://schemas.microsoft.com/office/drawing/2014/main" val="4228821739"/>
+                  </a:ext>
+                </a:extLst>
+              </a:tr>
+            </a:tbl>
+          </a:graphicData>
+        </a:graphic>
+      </p:graphicFrame>
+      <p:grpSp>
+        <p:nvGrpSpPr>
+          <p:cNvPr id="5" name="Group 4">
+            <a:extLst>
+              <a:ext uri="{FF2B5EF4-FFF2-40B4-BE49-F238E27FC236}">
+                <a16:creationId xmlns:a16="http://schemas.microsoft.com/office/drawing/2014/main" id="{06F9C9D5-149D-491B-8DA6-3B8955E60551}"/>
+              </a:ext>
+            </a:extLst>
+          </p:cNvPr>
+          <p:cNvGrpSpPr/>
+          <p:nvPr/>
+        </p:nvGrpSpPr>
+        <p:grpSpPr>
+          <a:xfrm>
+            <a:off x="1676400" y="869504"/>
+            <a:ext cx="9832704" cy="1944285"/>
+            <a:chOff x="1676400" y="787322"/>
+            <a:chExt cx="9832704" cy="1944285"/>
+          </a:xfrm>
+        </p:grpSpPr>
+        <p:sp>
+          <p:nvSpPr>
+            <p:cNvPr id="6" name="Rectangle: Rounded Corners 5">
+              <a:extLst>
+                <a:ext uri="{FF2B5EF4-FFF2-40B4-BE49-F238E27FC236}">
+                  <a16:creationId xmlns:a16="http://schemas.microsoft.com/office/drawing/2014/main" id="{F02900D9-5398-4D6E-9B47-33DA5C83DCA7}"/>
+                </a:ext>
+              </a:extLst>
+            </p:cNvPr>
+            <p:cNvSpPr/>
+            <p:nvPr/>
+          </p:nvSpPr>
+          <p:spPr>
+            <a:xfrm>
+              <a:off x="1676400" y="787322"/>
+              <a:ext cx="9832704" cy="1944285"/>
+            </a:xfrm>
+            <a:prstGeom prst="roundRect">
+              <a:avLst>
+                <a:gd name="adj" fmla="val 14022"/>
+              </a:avLst>
+            </a:prstGeom>
+            <a:noFill/>
+            <a:ln w="19050">
+              <a:solidFill>
+                <a:srgbClr val="0066FF"/>
+              </a:solidFill>
+            </a:ln>
+            <a:effectLst/>
+          </p:spPr>
+          <p:style>
+            <a:lnRef idx="1">
+              <a:schemeClr val="accent1"/>
+            </a:lnRef>
+            <a:fillRef idx="3">
+              <a:schemeClr val="accent1"/>
+            </a:fillRef>
+            <a:effectRef idx="2">
+              <a:schemeClr val="accent1"/>
+            </a:effectRef>
+            <a:fontRef idx="minor">
+              <a:schemeClr val="lt1"/>
+            </a:fontRef>
+          </p:style>
+          <p:txBody>
+            <a:bodyPr rtlCol="0" anchor="ctr"/>
+            <a:lstStyle/>
+            <a:p>
+              <a:pPr algn="ctr"/>
+              <a:endParaRPr lang="en-US"/>
+            </a:p>
+          </p:txBody>
+        </p:sp>
+        <p:sp>
+          <p:nvSpPr>
+            <p:cNvPr id="7" name="Rectangle 6">
+              <a:extLst>
+                <a:ext uri="{FF2B5EF4-FFF2-40B4-BE49-F238E27FC236}">
+                  <a16:creationId xmlns:a16="http://schemas.microsoft.com/office/drawing/2014/main" id="{7451BC3E-6EA5-45C4-A05F-24387B8945DB}"/>
+                </a:ext>
+              </a:extLst>
+            </p:cNvPr>
+            <p:cNvSpPr/>
+            <p:nvPr/>
+          </p:nvSpPr>
+          <p:spPr>
+            <a:xfrm>
+              <a:off x="3352800" y="1405265"/>
+              <a:ext cx="2209259" cy="430887"/>
+            </a:xfrm>
+            <a:prstGeom prst="rect">
+              <a:avLst/>
+            </a:prstGeom>
+          </p:spPr>
+          <p:txBody>
+            <a:bodyPr wrap="none">
+              <a:spAutoFit/>
+            </a:bodyPr>
+            <a:lstStyle/>
+            <a:p>
+              <a:pPr lvl="0"/>
+              <a:r>
+                <a:rPr lang="en-US" sz="1100" b="1" dirty="0">
+                  <a:solidFill>
+                    <a:srgbClr val="0066FF"/>
+                  </a:solidFill>
+                </a:rPr>
+                <a:t>Only one valid plan received : </a:t>
+              </a:r>
+            </a:p>
+            <a:p>
+              <a:pPr lvl="0"/>
+              <a:r>
+                <a:rPr lang="en-US" sz="1100" b="1" dirty="0">
+                  <a:solidFill>
+                    <a:srgbClr val="0066FF"/>
+                  </a:solidFill>
+                </a:rPr>
+                <a:t>select that plan</a:t>
+              </a:r>
+            </a:p>
+          </p:txBody>
+        </p:sp>
+        <p:sp>
+          <p:nvSpPr>
+            <p:cNvPr id="8" name="Rectangle 7">
+              <a:extLst>
+                <a:ext uri="{FF2B5EF4-FFF2-40B4-BE49-F238E27FC236}">
+                  <a16:creationId xmlns:a16="http://schemas.microsoft.com/office/drawing/2014/main" id="{FD8BA0FC-AF49-4CEF-9631-62B726E4FA21}"/>
+                </a:ext>
+              </a:extLst>
+            </p:cNvPr>
+            <p:cNvSpPr/>
+            <p:nvPr/>
+          </p:nvSpPr>
+          <p:spPr>
+            <a:xfrm>
+              <a:off x="7239000" y="2075039"/>
+              <a:ext cx="771365" cy="261610"/>
+            </a:xfrm>
+            <a:prstGeom prst="rect">
+              <a:avLst/>
+            </a:prstGeom>
+          </p:spPr>
+          <p:txBody>
+            <a:bodyPr wrap="none">
+              <a:spAutoFit/>
+            </a:bodyPr>
+            <a:lstStyle/>
+            <a:p>
+              <a:pPr lvl="0"/>
+              <a:r>
+                <a:rPr lang="en-US" sz="1100" b="1" dirty="0">
+                  <a:solidFill>
+                    <a:srgbClr val="0066FF"/>
+                  </a:solidFill>
+                </a:rPr>
+                <a:t>Time out</a:t>
+              </a:r>
+            </a:p>
+          </p:txBody>
+        </p:sp>
+        <p:sp>
+          <p:nvSpPr>
+            <p:cNvPr id="9" name="Oval 8">
+              <a:extLst>
+                <a:ext uri="{FF2B5EF4-FFF2-40B4-BE49-F238E27FC236}">
+                  <a16:creationId xmlns:a16="http://schemas.microsoft.com/office/drawing/2014/main" id="{5F6E47AA-FFC8-41E0-A0F0-AC150F513E82}"/>
+                </a:ext>
+              </a:extLst>
+            </p:cNvPr>
+            <p:cNvSpPr/>
+            <p:nvPr/>
+          </p:nvSpPr>
+          <p:spPr>
+            <a:xfrm>
+              <a:off x="8410575" y="1593220"/>
+              <a:ext cx="247811" cy="261610"/>
+            </a:xfrm>
+            <a:prstGeom prst="ellipse">
+              <a:avLst/>
+            </a:prstGeom>
+            <a:noFill/>
+            <a:ln w="19050">
+              <a:solidFill>
+                <a:srgbClr val="0066FF"/>
+              </a:solidFill>
+            </a:ln>
+            <a:effectLst/>
+          </p:spPr>
+          <p:style>
+            <a:lnRef idx="1">
+              <a:schemeClr val="accent1"/>
+            </a:lnRef>
+            <a:fillRef idx="3">
+              <a:schemeClr val="accent1"/>
+            </a:fillRef>
+            <a:effectRef idx="2">
+              <a:schemeClr val="accent1"/>
+            </a:effectRef>
+            <a:fontRef idx="minor">
+              <a:schemeClr val="lt1"/>
+            </a:fontRef>
+          </p:style>
+          <p:txBody>
+            <a:bodyPr rot="0" spcFirstLastPara="0" vertOverflow="overflow" horzOverflow="overflow" vert="horz" wrap="square" lIns="91440" tIns="45720" rIns="91440" bIns="45720" numCol="1" spcCol="0" rtlCol="0" fromWordArt="0" anchor="ctr" anchorCtr="0" forceAA="0" compatLnSpc="1">
+              <a:prstTxWarp prst="textNoShape">
+                <a:avLst/>
+              </a:prstTxWarp>
+              <a:noAutofit/>
+            </a:bodyPr>
+            <a:lstStyle/>
+            <a:p>
+              <a:pPr algn="ctr"/>
+              <a:endParaRPr lang="en-US"/>
+            </a:p>
+          </p:txBody>
+        </p:sp>
+        <p:sp>
+          <p:nvSpPr>
+            <p:cNvPr id="10" name="Oval 9">
+              <a:extLst>
+                <a:ext uri="{FF2B5EF4-FFF2-40B4-BE49-F238E27FC236}">
+                  <a16:creationId xmlns:a16="http://schemas.microsoft.com/office/drawing/2014/main" id="{DBCDFC2C-C8B6-4DDA-AF8D-38B0631BC5E2}"/>
+                </a:ext>
+              </a:extLst>
+            </p:cNvPr>
+            <p:cNvSpPr/>
+            <p:nvPr/>
+          </p:nvSpPr>
+          <p:spPr>
+            <a:xfrm>
+              <a:off x="9477214" y="2367290"/>
+              <a:ext cx="247811" cy="261610"/>
+            </a:xfrm>
+            <a:prstGeom prst="ellipse">
+              <a:avLst/>
+            </a:prstGeom>
+            <a:noFill/>
+            <a:ln w="19050">
+              <a:solidFill>
+                <a:srgbClr val="0066FF"/>
+              </a:solidFill>
+            </a:ln>
+            <a:effectLst/>
+          </p:spPr>
+          <p:style>
+            <a:lnRef idx="1">
+              <a:schemeClr val="accent1"/>
+            </a:lnRef>
+            <a:fillRef idx="3">
+              <a:schemeClr val="accent1"/>
+            </a:fillRef>
+            <a:effectRef idx="2">
+              <a:schemeClr val="accent1"/>
+            </a:effectRef>
+            <a:fontRef idx="minor">
+              <a:schemeClr val="lt1"/>
+            </a:fontRef>
+          </p:style>
+          <p:txBody>
+            <a:bodyPr rot="0" spcFirstLastPara="0" vertOverflow="overflow" horzOverflow="overflow" vert="horz" wrap="square" lIns="91440" tIns="45720" rIns="91440" bIns="45720" numCol="1" spcCol="0" rtlCol="0" fromWordArt="0" anchor="ctr" anchorCtr="0" forceAA="0" compatLnSpc="1">
+              <a:prstTxWarp prst="textNoShape">
+                <a:avLst/>
+              </a:prstTxWarp>
+              <a:noAutofit/>
+            </a:bodyPr>
+            <a:lstStyle/>
+            <a:p>
+              <a:pPr algn="ctr"/>
+              <a:endParaRPr lang="en-US"/>
+            </a:p>
+          </p:txBody>
+        </p:sp>
+        <p:cxnSp>
+          <p:nvCxnSpPr>
+            <p:cNvPr id="11" name="Straight Connector 10">
+              <a:extLst>
+                <a:ext uri="{FF2B5EF4-FFF2-40B4-BE49-F238E27FC236}">
+                  <a16:creationId xmlns:a16="http://schemas.microsoft.com/office/drawing/2014/main" id="{4D25C62C-089E-4A81-A860-B58131D43D4E}"/>
+                </a:ext>
+              </a:extLst>
+            </p:cNvPr>
+            <p:cNvCxnSpPr>
+              <a:cxnSpLocks/>
+              <a:stCxn id="8" idx="3"/>
+              <a:endCxn id="9" idx="3"/>
+            </p:cNvCxnSpPr>
+            <p:nvPr/>
+          </p:nvCxnSpPr>
+          <p:spPr>
+            <a:xfrm flipV="1">
+              <a:off x="8010365" y="1816518"/>
+              <a:ext cx="436501" cy="389326"/>
+            </a:xfrm>
+            <a:prstGeom prst="line">
+              <a:avLst/>
+            </a:prstGeom>
+            <a:noFill/>
+            <a:ln w="19050">
+              <a:solidFill>
+                <a:srgbClr val="0066FF"/>
+              </a:solidFill>
+            </a:ln>
+            <a:effectLst/>
+          </p:spPr>
+          <p:style>
+            <a:lnRef idx="1">
+              <a:schemeClr val="accent1"/>
+            </a:lnRef>
+            <a:fillRef idx="3">
+              <a:schemeClr val="accent1"/>
+            </a:fillRef>
+            <a:effectRef idx="2">
+              <a:schemeClr val="accent1"/>
+            </a:effectRef>
+            <a:fontRef idx="minor">
+              <a:schemeClr val="lt1"/>
+            </a:fontRef>
+          </p:style>
+        </p:cxnSp>
+        <p:cxnSp>
+          <p:nvCxnSpPr>
+            <p:cNvPr id="12" name="Straight Connector 11">
+              <a:extLst>
+                <a:ext uri="{FF2B5EF4-FFF2-40B4-BE49-F238E27FC236}">
+                  <a16:creationId xmlns:a16="http://schemas.microsoft.com/office/drawing/2014/main" id="{D2CC049A-1007-4E17-AE46-39B6955ACE71}"/>
+                </a:ext>
+              </a:extLst>
+            </p:cNvPr>
+            <p:cNvCxnSpPr>
+              <a:cxnSpLocks/>
+              <a:stCxn id="8" idx="3"/>
+              <a:endCxn id="10" idx="2"/>
+            </p:cNvCxnSpPr>
+            <p:nvPr/>
+          </p:nvCxnSpPr>
+          <p:spPr>
+            <a:xfrm>
+              <a:off x="8010365" y="2205844"/>
+              <a:ext cx="1466849" cy="292251"/>
+            </a:xfrm>
+            <a:prstGeom prst="line">
+              <a:avLst/>
+            </a:prstGeom>
+            <a:noFill/>
+            <a:ln w="19050">
+              <a:solidFill>
+                <a:srgbClr val="0066FF"/>
+              </a:solidFill>
+            </a:ln>
+            <a:effectLst/>
+          </p:spPr>
+          <p:style>
+            <a:lnRef idx="1">
+              <a:schemeClr val="accent1"/>
+            </a:lnRef>
+            <a:fillRef idx="3">
+              <a:schemeClr val="accent1"/>
+            </a:fillRef>
+            <a:effectRef idx="2">
+              <a:schemeClr val="accent1"/>
+            </a:effectRef>
+            <a:fontRef idx="minor">
+              <a:schemeClr val="lt1"/>
+            </a:fontRef>
+          </p:style>
+        </p:cxnSp>
+        <p:sp>
+          <p:nvSpPr>
+            <p:cNvPr id="13" name="Rectangle: Rounded Corners 12">
+              <a:extLst>
+                <a:ext uri="{FF2B5EF4-FFF2-40B4-BE49-F238E27FC236}">
+                  <a16:creationId xmlns:a16="http://schemas.microsoft.com/office/drawing/2014/main" id="{16B3B8A6-D7B2-4B07-955F-407F5AEFED0C}"/>
+                </a:ext>
+              </a:extLst>
+            </p:cNvPr>
+            <p:cNvSpPr/>
+            <p:nvPr/>
+          </p:nvSpPr>
+          <p:spPr>
+            <a:xfrm>
+              <a:off x="1948198" y="1180395"/>
+              <a:ext cx="290177" cy="712535"/>
+            </a:xfrm>
+            <a:prstGeom prst="roundRect">
+              <a:avLst>
+                <a:gd name="adj" fmla="val 50000"/>
+              </a:avLst>
+            </a:prstGeom>
+            <a:noFill/>
+            <a:ln w="19050">
+              <a:solidFill>
+                <a:srgbClr val="0066FF"/>
+              </a:solidFill>
+            </a:ln>
+            <a:effectLst/>
+          </p:spPr>
+          <p:style>
+            <a:lnRef idx="1">
+              <a:schemeClr val="accent1"/>
+            </a:lnRef>
+            <a:fillRef idx="3">
+              <a:schemeClr val="accent1"/>
+            </a:fillRef>
+            <a:effectRef idx="2">
+              <a:schemeClr val="accent1"/>
+            </a:effectRef>
+            <a:fontRef idx="minor">
+              <a:schemeClr val="lt1"/>
+            </a:fontRef>
+          </p:style>
+          <p:txBody>
+            <a:bodyPr rtlCol="0" anchor="ctr"/>
+            <a:lstStyle/>
+            <a:p>
+              <a:pPr algn="ctr"/>
+              <a:endParaRPr lang="en-US"/>
+            </a:p>
+          </p:txBody>
+        </p:sp>
+        <p:sp>
+          <p:nvSpPr>
+            <p:cNvPr id="14" name="Rectangle: Rounded Corners 13">
+              <a:extLst>
+                <a:ext uri="{FF2B5EF4-FFF2-40B4-BE49-F238E27FC236}">
+                  <a16:creationId xmlns:a16="http://schemas.microsoft.com/office/drawing/2014/main" id="{142A6A05-A19C-4398-BC08-E4C6E906F84C}"/>
+                </a:ext>
+              </a:extLst>
+            </p:cNvPr>
+            <p:cNvSpPr/>
+            <p:nvPr/>
+          </p:nvSpPr>
+          <p:spPr>
+            <a:xfrm>
+              <a:off x="2798136" y="1971675"/>
+              <a:ext cx="290177" cy="712535"/>
+            </a:xfrm>
+            <a:prstGeom prst="roundRect">
+              <a:avLst>
+                <a:gd name="adj" fmla="val 50000"/>
+              </a:avLst>
+            </a:prstGeom>
+            <a:noFill/>
+            <a:ln w="19050">
+              <a:solidFill>
+                <a:srgbClr val="0066FF"/>
+              </a:solidFill>
+            </a:ln>
+            <a:effectLst/>
+          </p:spPr>
+          <p:style>
+            <a:lnRef idx="1">
+              <a:schemeClr val="accent1"/>
+            </a:lnRef>
+            <a:fillRef idx="3">
+              <a:schemeClr val="accent1"/>
+            </a:fillRef>
+            <a:effectRef idx="2">
+              <a:schemeClr val="accent1"/>
+            </a:effectRef>
+            <a:fontRef idx="minor">
+              <a:schemeClr val="lt1"/>
+            </a:fontRef>
+          </p:style>
+          <p:txBody>
+            <a:bodyPr rtlCol="0" anchor="ctr"/>
+            <a:lstStyle/>
+            <a:p>
+              <a:pPr algn="ctr"/>
+              <a:endParaRPr lang="en-US"/>
+            </a:p>
+          </p:txBody>
+        </p:sp>
+      </p:grpSp>
+      <p:grpSp>
+        <p:nvGrpSpPr>
+          <p:cNvPr id="15" name="Group 14">
+            <a:extLst>
+              <a:ext uri="{FF2B5EF4-FFF2-40B4-BE49-F238E27FC236}">
+                <a16:creationId xmlns:a16="http://schemas.microsoft.com/office/drawing/2014/main" id="{87FF977C-2DBE-4E1A-8783-C87C50716630}"/>
+              </a:ext>
+            </a:extLst>
+          </p:cNvPr>
+          <p:cNvGrpSpPr/>
+          <p:nvPr/>
+        </p:nvGrpSpPr>
+        <p:grpSpPr>
+          <a:xfrm>
+            <a:off x="1676400" y="2878097"/>
+            <a:ext cx="9832704" cy="732518"/>
+            <a:chOff x="1676400" y="2795915"/>
+            <a:chExt cx="9832704" cy="732518"/>
+          </a:xfrm>
+        </p:grpSpPr>
+        <p:grpSp>
+          <p:nvGrpSpPr>
+            <p:cNvPr id="16" name="Group 15">
+              <a:extLst>
+                <a:ext uri="{FF2B5EF4-FFF2-40B4-BE49-F238E27FC236}">
+                  <a16:creationId xmlns:a16="http://schemas.microsoft.com/office/drawing/2014/main" id="{0322EB7A-0B52-449C-AFBB-F7309CBA4588}"/>
+                </a:ext>
+              </a:extLst>
+            </p:cNvPr>
+            <p:cNvGrpSpPr/>
+            <p:nvPr/>
+          </p:nvGrpSpPr>
+          <p:grpSpPr>
+            <a:xfrm>
+              <a:off x="1676400" y="2800350"/>
+              <a:ext cx="9832704" cy="728083"/>
+              <a:chOff x="1828800" y="2581274"/>
+              <a:chExt cx="9448800" cy="728083"/>
+            </a:xfrm>
+          </p:grpSpPr>
+          <p:sp>
+            <p:nvSpPr>
+              <p:cNvPr id="22" name="Rectangle: Rounded Corners 21">
+                <a:extLst>
+                  <a:ext uri="{FF2B5EF4-FFF2-40B4-BE49-F238E27FC236}">
+                    <a16:creationId xmlns:a16="http://schemas.microsoft.com/office/drawing/2014/main" id="{460765D2-04C1-4EF1-A519-DF97740FE923}"/>
+                  </a:ext>
+                </a:extLst>
+              </p:cNvPr>
+              <p:cNvSpPr/>
+              <p:nvPr/>
+            </p:nvSpPr>
+            <p:spPr>
+              <a:xfrm>
+                <a:off x="1828800" y="2581274"/>
+                <a:ext cx="9448800" cy="728083"/>
+              </a:xfrm>
+              <a:prstGeom prst="roundRect">
+                <a:avLst>
+                  <a:gd name="adj" fmla="val 30376"/>
+                </a:avLst>
+              </a:prstGeom>
+              <a:noFill/>
+              <a:ln w="19050">
+                <a:solidFill>
+                  <a:srgbClr val="0066FF"/>
+                </a:solidFill>
+              </a:ln>
+              <a:effectLst/>
+            </p:spPr>
+            <p:style>
+              <a:lnRef idx="1">
+                <a:schemeClr val="accent1"/>
+              </a:lnRef>
+              <a:fillRef idx="3">
+                <a:schemeClr val="accent1"/>
+              </a:fillRef>
+              <a:effectRef idx="2">
+                <a:schemeClr val="accent1"/>
+              </a:effectRef>
+              <a:fontRef idx="minor">
+                <a:schemeClr val="lt1"/>
+              </a:fontRef>
+            </p:style>
+            <p:txBody>
+              <a:bodyPr rtlCol="0" anchor="ctr"/>
+              <a:lstStyle/>
+              <a:p>
+                <a:pPr algn="ctr"/>
+                <a:endParaRPr lang="en-US"/>
+              </a:p>
+            </p:txBody>
+          </p:sp>
+          <p:sp>
+            <p:nvSpPr>
+              <p:cNvPr id="23" name="TextBox 22">
+                <a:extLst>
+                  <a:ext uri="{FF2B5EF4-FFF2-40B4-BE49-F238E27FC236}">
+                    <a16:creationId xmlns:a16="http://schemas.microsoft.com/office/drawing/2014/main" id="{6DDE9A49-86DB-48D9-8A16-0FD044FC8EA6}"/>
+                  </a:ext>
+                </a:extLst>
+              </p:cNvPr>
+              <p:cNvSpPr txBox="1"/>
+              <p:nvPr/>
+            </p:nvSpPr>
+            <p:spPr>
+              <a:xfrm>
+                <a:off x="5040816" y="2752724"/>
+                <a:ext cx="1620826" cy="430887"/>
+              </a:xfrm>
+              <a:prstGeom prst="rect">
+                <a:avLst/>
+              </a:prstGeom>
+              <a:noFill/>
+            </p:spPr>
+            <p:txBody>
+              <a:bodyPr wrap="none" rtlCol="0">
+                <a:spAutoFit/>
+              </a:bodyPr>
+              <a:lstStyle/>
+              <a:p>
+                <a:pPr algn="l"/>
+                <a:r>
+                  <a:rPr lang="en-US" sz="1100" b="1" dirty="0">
+                    <a:solidFill>
+                      <a:srgbClr val="0066FF"/>
+                    </a:solidFill>
+                    <a:latin typeface="Arial" panose="020B0604020202020204" pitchFamily="34" charset="0"/>
+                    <a:cs typeface="Arial" panose="020B0604020202020204" pitchFamily="34" charset="0"/>
+                  </a:rPr>
+                  <a:t>Neither is safe : </a:t>
+                </a:r>
+              </a:p>
+              <a:p>
+                <a:pPr algn="l"/>
+                <a:r>
+                  <a:rPr lang="en-US" sz="1100" b="1" dirty="0">
+                    <a:solidFill>
+                      <a:srgbClr val="0066FF"/>
+                    </a:solidFill>
+                    <a:latin typeface="Arial" panose="020B0604020202020204" pitchFamily="34" charset="0"/>
+                    <a:cs typeface="Arial" panose="020B0604020202020204" pitchFamily="34" charset="0"/>
+                  </a:rPr>
+                  <a:t>select the least unsafe</a:t>
+                </a:r>
+              </a:p>
+            </p:txBody>
+          </p:sp>
+        </p:grpSp>
+        <p:sp>
+          <p:nvSpPr>
+            <p:cNvPr id="17" name="Oval 16">
+              <a:extLst>
+                <a:ext uri="{FF2B5EF4-FFF2-40B4-BE49-F238E27FC236}">
+                  <a16:creationId xmlns:a16="http://schemas.microsoft.com/office/drawing/2014/main" id="{0BC36D86-26A1-46D6-AB70-C2DF940E9FEF}"/>
+                </a:ext>
+              </a:extLst>
+            </p:cNvPr>
+            <p:cNvSpPr/>
+            <p:nvPr/>
+          </p:nvSpPr>
+          <p:spPr>
+            <a:xfrm>
+              <a:off x="7343775" y="2795915"/>
+              <a:ext cx="247811" cy="261610"/>
+            </a:xfrm>
+            <a:prstGeom prst="ellipse">
+              <a:avLst/>
+            </a:prstGeom>
+            <a:noFill/>
+            <a:ln w="19050">
+              <a:solidFill>
+                <a:srgbClr val="0066FF"/>
+              </a:solidFill>
+            </a:ln>
+            <a:effectLst/>
+          </p:spPr>
+          <p:style>
+            <a:lnRef idx="1">
+              <a:schemeClr val="accent1"/>
+            </a:lnRef>
+            <a:fillRef idx="3">
+              <a:schemeClr val="accent1"/>
+            </a:fillRef>
+            <a:effectRef idx="2">
+              <a:schemeClr val="accent1"/>
+            </a:effectRef>
+            <a:fontRef idx="minor">
+              <a:schemeClr val="lt1"/>
+            </a:fontRef>
+          </p:style>
+          <p:txBody>
+            <a:bodyPr rot="0" spcFirstLastPara="0" vertOverflow="overflow" horzOverflow="overflow" vert="horz" wrap="square" lIns="91440" tIns="45720" rIns="91440" bIns="45720" numCol="1" spcCol="0" rtlCol="0" fromWordArt="0" anchor="ctr" anchorCtr="0" forceAA="0" compatLnSpc="1">
+              <a:prstTxWarp prst="textNoShape">
+                <a:avLst/>
+              </a:prstTxWarp>
+              <a:noAutofit/>
+            </a:bodyPr>
+            <a:lstStyle/>
+            <a:p>
+              <a:pPr algn="ctr"/>
+              <a:endParaRPr lang="en-US"/>
+            </a:p>
+          </p:txBody>
+        </p:sp>
+        <p:sp>
+          <p:nvSpPr>
+            <p:cNvPr id="18" name="Oval 17">
+              <a:extLst>
+                <a:ext uri="{FF2B5EF4-FFF2-40B4-BE49-F238E27FC236}">
+                  <a16:creationId xmlns:a16="http://schemas.microsoft.com/office/drawing/2014/main" id="{C4B6440F-1EC2-4D68-A667-F2D0DB2E7B95}"/>
+                </a:ext>
+              </a:extLst>
+            </p:cNvPr>
+            <p:cNvSpPr/>
+            <p:nvPr/>
+          </p:nvSpPr>
+          <p:spPr>
+            <a:xfrm>
+              <a:off x="7353139" y="3171825"/>
+              <a:ext cx="247811" cy="261610"/>
+            </a:xfrm>
+            <a:prstGeom prst="ellipse">
+              <a:avLst/>
+            </a:prstGeom>
+            <a:noFill/>
+            <a:ln w="19050">
+              <a:solidFill>
+                <a:srgbClr val="0066FF"/>
+              </a:solidFill>
+            </a:ln>
+            <a:effectLst/>
+          </p:spPr>
+          <p:style>
+            <a:lnRef idx="1">
+              <a:schemeClr val="accent1"/>
+            </a:lnRef>
+            <a:fillRef idx="3">
+              <a:schemeClr val="accent1"/>
+            </a:fillRef>
+            <a:effectRef idx="2">
+              <a:schemeClr val="accent1"/>
+            </a:effectRef>
+            <a:fontRef idx="minor">
+              <a:schemeClr val="lt1"/>
+            </a:fontRef>
+          </p:style>
+          <p:txBody>
+            <a:bodyPr rot="0" spcFirstLastPara="0" vertOverflow="overflow" horzOverflow="overflow" vert="horz" wrap="square" lIns="91440" tIns="45720" rIns="91440" bIns="45720" numCol="1" spcCol="0" rtlCol="0" fromWordArt="0" anchor="ctr" anchorCtr="0" forceAA="0" compatLnSpc="1">
+              <a:prstTxWarp prst="textNoShape">
+                <a:avLst/>
+              </a:prstTxWarp>
+              <a:noAutofit/>
+            </a:bodyPr>
+            <a:lstStyle/>
+            <a:p>
+              <a:pPr algn="ctr"/>
+              <a:endParaRPr lang="en-US"/>
+            </a:p>
+          </p:txBody>
+        </p:sp>
+        <p:cxnSp>
+          <p:nvCxnSpPr>
+            <p:cNvPr id="19" name="Straight Connector 18">
+              <a:extLst>
+                <a:ext uri="{FF2B5EF4-FFF2-40B4-BE49-F238E27FC236}">
+                  <a16:creationId xmlns:a16="http://schemas.microsoft.com/office/drawing/2014/main" id="{A6C68195-58A6-4FF6-868A-8D5D28CB7146}"/>
+                </a:ext>
+              </a:extLst>
+            </p:cNvPr>
+            <p:cNvCxnSpPr>
+              <a:cxnSpLocks/>
+              <a:stCxn id="23" idx="3"/>
+              <a:endCxn id="17" idx="2"/>
+            </p:cNvCxnSpPr>
+            <p:nvPr/>
+          </p:nvCxnSpPr>
+          <p:spPr>
+            <a:xfrm flipV="1">
+              <a:off x="6705600" y="2926720"/>
+              <a:ext cx="638175" cy="260524"/>
+            </a:xfrm>
+            <a:prstGeom prst="line">
+              <a:avLst/>
+            </a:prstGeom>
+            <a:noFill/>
+            <a:ln w="19050">
+              <a:solidFill>
+                <a:srgbClr val="0066FF"/>
+              </a:solidFill>
+            </a:ln>
+            <a:effectLst/>
+          </p:spPr>
+          <p:style>
+            <a:lnRef idx="1">
+              <a:schemeClr val="accent1"/>
+            </a:lnRef>
+            <a:fillRef idx="3">
+              <a:schemeClr val="accent1"/>
+            </a:fillRef>
+            <a:effectRef idx="2">
+              <a:schemeClr val="accent1"/>
+            </a:effectRef>
+            <a:fontRef idx="minor">
+              <a:schemeClr val="lt1"/>
+            </a:fontRef>
+          </p:style>
+        </p:cxnSp>
+        <p:cxnSp>
+          <p:nvCxnSpPr>
+            <p:cNvPr id="20" name="Straight Connector 19">
+              <a:extLst>
+                <a:ext uri="{FF2B5EF4-FFF2-40B4-BE49-F238E27FC236}">
+                  <a16:creationId xmlns:a16="http://schemas.microsoft.com/office/drawing/2014/main" id="{68E2119B-460E-46D8-A1BB-96B6A97AB559}"/>
+                </a:ext>
+              </a:extLst>
+            </p:cNvPr>
+            <p:cNvCxnSpPr>
+              <a:cxnSpLocks/>
+              <a:stCxn id="23" idx="3"/>
+              <a:endCxn id="18" idx="2"/>
+            </p:cNvCxnSpPr>
+            <p:nvPr/>
+          </p:nvCxnSpPr>
+          <p:spPr>
+            <a:xfrm>
+              <a:off x="6705600" y="3187244"/>
+              <a:ext cx="647539" cy="115386"/>
+            </a:xfrm>
+            <a:prstGeom prst="line">
+              <a:avLst/>
+            </a:prstGeom>
+            <a:noFill/>
+            <a:ln w="19050">
+              <a:solidFill>
+                <a:srgbClr val="0066FF"/>
+              </a:solidFill>
+            </a:ln>
+            <a:effectLst/>
+          </p:spPr>
+          <p:style>
+            <a:lnRef idx="1">
+              <a:schemeClr val="accent1"/>
+            </a:lnRef>
+            <a:fillRef idx="3">
+              <a:schemeClr val="accent1"/>
+            </a:fillRef>
+            <a:effectRef idx="2">
+              <a:schemeClr val="accent1"/>
+            </a:effectRef>
+            <a:fontRef idx="minor">
+              <a:schemeClr val="lt1"/>
+            </a:fontRef>
+          </p:style>
+        </p:cxnSp>
+        <p:sp>
+          <p:nvSpPr>
+            <p:cNvPr id="21" name="Rectangle: Rounded Corners 20">
+              <a:extLst>
+                <a:ext uri="{FF2B5EF4-FFF2-40B4-BE49-F238E27FC236}">
+                  <a16:creationId xmlns:a16="http://schemas.microsoft.com/office/drawing/2014/main" id="{77CB549C-921F-4AFA-8D6D-BFE8ACBF6ECD}"/>
+                </a:ext>
+              </a:extLst>
+            </p:cNvPr>
+            <p:cNvSpPr/>
+            <p:nvPr/>
+          </p:nvSpPr>
+          <p:spPr>
+            <a:xfrm>
+              <a:off x="3581400" y="2795915"/>
+              <a:ext cx="1334393" cy="732518"/>
+            </a:xfrm>
+            <a:prstGeom prst="roundRect">
+              <a:avLst>
+                <a:gd name="adj" fmla="val 27275"/>
+              </a:avLst>
+            </a:prstGeom>
+            <a:noFill/>
+            <a:ln w="19050">
+              <a:solidFill>
+                <a:srgbClr val="0066FF"/>
+              </a:solidFill>
+            </a:ln>
+            <a:effectLst/>
+          </p:spPr>
+          <p:style>
+            <a:lnRef idx="1">
+              <a:schemeClr val="accent1"/>
+            </a:lnRef>
+            <a:fillRef idx="3">
+              <a:schemeClr val="accent1"/>
+            </a:fillRef>
+            <a:effectRef idx="2">
+              <a:schemeClr val="accent1"/>
+            </a:effectRef>
+            <a:fontRef idx="minor">
+              <a:schemeClr val="lt1"/>
+            </a:fontRef>
+          </p:style>
+          <p:txBody>
+            <a:bodyPr rtlCol="0" anchor="ctr"/>
+            <a:lstStyle/>
+            <a:p>
+              <a:pPr algn="ctr"/>
+              <a:endParaRPr lang="en-US"/>
+            </a:p>
+          </p:txBody>
+        </p:sp>
+      </p:grpSp>
+      <p:grpSp>
+        <p:nvGrpSpPr>
+          <p:cNvPr id="24" name="Group 23">
+            <a:extLst>
+              <a:ext uri="{FF2B5EF4-FFF2-40B4-BE49-F238E27FC236}">
+                <a16:creationId xmlns:a16="http://schemas.microsoft.com/office/drawing/2014/main" id="{92F85D2C-D653-4263-8CEE-CE48BFEDF63F}"/>
+              </a:ext>
+            </a:extLst>
+          </p:cNvPr>
+          <p:cNvGrpSpPr/>
+          <p:nvPr/>
+        </p:nvGrpSpPr>
+        <p:grpSpPr>
+          <a:xfrm>
+            <a:off x="1676400" y="3659147"/>
+            <a:ext cx="9832704" cy="732518"/>
+            <a:chOff x="1676400" y="3576965"/>
+            <a:chExt cx="9832704" cy="732518"/>
+          </a:xfrm>
+        </p:grpSpPr>
+        <p:grpSp>
+          <p:nvGrpSpPr>
+            <p:cNvPr id="25" name="Group 24">
+              <a:extLst>
+                <a:ext uri="{FF2B5EF4-FFF2-40B4-BE49-F238E27FC236}">
+                  <a16:creationId xmlns:a16="http://schemas.microsoft.com/office/drawing/2014/main" id="{B1BAAF17-038B-4EC3-BFC2-4954397E9272}"/>
+                </a:ext>
+              </a:extLst>
+            </p:cNvPr>
+            <p:cNvGrpSpPr/>
+            <p:nvPr/>
+          </p:nvGrpSpPr>
+          <p:grpSpPr>
+            <a:xfrm>
+              <a:off x="1676400" y="3581400"/>
+              <a:ext cx="9832704" cy="728083"/>
+              <a:chOff x="1828800" y="2581274"/>
+              <a:chExt cx="9448800" cy="728083"/>
+            </a:xfrm>
+          </p:grpSpPr>
+          <p:sp>
+            <p:nvSpPr>
+              <p:cNvPr id="27" name="Rectangle: Rounded Corners 26">
+                <a:extLst>
+                  <a:ext uri="{FF2B5EF4-FFF2-40B4-BE49-F238E27FC236}">
+                    <a16:creationId xmlns:a16="http://schemas.microsoft.com/office/drawing/2014/main" id="{116AB573-D502-434D-A6AA-052D82EBC3EB}"/>
+                  </a:ext>
+                </a:extLst>
+              </p:cNvPr>
+              <p:cNvSpPr/>
+              <p:nvPr/>
+            </p:nvSpPr>
+            <p:spPr>
+              <a:xfrm>
+                <a:off x="1828800" y="2581274"/>
+                <a:ext cx="9448800" cy="728083"/>
+              </a:xfrm>
+              <a:prstGeom prst="roundRect">
+                <a:avLst>
+                  <a:gd name="adj" fmla="val 30376"/>
+                </a:avLst>
+              </a:prstGeom>
+              <a:noFill/>
+              <a:ln w="19050">
+                <a:solidFill>
+                  <a:srgbClr val="0066FF"/>
+                </a:solidFill>
+              </a:ln>
+              <a:effectLst/>
+            </p:spPr>
+            <p:style>
+              <a:lnRef idx="1">
+                <a:schemeClr val="accent1"/>
+              </a:lnRef>
+              <a:fillRef idx="3">
+                <a:schemeClr val="accent1"/>
+              </a:fillRef>
+              <a:effectRef idx="2">
+                <a:schemeClr val="accent1"/>
+              </a:effectRef>
+              <a:fontRef idx="minor">
+                <a:schemeClr val="lt1"/>
+              </a:fontRef>
+            </p:style>
+            <p:txBody>
+              <a:bodyPr rtlCol="0" anchor="ctr"/>
+              <a:lstStyle/>
+              <a:p>
+                <a:pPr algn="ctr"/>
+                <a:endParaRPr lang="en-US"/>
+              </a:p>
+            </p:txBody>
+          </p:sp>
+          <p:sp>
+            <p:nvSpPr>
+              <p:cNvPr id="28" name="TextBox 27">
+                <a:extLst>
+                  <a:ext uri="{FF2B5EF4-FFF2-40B4-BE49-F238E27FC236}">
+                    <a16:creationId xmlns:a16="http://schemas.microsoft.com/office/drawing/2014/main" id="{975E04ED-E6E4-46B2-97B1-C51ECE6B35E3}"/>
+                  </a:ext>
+                </a:extLst>
+              </p:cNvPr>
+              <p:cNvSpPr txBox="1"/>
+              <p:nvPr/>
+            </p:nvSpPr>
+            <p:spPr>
+              <a:xfrm>
+                <a:off x="5050695" y="2764366"/>
+                <a:ext cx="1648553" cy="430887"/>
+              </a:xfrm>
+              <a:prstGeom prst="rect">
+                <a:avLst/>
+              </a:prstGeom>
+              <a:noFill/>
+            </p:spPr>
+            <p:txBody>
+              <a:bodyPr wrap="none" rtlCol="0">
+                <a:spAutoFit/>
+              </a:bodyPr>
+              <a:lstStyle/>
+              <a:p>
+                <a:pPr algn="l"/>
+                <a:r>
+                  <a:rPr lang="en-US" sz="1100" b="1" dirty="0">
+                    <a:solidFill>
+                      <a:srgbClr val="0066FF"/>
+                    </a:solidFill>
+                    <a:latin typeface="Arial" panose="020B0604020202020204" pitchFamily="34" charset="0"/>
+                    <a:cs typeface="Arial" panose="020B0604020202020204" pitchFamily="34" charset="0"/>
+                  </a:rPr>
+                  <a:t>Only one plan is safe : </a:t>
+                </a:r>
+              </a:p>
+              <a:p>
+                <a:pPr algn="l"/>
+                <a:r>
+                  <a:rPr lang="en-US" sz="1100" b="1" dirty="0">
+                    <a:solidFill>
+                      <a:srgbClr val="0066FF"/>
+                    </a:solidFill>
+                    <a:latin typeface="Arial" panose="020B0604020202020204" pitchFamily="34" charset="0"/>
+                    <a:cs typeface="Arial" panose="020B0604020202020204" pitchFamily="34" charset="0"/>
+                  </a:rPr>
+                  <a:t>select that plan</a:t>
+                </a:r>
+              </a:p>
+            </p:txBody>
+          </p:sp>
+        </p:grpSp>
+        <p:sp>
+          <p:nvSpPr>
+            <p:cNvPr id="26" name="Rectangle: Rounded Corners 25">
+              <a:extLst>
+                <a:ext uri="{FF2B5EF4-FFF2-40B4-BE49-F238E27FC236}">
+                  <a16:creationId xmlns:a16="http://schemas.microsoft.com/office/drawing/2014/main" id="{9CE2312D-2838-41C7-A763-F038ECB4E8DD}"/>
+                </a:ext>
+              </a:extLst>
+            </p:cNvPr>
+            <p:cNvSpPr/>
+            <p:nvPr/>
+          </p:nvSpPr>
+          <p:spPr>
+            <a:xfrm>
+              <a:off x="3580507" y="3576965"/>
+              <a:ext cx="1334393" cy="732518"/>
+            </a:xfrm>
+            <a:prstGeom prst="roundRect">
+              <a:avLst>
+                <a:gd name="adj" fmla="val 27275"/>
+              </a:avLst>
+            </a:prstGeom>
+            <a:noFill/>
+            <a:ln w="19050">
+              <a:solidFill>
+                <a:srgbClr val="0066FF"/>
+              </a:solidFill>
+            </a:ln>
+            <a:effectLst/>
+          </p:spPr>
+          <p:style>
+            <a:lnRef idx="1">
+              <a:schemeClr val="accent1"/>
+            </a:lnRef>
+            <a:fillRef idx="3">
+              <a:schemeClr val="accent1"/>
+            </a:fillRef>
+            <a:effectRef idx="2">
+              <a:schemeClr val="accent1"/>
+            </a:effectRef>
+            <a:fontRef idx="minor">
+              <a:schemeClr val="lt1"/>
+            </a:fontRef>
+          </p:style>
+          <p:txBody>
+            <a:bodyPr rtlCol="0" anchor="ctr"/>
+            <a:lstStyle/>
+            <a:p>
+              <a:pPr algn="ctr"/>
+              <a:endParaRPr lang="en-US"/>
+            </a:p>
+          </p:txBody>
+        </p:sp>
+      </p:grpSp>
+      <p:grpSp>
+        <p:nvGrpSpPr>
+          <p:cNvPr id="29" name="Group 28">
+            <a:extLst>
+              <a:ext uri="{FF2B5EF4-FFF2-40B4-BE49-F238E27FC236}">
+                <a16:creationId xmlns:a16="http://schemas.microsoft.com/office/drawing/2014/main" id="{F4C7D672-6790-404B-A845-A04FB673CCE4}"/>
+              </a:ext>
+            </a:extLst>
+          </p:cNvPr>
+          <p:cNvGrpSpPr/>
+          <p:nvPr/>
+        </p:nvGrpSpPr>
+        <p:grpSpPr>
+          <a:xfrm>
+            <a:off x="1676399" y="4444632"/>
+            <a:ext cx="9832704" cy="1960063"/>
+            <a:chOff x="1676399" y="4444632"/>
+            <a:chExt cx="9832704" cy="1960063"/>
+          </a:xfrm>
+        </p:grpSpPr>
+        <p:grpSp>
+          <p:nvGrpSpPr>
+            <p:cNvPr id="30" name="Group 29">
+              <a:extLst>
+                <a:ext uri="{FF2B5EF4-FFF2-40B4-BE49-F238E27FC236}">
+                  <a16:creationId xmlns:a16="http://schemas.microsoft.com/office/drawing/2014/main" id="{7A269702-D28B-40EB-A70F-43AEB4BDDCB0}"/>
+                </a:ext>
+              </a:extLst>
+            </p:cNvPr>
+            <p:cNvGrpSpPr/>
+            <p:nvPr/>
+          </p:nvGrpSpPr>
+          <p:grpSpPr>
+            <a:xfrm>
+              <a:off x="1676399" y="4444632"/>
+              <a:ext cx="9832704" cy="1960063"/>
+              <a:chOff x="1676399" y="2633707"/>
+              <a:chExt cx="9832704" cy="1960063"/>
+            </a:xfrm>
+          </p:grpSpPr>
+          <p:sp>
+            <p:nvSpPr>
+              <p:cNvPr id="32" name="Rectangle: Rounded Corners 31">
+                <a:extLst>
+                  <a:ext uri="{FF2B5EF4-FFF2-40B4-BE49-F238E27FC236}">
+                    <a16:creationId xmlns:a16="http://schemas.microsoft.com/office/drawing/2014/main" id="{FDFCFB6A-D3C9-4E3F-8ECC-53ADA18F1403}"/>
+                  </a:ext>
+                </a:extLst>
+              </p:cNvPr>
+              <p:cNvSpPr/>
+              <p:nvPr/>
+            </p:nvSpPr>
+            <p:spPr>
+              <a:xfrm>
+                <a:off x="1676399" y="2633707"/>
+                <a:ext cx="9832704" cy="1960063"/>
+              </a:xfrm>
+              <a:prstGeom prst="roundRect">
+                <a:avLst>
+                  <a:gd name="adj" fmla="val 11124"/>
+                </a:avLst>
+              </a:prstGeom>
+              <a:noFill/>
+              <a:ln w="19050">
+                <a:solidFill>
+                  <a:srgbClr val="0066FF"/>
+                </a:solidFill>
+              </a:ln>
+              <a:effectLst/>
+            </p:spPr>
+            <p:style>
+              <a:lnRef idx="1">
+                <a:schemeClr val="accent1"/>
+              </a:lnRef>
+              <a:fillRef idx="3">
+                <a:schemeClr val="accent1"/>
+              </a:fillRef>
+              <a:effectRef idx="2">
+                <a:schemeClr val="accent1"/>
+              </a:effectRef>
+              <a:fontRef idx="minor">
+                <a:schemeClr val="lt1"/>
+              </a:fontRef>
+            </p:style>
+            <p:txBody>
+              <a:bodyPr rtlCol="0" anchor="ctr"/>
+              <a:lstStyle/>
+              <a:p>
+                <a:pPr algn="ctr"/>
+                <a:endParaRPr lang="en-US"/>
+              </a:p>
+            </p:txBody>
+          </p:sp>
+          <p:sp>
+            <p:nvSpPr>
+              <p:cNvPr id="33" name="TextBox 32">
+                <a:extLst>
+                  <a:ext uri="{FF2B5EF4-FFF2-40B4-BE49-F238E27FC236}">
+                    <a16:creationId xmlns:a16="http://schemas.microsoft.com/office/drawing/2014/main" id="{BDE65F2E-8161-429C-AAC9-19502F6AA279}"/>
+                  </a:ext>
+                </a:extLst>
+              </p:cNvPr>
+              <p:cNvSpPr txBox="1"/>
+              <p:nvPr/>
+            </p:nvSpPr>
+            <p:spPr>
+              <a:xfrm>
+                <a:off x="6890716" y="2657847"/>
+                <a:ext cx="2329484" cy="261610"/>
+              </a:xfrm>
+              <a:prstGeom prst="rect">
+                <a:avLst/>
+              </a:prstGeom>
+              <a:noFill/>
+            </p:spPr>
+            <p:txBody>
+              <a:bodyPr wrap="none" rtlCol="0">
+                <a:spAutoFit/>
+              </a:bodyPr>
+              <a:lstStyle/>
+              <a:p>
+                <a:pPr algn="l"/>
+                <a:r>
+                  <a:rPr lang="en-US" sz="1100" b="1" dirty="0">
+                    <a:solidFill>
+                      <a:srgbClr val="0066FF"/>
+                    </a:solidFill>
+                    <a:latin typeface="Arial" panose="020B0604020202020204" pitchFamily="34" charset="0"/>
+                    <a:cs typeface="Arial" panose="020B0604020202020204" pitchFamily="34" charset="0"/>
+                  </a:rPr>
+                  <a:t>Both plans are safe : select LEC</a:t>
+                </a:r>
+              </a:p>
+            </p:txBody>
+          </p:sp>
+        </p:grpSp>
+        <p:sp>
+          <p:nvSpPr>
+            <p:cNvPr id="31" name="Rectangle: Rounded Corners 30">
+              <a:extLst>
+                <a:ext uri="{FF2B5EF4-FFF2-40B4-BE49-F238E27FC236}">
+                  <a16:creationId xmlns:a16="http://schemas.microsoft.com/office/drawing/2014/main" id="{A5B30EBC-30A6-47E5-B2A7-18D85D4A6C60}"/>
+                </a:ext>
+              </a:extLst>
+            </p:cNvPr>
+            <p:cNvSpPr/>
+            <p:nvPr/>
+          </p:nvSpPr>
+          <p:spPr>
+            <a:xfrm>
+              <a:off x="3581400" y="4445538"/>
+              <a:ext cx="1334393" cy="1892023"/>
+            </a:xfrm>
+            <a:prstGeom prst="roundRect">
+              <a:avLst>
+                <a:gd name="adj" fmla="val 15268"/>
+              </a:avLst>
+            </a:prstGeom>
+            <a:noFill/>
+            <a:ln w="19050">
+              <a:solidFill>
+                <a:srgbClr val="0066FF"/>
+              </a:solidFill>
+            </a:ln>
+            <a:effectLst/>
+          </p:spPr>
+          <p:style>
+            <a:lnRef idx="1">
+              <a:schemeClr val="accent1"/>
+            </a:lnRef>
+            <a:fillRef idx="3">
+              <a:schemeClr val="accent1"/>
+            </a:fillRef>
+            <a:effectRef idx="2">
+              <a:schemeClr val="accent1"/>
+            </a:effectRef>
+            <a:fontRef idx="minor">
+              <a:schemeClr val="lt1"/>
+            </a:fontRef>
+          </p:style>
+          <p:txBody>
+            <a:bodyPr rtlCol="0" anchor="ctr"/>
+            <a:lstStyle/>
+            <a:p>
+              <a:pPr algn="ctr"/>
+              <a:endParaRPr lang="en-US"/>
+            </a:p>
+          </p:txBody>
+        </p:sp>
+      </p:grpSp>
+      <p:grpSp>
+        <p:nvGrpSpPr>
+          <p:cNvPr id="34" name="Group 33">
+            <a:extLst>
+              <a:ext uri="{FF2B5EF4-FFF2-40B4-BE49-F238E27FC236}">
+                <a16:creationId xmlns:a16="http://schemas.microsoft.com/office/drawing/2014/main" id="{0E4128E7-036B-4257-8381-4591B18BEC19}"/>
+              </a:ext>
+            </a:extLst>
+          </p:cNvPr>
+          <p:cNvGrpSpPr/>
+          <p:nvPr/>
+        </p:nvGrpSpPr>
+        <p:grpSpPr>
+          <a:xfrm>
+            <a:off x="1676400" y="4834517"/>
+            <a:ext cx="9832705" cy="347083"/>
+            <a:chOff x="1676400" y="4834517"/>
+            <a:chExt cx="9832705" cy="347083"/>
+          </a:xfrm>
+        </p:grpSpPr>
+        <p:grpSp>
+          <p:nvGrpSpPr>
+            <p:cNvPr id="35" name="Group 34">
+              <a:extLst>
+                <a:ext uri="{FF2B5EF4-FFF2-40B4-BE49-F238E27FC236}">
+                  <a16:creationId xmlns:a16="http://schemas.microsoft.com/office/drawing/2014/main" id="{7079C7DB-FDF8-4EE6-AFA2-37DAFC8A22BD}"/>
+                </a:ext>
+              </a:extLst>
+            </p:cNvPr>
+            <p:cNvGrpSpPr/>
+            <p:nvPr/>
+          </p:nvGrpSpPr>
+          <p:grpSpPr>
+            <a:xfrm>
+              <a:off x="1676400" y="4834517"/>
+              <a:ext cx="9832705" cy="347083"/>
+              <a:chOff x="1828800" y="2581274"/>
+              <a:chExt cx="9448800" cy="347083"/>
+            </a:xfrm>
+          </p:grpSpPr>
+          <p:sp>
+            <p:nvSpPr>
+              <p:cNvPr id="37" name="Rectangle: Rounded Corners 36">
+                <a:extLst>
+                  <a:ext uri="{FF2B5EF4-FFF2-40B4-BE49-F238E27FC236}">
+                    <a16:creationId xmlns:a16="http://schemas.microsoft.com/office/drawing/2014/main" id="{067735D6-E4D7-4E4F-A1D4-3129EEA952A8}"/>
+                  </a:ext>
+                </a:extLst>
+              </p:cNvPr>
+              <p:cNvSpPr/>
+              <p:nvPr/>
+            </p:nvSpPr>
+            <p:spPr>
+              <a:xfrm>
+                <a:off x="1828800" y="2581274"/>
+                <a:ext cx="9448800" cy="347083"/>
+              </a:xfrm>
+              <a:prstGeom prst="roundRect">
+                <a:avLst>
+                  <a:gd name="adj" fmla="val 50000"/>
+                </a:avLst>
+              </a:prstGeom>
+              <a:noFill/>
+              <a:ln w="19050">
+                <a:solidFill>
+                  <a:srgbClr val="0066FF"/>
+                </a:solidFill>
+              </a:ln>
+              <a:effectLst/>
+            </p:spPr>
+            <p:style>
+              <a:lnRef idx="1">
+                <a:schemeClr val="accent1"/>
+              </a:lnRef>
+              <a:fillRef idx="3">
+                <a:schemeClr val="accent1"/>
+              </a:fillRef>
+              <a:effectRef idx="2">
+                <a:schemeClr val="accent1"/>
+              </a:effectRef>
+              <a:fontRef idx="minor">
+                <a:schemeClr val="lt1"/>
+              </a:fontRef>
+            </p:style>
+            <p:txBody>
+              <a:bodyPr rtlCol="0" anchor="ctr"/>
+              <a:lstStyle/>
+              <a:p>
+                <a:pPr algn="ctr"/>
+                <a:endParaRPr lang="en-US"/>
+              </a:p>
+            </p:txBody>
+          </p:sp>
+          <p:sp>
+            <p:nvSpPr>
+              <p:cNvPr id="38" name="TextBox 37">
+                <a:extLst>
+                  <a:ext uri="{FF2B5EF4-FFF2-40B4-BE49-F238E27FC236}">
+                    <a16:creationId xmlns:a16="http://schemas.microsoft.com/office/drawing/2014/main" id="{0BDA8539-FED7-4372-A8A8-F2EE351BAB06}"/>
+                  </a:ext>
+                </a:extLst>
+              </p:cNvPr>
+              <p:cNvSpPr txBox="1"/>
+              <p:nvPr/>
+            </p:nvSpPr>
+            <p:spPr>
+              <a:xfrm>
+                <a:off x="6839530" y="2643006"/>
+                <a:ext cx="3375359" cy="261610"/>
+              </a:xfrm>
+              <a:prstGeom prst="rect">
+                <a:avLst/>
+              </a:prstGeom>
+              <a:noFill/>
+            </p:spPr>
+            <p:txBody>
+              <a:bodyPr wrap="none" rtlCol="0">
+                <a:spAutoFit/>
+              </a:bodyPr>
+              <a:lstStyle/>
+              <a:p>
+                <a:pPr algn="l"/>
+                <a:r>
+                  <a:rPr lang="en-US" sz="1100" b="1" dirty="0">
+                    <a:solidFill>
+                      <a:srgbClr val="0066FF"/>
+                    </a:solidFill>
+                    <a:latin typeface="Arial" panose="020B0604020202020204" pitchFamily="34" charset="0"/>
+                    <a:cs typeface="Arial" panose="020B0604020202020204" pitchFamily="34" charset="0"/>
+                  </a:rPr>
+                  <a:t>UNLESS LEC CPA is beyond </a:t>
+                </a:r>
+                <a:r>
+                  <a:rPr lang="en-US" sz="1100" b="1" dirty="0">
+                    <a:solidFill>
+                      <a:srgbClr val="0066FF"/>
+                    </a:solidFill>
+                  </a:rPr>
+                  <a:t>assessment horizon</a:t>
+                </a:r>
+                <a:endParaRPr lang="en-US" sz="1100" b="1" dirty="0">
+                  <a:solidFill>
+                    <a:srgbClr val="0066FF"/>
+                  </a:solidFill>
+                  <a:latin typeface="Arial" panose="020B0604020202020204" pitchFamily="34" charset="0"/>
+                  <a:cs typeface="Arial" panose="020B0604020202020204" pitchFamily="34" charset="0"/>
+                </a:endParaRPr>
+              </a:p>
+            </p:txBody>
+          </p:sp>
+        </p:grpSp>
+        <p:sp>
+          <p:nvSpPr>
+            <p:cNvPr id="36" name="Rectangle: Rounded Corners 35">
+              <a:extLst>
+                <a:ext uri="{FF2B5EF4-FFF2-40B4-BE49-F238E27FC236}">
+                  <a16:creationId xmlns:a16="http://schemas.microsoft.com/office/drawing/2014/main" id="{7E901173-1AC6-418B-A62E-B3803DEF27C7}"/>
+                </a:ext>
+              </a:extLst>
+            </p:cNvPr>
+            <p:cNvSpPr/>
+            <p:nvPr/>
+          </p:nvSpPr>
+          <p:spPr>
+            <a:xfrm>
+              <a:off x="5334000" y="4851510"/>
+              <a:ext cx="1334393" cy="330090"/>
+            </a:xfrm>
+            <a:prstGeom prst="roundRect">
+              <a:avLst>
+                <a:gd name="adj" fmla="val 50000"/>
+              </a:avLst>
+            </a:prstGeom>
+            <a:noFill/>
+            <a:ln w="19050">
+              <a:solidFill>
+                <a:srgbClr val="0066FF"/>
+              </a:solidFill>
+            </a:ln>
+            <a:effectLst/>
+          </p:spPr>
+          <p:style>
+            <a:lnRef idx="1">
+              <a:schemeClr val="accent1"/>
+            </a:lnRef>
+            <a:fillRef idx="3">
+              <a:schemeClr val="accent1"/>
+            </a:fillRef>
+            <a:effectRef idx="2">
+              <a:schemeClr val="accent1"/>
+            </a:effectRef>
+            <a:fontRef idx="minor">
+              <a:schemeClr val="lt1"/>
+            </a:fontRef>
+          </p:style>
+          <p:txBody>
+            <a:bodyPr rtlCol="0" anchor="ctr"/>
+            <a:lstStyle/>
+            <a:p>
+              <a:pPr algn="ctr"/>
+              <a:endParaRPr lang="en-US" dirty="0"/>
+            </a:p>
+          </p:txBody>
+        </p:sp>
+      </p:grpSp>
+      <p:grpSp>
+        <p:nvGrpSpPr>
+          <p:cNvPr id="39" name="Group 38">
+            <a:extLst>
+              <a:ext uri="{FF2B5EF4-FFF2-40B4-BE49-F238E27FC236}">
+                <a16:creationId xmlns:a16="http://schemas.microsoft.com/office/drawing/2014/main" id="{8DF99040-513F-468B-A110-42581ADC36DD}"/>
+              </a:ext>
+            </a:extLst>
+          </p:cNvPr>
+          <p:cNvGrpSpPr/>
+          <p:nvPr/>
+        </p:nvGrpSpPr>
+        <p:grpSpPr>
+          <a:xfrm>
+            <a:off x="1673495" y="5596517"/>
+            <a:ext cx="9832705" cy="741045"/>
+            <a:chOff x="1673495" y="5596517"/>
+            <a:chExt cx="9832705" cy="741045"/>
+          </a:xfrm>
+        </p:grpSpPr>
+        <p:grpSp>
+          <p:nvGrpSpPr>
+            <p:cNvPr id="40" name="Group 39">
+              <a:extLst>
+                <a:ext uri="{FF2B5EF4-FFF2-40B4-BE49-F238E27FC236}">
+                  <a16:creationId xmlns:a16="http://schemas.microsoft.com/office/drawing/2014/main" id="{038FC427-D11E-4ABE-A221-C8CD153EBB06}"/>
+                </a:ext>
+              </a:extLst>
+            </p:cNvPr>
+            <p:cNvGrpSpPr/>
+            <p:nvPr/>
+          </p:nvGrpSpPr>
+          <p:grpSpPr>
+            <a:xfrm>
+              <a:off x="1673495" y="5596517"/>
+              <a:ext cx="9832705" cy="741045"/>
+              <a:chOff x="1676400" y="4834517"/>
+              <a:chExt cx="9832705" cy="741045"/>
+            </a:xfrm>
+          </p:grpSpPr>
+          <p:grpSp>
+            <p:nvGrpSpPr>
+              <p:cNvPr id="45" name="Group 44">
+                <a:extLst>
+                  <a:ext uri="{FF2B5EF4-FFF2-40B4-BE49-F238E27FC236}">
+                    <a16:creationId xmlns:a16="http://schemas.microsoft.com/office/drawing/2014/main" id="{072416EC-3622-499D-B2FC-B000667DB959}"/>
+                  </a:ext>
+                </a:extLst>
+              </p:cNvPr>
+              <p:cNvGrpSpPr/>
+              <p:nvPr/>
+            </p:nvGrpSpPr>
+            <p:grpSpPr>
+              <a:xfrm>
+                <a:off x="1676400" y="4834517"/>
+                <a:ext cx="9832705" cy="741045"/>
+                <a:chOff x="1828800" y="2581274"/>
+                <a:chExt cx="9448800" cy="741045"/>
+              </a:xfrm>
+            </p:grpSpPr>
+            <p:sp>
+              <p:nvSpPr>
+                <p:cNvPr id="47" name="Rectangle: Rounded Corners 46">
+                  <a:extLst>
+                    <a:ext uri="{FF2B5EF4-FFF2-40B4-BE49-F238E27FC236}">
+                      <a16:creationId xmlns:a16="http://schemas.microsoft.com/office/drawing/2014/main" id="{33C4FD68-1F1B-4485-A15C-2E6650F98521}"/>
+                    </a:ext>
+                  </a:extLst>
+                </p:cNvPr>
+                <p:cNvSpPr/>
+                <p:nvPr/>
+              </p:nvSpPr>
+              <p:spPr>
+                <a:xfrm>
+                  <a:off x="1828800" y="2581274"/>
+                  <a:ext cx="9448800" cy="741045"/>
+                </a:xfrm>
+                <a:prstGeom prst="roundRect">
+                  <a:avLst>
+                    <a:gd name="adj" fmla="val 32005"/>
+                  </a:avLst>
+                </a:prstGeom>
+                <a:noFill/>
+                <a:ln w="19050">
+                  <a:solidFill>
+                    <a:srgbClr val="0066FF"/>
+                  </a:solidFill>
+                </a:ln>
+                <a:effectLst/>
+              </p:spPr>
+              <p:style>
+                <a:lnRef idx="1">
+                  <a:schemeClr val="accent1"/>
+                </a:lnRef>
+                <a:fillRef idx="3">
+                  <a:schemeClr val="accent1"/>
+                </a:fillRef>
+                <a:effectRef idx="2">
+                  <a:schemeClr val="accent1"/>
+                </a:effectRef>
+                <a:fontRef idx="minor">
+                  <a:schemeClr val="lt1"/>
+                </a:fontRef>
+              </p:style>
+              <p:txBody>
+                <a:bodyPr rtlCol="0" anchor="ctr"/>
+                <a:lstStyle/>
+                <a:p>
+                  <a:pPr algn="ctr"/>
+                  <a:endParaRPr lang="en-US"/>
+                </a:p>
+              </p:txBody>
+            </p:sp>
+            <p:sp>
+              <p:nvSpPr>
+                <p:cNvPr id="48" name="TextBox 47">
+                  <a:extLst>
+                    <a:ext uri="{FF2B5EF4-FFF2-40B4-BE49-F238E27FC236}">
+                      <a16:creationId xmlns:a16="http://schemas.microsoft.com/office/drawing/2014/main" id="{5D798A46-B816-4019-A75D-B5F227D65ECB}"/>
+                    </a:ext>
+                  </a:extLst>
+                </p:cNvPr>
+                <p:cNvSpPr txBox="1"/>
+                <p:nvPr/>
+              </p:nvSpPr>
+              <p:spPr>
+                <a:xfrm>
+                  <a:off x="7770534" y="2723597"/>
+                  <a:ext cx="2481918" cy="430887"/>
+                </a:xfrm>
+                <a:prstGeom prst="rect">
+                  <a:avLst/>
+                </a:prstGeom>
+                <a:noFill/>
+              </p:spPr>
+              <p:txBody>
+                <a:bodyPr wrap="none" rtlCol="0">
+                  <a:spAutoFit/>
+                </a:bodyPr>
+                <a:lstStyle/>
+                <a:p>
+                  <a:pPr algn="l"/>
+                  <a:r>
+                    <a:rPr lang="en-US" sz="1100" b="1" dirty="0">
+                      <a:solidFill>
+                        <a:srgbClr val="0066FF"/>
+                      </a:solidFill>
+                      <a:latin typeface="Arial" panose="020B0604020202020204" pitchFamily="34" charset="0"/>
+                      <a:cs typeface="Arial" panose="020B0604020202020204" pitchFamily="34" charset="0"/>
+                    </a:rPr>
+                    <a:t>OR both CPAs are beyond </a:t>
+                  </a:r>
+                  <a:r>
+                    <a:rPr lang="en-US" sz="1100" b="1" dirty="0">
+                      <a:solidFill>
+                        <a:srgbClr val="0066FF"/>
+                      </a:solidFill>
+                    </a:rPr>
+                    <a:t>horizon :</a:t>
+                  </a:r>
+                </a:p>
+                <a:p>
+                  <a:pPr algn="l"/>
+                  <a:r>
+                    <a:rPr lang="en-US" sz="1100" b="1" dirty="0">
+                      <a:solidFill>
+                        <a:srgbClr val="0066FF"/>
+                      </a:solidFill>
+                      <a:latin typeface="Arial" panose="020B0604020202020204" pitchFamily="34" charset="0"/>
+                      <a:cs typeface="Arial" panose="020B0604020202020204" pitchFamily="34" charset="0"/>
+                    </a:rPr>
+                    <a:t>select the least unsafe</a:t>
+                  </a:r>
+                </a:p>
+              </p:txBody>
+            </p:sp>
+          </p:grpSp>
+          <p:sp>
+            <p:nvSpPr>
+              <p:cNvPr id="46" name="Rectangle: Rounded Corners 45">
+                <a:extLst>
+                  <a:ext uri="{FF2B5EF4-FFF2-40B4-BE49-F238E27FC236}">
+                    <a16:creationId xmlns:a16="http://schemas.microsoft.com/office/drawing/2014/main" id="{AB7C037E-EE70-4A7D-A193-936C6FBBA863}"/>
+                  </a:ext>
+                </a:extLst>
+              </p:cNvPr>
+              <p:cNvSpPr/>
+              <p:nvPr/>
+            </p:nvSpPr>
+            <p:spPr>
+              <a:xfrm>
+                <a:off x="5334000" y="4851510"/>
+                <a:ext cx="1334393" cy="724052"/>
+              </a:xfrm>
+              <a:prstGeom prst="roundRect">
+                <a:avLst>
+                  <a:gd name="adj" fmla="val 27636"/>
+                </a:avLst>
+              </a:prstGeom>
+              <a:noFill/>
+              <a:ln w="19050">
+                <a:solidFill>
+                  <a:srgbClr val="0066FF"/>
+                </a:solidFill>
+              </a:ln>
+              <a:effectLst/>
+            </p:spPr>
+            <p:style>
+              <a:lnRef idx="1">
+                <a:schemeClr val="accent1"/>
+              </a:lnRef>
+              <a:fillRef idx="3">
+                <a:schemeClr val="accent1"/>
+              </a:fillRef>
+              <a:effectRef idx="2">
+                <a:schemeClr val="accent1"/>
+              </a:effectRef>
+              <a:fontRef idx="minor">
+                <a:schemeClr val="lt1"/>
+              </a:fontRef>
+            </p:style>
+            <p:txBody>
+              <a:bodyPr rtlCol="0" anchor="ctr"/>
+              <a:lstStyle/>
+              <a:p>
+                <a:pPr algn="ctr"/>
+                <a:endParaRPr lang="en-US" dirty="0"/>
+              </a:p>
+            </p:txBody>
+          </p:sp>
+        </p:grpSp>
+        <p:sp>
+          <p:nvSpPr>
+            <p:cNvPr id="41" name="Oval 40">
+              <a:extLst>
+                <a:ext uri="{FF2B5EF4-FFF2-40B4-BE49-F238E27FC236}">
+                  <a16:creationId xmlns:a16="http://schemas.microsoft.com/office/drawing/2014/main" id="{10E7AAA7-F53B-48A1-B665-031DE903D311}"/>
+                </a:ext>
+              </a:extLst>
+            </p:cNvPr>
+            <p:cNvSpPr/>
+            <p:nvPr/>
+          </p:nvSpPr>
+          <p:spPr>
+            <a:xfrm>
+              <a:off x="7343775" y="5629275"/>
+              <a:ext cx="247811" cy="261610"/>
+            </a:xfrm>
+            <a:prstGeom prst="ellipse">
+              <a:avLst/>
+            </a:prstGeom>
+            <a:noFill/>
+            <a:ln w="19050">
+              <a:solidFill>
+                <a:srgbClr val="0066FF"/>
+              </a:solidFill>
+            </a:ln>
+            <a:effectLst/>
+          </p:spPr>
+          <p:style>
+            <a:lnRef idx="1">
+              <a:schemeClr val="accent1"/>
+            </a:lnRef>
+            <a:fillRef idx="3">
+              <a:schemeClr val="accent1"/>
+            </a:fillRef>
+            <a:effectRef idx="2">
+              <a:schemeClr val="accent1"/>
+            </a:effectRef>
+            <a:fontRef idx="minor">
+              <a:schemeClr val="lt1"/>
+            </a:fontRef>
+          </p:style>
+          <p:txBody>
+            <a:bodyPr rot="0" spcFirstLastPara="0" vertOverflow="overflow" horzOverflow="overflow" vert="horz" wrap="square" lIns="91440" tIns="45720" rIns="91440" bIns="45720" numCol="1" spcCol="0" rtlCol="0" fromWordArt="0" anchor="ctr" anchorCtr="0" forceAA="0" compatLnSpc="1">
+              <a:prstTxWarp prst="textNoShape">
+                <a:avLst/>
+              </a:prstTxWarp>
+              <a:noAutofit/>
+            </a:bodyPr>
+            <a:lstStyle/>
+            <a:p>
+              <a:pPr algn="ctr"/>
+              <a:endParaRPr lang="en-US"/>
+            </a:p>
+          </p:txBody>
+        </p:sp>
+        <p:sp>
+          <p:nvSpPr>
+            <p:cNvPr id="42" name="Oval 41">
+              <a:extLst>
+                <a:ext uri="{FF2B5EF4-FFF2-40B4-BE49-F238E27FC236}">
+                  <a16:creationId xmlns:a16="http://schemas.microsoft.com/office/drawing/2014/main" id="{A5966BC2-9BE6-484D-8E36-F664657FF2CB}"/>
+                </a:ext>
+              </a:extLst>
+            </p:cNvPr>
+            <p:cNvSpPr/>
+            <p:nvPr/>
+          </p:nvSpPr>
+          <p:spPr>
+            <a:xfrm>
+              <a:off x="7353139" y="6005185"/>
+              <a:ext cx="247811" cy="261610"/>
+            </a:xfrm>
+            <a:prstGeom prst="ellipse">
+              <a:avLst/>
+            </a:prstGeom>
+            <a:noFill/>
+            <a:ln w="19050">
+              <a:solidFill>
+                <a:srgbClr val="0066FF"/>
+              </a:solidFill>
+            </a:ln>
+            <a:effectLst/>
+          </p:spPr>
+          <p:style>
+            <a:lnRef idx="1">
+              <a:schemeClr val="accent1"/>
+            </a:lnRef>
+            <a:fillRef idx="3">
+              <a:schemeClr val="accent1"/>
+            </a:fillRef>
+            <a:effectRef idx="2">
+              <a:schemeClr val="accent1"/>
+            </a:effectRef>
+            <a:fontRef idx="minor">
+              <a:schemeClr val="lt1"/>
+            </a:fontRef>
+          </p:style>
+          <p:txBody>
+            <a:bodyPr rot="0" spcFirstLastPara="0" vertOverflow="overflow" horzOverflow="overflow" vert="horz" wrap="square" lIns="91440" tIns="45720" rIns="91440" bIns="45720" numCol="1" spcCol="0" rtlCol="0" fromWordArt="0" anchor="ctr" anchorCtr="0" forceAA="0" compatLnSpc="1">
+              <a:prstTxWarp prst="textNoShape">
+                <a:avLst/>
+              </a:prstTxWarp>
+              <a:noAutofit/>
+            </a:bodyPr>
+            <a:lstStyle/>
+            <a:p>
+              <a:pPr algn="ctr"/>
+              <a:endParaRPr lang="en-US"/>
+            </a:p>
+          </p:txBody>
+        </p:sp>
+        <p:cxnSp>
+          <p:nvCxnSpPr>
+            <p:cNvPr id="43" name="Straight Connector 42">
+              <a:extLst>
+                <a:ext uri="{FF2B5EF4-FFF2-40B4-BE49-F238E27FC236}">
+                  <a16:creationId xmlns:a16="http://schemas.microsoft.com/office/drawing/2014/main" id="{DDDA3F5D-A7E1-4933-892D-544FED1BA81B}"/>
+                </a:ext>
+              </a:extLst>
+            </p:cNvPr>
+            <p:cNvCxnSpPr>
+              <a:cxnSpLocks/>
+              <a:stCxn id="48" idx="1"/>
+              <a:endCxn id="41" idx="6"/>
+            </p:cNvCxnSpPr>
+            <p:nvPr/>
+          </p:nvCxnSpPr>
+          <p:spPr>
+            <a:xfrm flipH="1" flipV="1">
+              <a:off x="7591586" y="5760080"/>
+              <a:ext cx="265056" cy="194204"/>
+            </a:xfrm>
+            <a:prstGeom prst="line">
+              <a:avLst/>
+            </a:prstGeom>
+            <a:noFill/>
+            <a:ln w="19050">
+              <a:solidFill>
+                <a:srgbClr val="0066FF"/>
+              </a:solidFill>
+            </a:ln>
+            <a:effectLst/>
+          </p:spPr>
+          <p:style>
+            <a:lnRef idx="1">
+              <a:schemeClr val="accent1"/>
+            </a:lnRef>
+            <a:fillRef idx="3">
+              <a:schemeClr val="accent1"/>
+            </a:fillRef>
+            <a:effectRef idx="2">
+              <a:schemeClr val="accent1"/>
+            </a:effectRef>
+            <a:fontRef idx="minor">
+              <a:schemeClr val="lt1"/>
+            </a:fontRef>
+          </p:style>
+        </p:cxnSp>
+        <p:cxnSp>
+          <p:nvCxnSpPr>
+            <p:cNvPr id="44" name="Straight Connector 43">
+              <a:extLst>
+                <a:ext uri="{FF2B5EF4-FFF2-40B4-BE49-F238E27FC236}">
+                  <a16:creationId xmlns:a16="http://schemas.microsoft.com/office/drawing/2014/main" id="{73170842-0053-431B-9AD3-9626EEC26315}"/>
+                </a:ext>
+              </a:extLst>
+            </p:cNvPr>
+            <p:cNvCxnSpPr>
+              <a:cxnSpLocks/>
+              <a:stCxn id="42" idx="6"/>
+              <a:endCxn id="48" idx="1"/>
+            </p:cNvCxnSpPr>
+            <p:nvPr/>
+          </p:nvCxnSpPr>
+          <p:spPr>
+            <a:xfrm flipV="1">
+              <a:off x="7600950" y="5954284"/>
+              <a:ext cx="255692" cy="181706"/>
+            </a:xfrm>
+            <a:prstGeom prst="line">
+              <a:avLst/>
+            </a:prstGeom>
+            <a:noFill/>
+            <a:ln w="19050">
+              <a:solidFill>
+                <a:srgbClr val="0066FF"/>
+              </a:solidFill>
+            </a:ln>
+            <a:effectLst/>
+          </p:spPr>
+          <p:style>
+            <a:lnRef idx="1">
+              <a:schemeClr val="accent1"/>
+            </a:lnRef>
+            <a:fillRef idx="3">
+              <a:schemeClr val="accent1"/>
+            </a:fillRef>
+            <a:effectRef idx="2">
+              <a:schemeClr val="accent1"/>
+            </a:effectRef>
+            <a:fontRef idx="minor">
+              <a:schemeClr val="lt1"/>
+            </a:fontRef>
+          </p:style>
+        </p:cxnSp>
+      </p:grpSp>
+    </p:spTree>
+    <p:extLst>
+      <p:ext uri="{BB962C8B-B14F-4D97-AF65-F5344CB8AC3E}">
+        <p14:creationId xmlns:p14="http://schemas.microsoft.com/office/powerpoint/2010/main" val="277044749"/>
+      </p:ext>
+    </p:extLst>
+  </p:cSld>
+  <p:clrMapOvr>
+    <a:masterClrMapping/>
+  </p:clrMapOvr>
+  <p:timing>
+    <p:tnLst>
+      <p:par>
+        <p:cTn id="1" dur="indefinite" restart="never" nodeType="tmRoot">
+          <p:childTnLst>
+            <p:seq concurrent="1" nextAc="seek">
+              <p:cTn id="2" dur="indefinite" nodeType="mainSeq">
+                <p:childTnLst>
+                  <p:par>
+                    <p:cTn id="3" fill="hold">
+                      <p:stCondLst>
+                        <p:cond delay="indefinite"/>
+                      </p:stCondLst>
+                      <p:childTnLst>
+                        <p:par>
+                          <p:cTn id="4" fill="hold">
+                            <p:stCondLst>
+                              <p:cond delay="0"/>
+                            </p:stCondLst>
+                            <p:childTnLst>
+                              <p:par>
+                                <p:cTn id="5" presetID="10" presetClass="entr" presetSubtype="0" fill="hold" nodeType="clickEffect">
+                                  <p:stCondLst>
+                                    <p:cond delay="0"/>
+                                  </p:stCondLst>
+                                  <p:childTnLst>
+                                    <p:set>
+                                      <p:cBhvr>
+                                        <p:cTn id="6" dur="1" fill="hold">
+                                          <p:stCondLst>
+                                            <p:cond delay="0"/>
+                                          </p:stCondLst>
+                                        </p:cTn>
+                                        <p:tgtEl>
+                                          <p:spTgt spid="5"/>
+                                        </p:tgtEl>
+                                        <p:attrNameLst>
+                                          <p:attrName>style.visibility</p:attrName>
+                                        </p:attrNameLst>
+                                      </p:cBhvr>
+                                      <p:to>
+                                        <p:strVal val="visible"/>
+                                      </p:to>
+                                    </p:set>
+                                    <p:animEffect transition="in" filter="fade">
+                                      <p:cBhvr>
+                                        <p:cTn id="7" dur="500"/>
+                                        <p:tgtEl>
+                                          <p:spTgt spid="5"/>
+                                        </p:tgtEl>
+                                      </p:cBhvr>
+                                    </p:animEffect>
+                                  </p:childTnLst>
+                                </p:cTn>
+                              </p:par>
+                            </p:childTnLst>
+                          </p:cTn>
+                        </p:par>
+                      </p:childTnLst>
+                    </p:cTn>
+                  </p:par>
+                  <p:par>
+                    <p:cTn id="8" fill="hold">
+                      <p:stCondLst>
+                        <p:cond delay="indefinite"/>
+                      </p:stCondLst>
+                      <p:childTnLst>
+                        <p:par>
+                          <p:cTn id="9" fill="hold">
+                            <p:stCondLst>
+                              <p:cond delay="0"/>
+                            </p:stCondLst>
+                            <p:childTnLst>
+                              <p:par>
+                                <p:cTn id="10" presetID="10" presetClass="exit" presetSubtype="0" fill="hold" nodeType="clickEffect">
+                                  <p:stCondLst>
+                                    <p:cond delay="0"/>
+                                  </p:stCondLst>
+                                  <p:childTnLst>
+                                    <p:animEffect transition="out" filter="fade">
+                                      <p:cBhvr>
+                                        <p:cTn id="11" dur="500"/>
+                                        <p:tgtEl>
+                                          <p:spTgt spid="5"/>
+                                        </p:tgtEl>
+                                      </p:cBhvr>
+                                    </p:animEffect>
+                                    <p:set>
+                                      <p:cBhvr>
+                                        <p:cTn id="12" dur="1" fill="hold">
+                                          <p:stCondLst>
+                                            <p:cond delay="499"/>
+                                          </p:stCondLst>
+                                        </p:cTn>
+                                        <p:tgtEl>
+                                          <p:spTgt spid="5"/>
+                                        </p:tgtEl>
+                                        <p:attrNameLst>
+                                          <p:attrName>style.visibility</p:attrName>
+                                        </p:attrNameLst>
+                                      </p:cBhvr>
+                                      <p:to>
+                                        <p:strVal val="hidden"/>
+                                      </p:to>
+                                    </p:set>
+                                  </p:childTnLst>
+                                </p:cTn>
+                              </p:par>
+                              <p:par>
+                                <p:cTn id="13" presetID="10" presetClass="entr" presetSubtype="0" fill="hold" nodeType="withEffect">
+                                  <p:stCondLst>
+                                    <p:cond delay="0"/>
+                                  </p:stCondLst>
+                                  <p:childTnLst>
+                                    <p:set>
+                                      <p:cBhvr>
+                                        <p:cTn id="14" dur="1" fill="hold">
+                                          <p:stCondLst>
+                                            <p:cond delay="0"/>
+                                          </p:stCondLst>
+                                        </p:cTn>
+                                        <p:tgtEl>
+                                          <p:spTgt spid="15"/>
+                                        </p:tgtEl>
+                                        <p:attrNameLst>
+                                          <p:attrName>style.visibility</p:attrName>
+                                        </p:attrNameLst>
+                                      </p:cBhvr>
+                                      <p:to>
+                                        <p:strVal val="visible"/>
+                                      </p:to>
+                                    </p:set>
+                                    <p:animEffect transition="in" filter="fade">
+                                      <p:cBhvr>
+                                        <p:cTn id="15" dur="500"/>
+                                        <p:tgtEl>
+                                          <p:spTgt spid="15"/>
+                                        </p:tgtEl>
+                                      </p:cBhvr>
+                                    </p:animEffect>
+                                  </p:childTnLst>
+                                </p:cTn>
+                              </p:par>
+                            </p:childTnLst>
+                          </p:cTn>
+                        </p:par>
+                      </p:childTnLst>
+                    </p:cTn>
+                  </p:par>
+                  <p:par>
+                    <p:cTn id="16" fill="hold">
+                      <p:stCondLst>
+                        <p:cond delay="indefinite"/>
+                      </p:stCondLst>
+                      <p:childTnLst>
+                        <p:par>
+                          <p:cTn id="17" fill="hold">
+                            <p:stCondLst>
+                              <p:cond delay="0"/>
+                            </p:stCondLst>
+                            <p:childTnLst>
+                              <p:par>
+                                <p:cTn id="18" presetID="10" presetClass="exit" presetSubtype="0" fill="hold" nodeType="clickEffect">
+                                  <p:stCondLst>
+                                    <p:cond delay="0"/>
+                                  </p:stCondLst>
+                                  <p:childTnLst>
+                                    <p:animEffect transition="out" filter="fade">
+                                      <p:cBhvr>
+                                        <p:cTn id="19" dur="500"/>
+                                        <p:tgtEl>
+                                          <p:spTgt spid="15"/>
+                                        </p:tgtEl>
+                                      </p:cBhvr>
+                                    </p:animEffect>
+                                    <p:set>
+                                      <p:cBhvr>
+                                        <p:cTn id="20" dur="1" fill="hold">
+                                          <p:stCondLst>
+                                            <p:cond delay="499"/>
+                                          </p:stCondLst>
+                                        </p:cTn>
+                                        <p:tgtEl>
+                                          <p:spTgt spid="15"/>
+                                        </p:tgtEl>
+                                        <p:attrNameLst>
+                                          <p:attrName>style.visibility</p:attrName>
+                                        </p:attrNameLst>
+                                      </p:cBhvr>
+                                      <p:to>
+                                        <p:strVal val="hidden"/>
+                                      </p:to>
+                                    </p:set>
+                                  </p:childTnLst>
+                                </p:cTn>
+                              </p:par>
+                              <p:par>
+                                <p:cTn id="21" presetID="10" presetClass="entr" presetSubtype="0" fill="hold" nodeType="withEffect">
+                                  <p:stCondLst>
+                                    <p:cond delay="0"/>
+                                  </p:stCondLst>
+                                  <p:childTnLst>
+                                    <p:set>
+                                      <p:cBhvr>
+                                        <p:cTn id="22" dur="1" fill="hold">
+                                          <p:stCondLst>
+                                            <p:cond delay="0"/>
+                                          </p:stCondLst>
+                                        </p:cTn>
+                                        <p:tgtEl>
+                                          <p:spTgt spid="24"/>
+                                        </p:tgtEl>
+                                        <p:attrNameLst>
+                                          <p:attrName>style.visibility</p:attrName>
+                                        </p:attrNameLst>
+                                      </p:cBhvr>
+                                      <p:to>
+                                        <p:strVal val="visible"/>
+                                      </p:to>
+                                    </p:set>
+                                    <p:animEffect transition="in" filter="fade">
+                                      <p:cBhvr>
+                                        <p:cTn id="23" dur="500"/>
+                                        <p:tgtEl>
+                                          <p:spTgt spid="24"/>
+                                        </p:tgtEl>
+                                      </p:cBhvr>
+                                    </p:animEffect>
+                                  </p:childTnLst>
+                                </p:cTn>
+                              </p:par>
+                            </p:childTnLst>
+                          </p:cTn>
+                        </p:par>
+                      </p:childTnLst>
+                    </p:cTn>
+                  </p:par>
+                  <p:par>
+                    <p:cTn id="24" fill="hold">
+                      <p:stCondLst>
+                        <p:cond delay="indefinite"/>
+                      </p:stCondLst>
+                      <p:childTnLst>
+                        <p:par>
+                          <p:cTn id="25" fill="hold">
+                            <p:stCondLst>
+                              <p:cond delay="0"/>
+                            </p:stCondLst>
+                            <p:childTnLst>
+                              <p:par>
+                                <p:cTn id="26" presetID="10" presetClass="exit" presetSubtype="0" fill="hold" nodeType="clickEffect">
+                                  <p:stCondLst>
+                                    <p:cond delay="0"/>
+                                  </p:stCondLst>
+                                  <p:childTnLst>
+                                    <p:animEffect transition="out" filter="fade">
+                                      <p:cBhvr>
+                                        <p:cTn id="27" dur="500"/>
+                                        <p:tgtEl>
+                                          <p:spTgt spid="24"/>
+                                        </p:tgtEl>
+                                      </p:cBhvr>
+                                    </p:animEffect>
+                                    <p:set>
+                                      <p:cBhvr>
+                                        <p:cTn id="28" dur="1" fill="hold">
+                                          <p:stCondLst>
+                                            <p:cond delay="499"/>
+                                          </p:stCondLst>
+                                        </p:cTn>
+                                        <p:tgtEl>
+                                          <p:spTgt spid="24"/>
+                                        </p:tgtEl>
+                                        <p:attrNameLst>
+                                          <p:attrName>style.visibility</p:attrName>
+                                        </p:attrNameLst>
+                                      </p:cBhvr>
+                                      <p:to>
+                                        <p:strVal val="hidden"/>
+                                      </p:to>
+                                    </p:set>
+                                  </p:childTnLst>
+                                </p:cTn>
+                              </p:par>
+                              <p:par>
+                                <p:cTn id="29" presetID="10" presetClass="entr" presetSubtype="0" fill="hold" nodeType="withEffect">
+                                  <p:stCondLst>
+                                    <p:cond delay="0"/>
+                                  </p:stCondLst>
+                                  <p:childTnLst>
+                                    <p:set>
+                                      <p:cBhvr>
+                                        <p:cTn id="30" dur="1" fill="hold">
+                                          <p:stCondLst>
+                                            <p:cond delay="0"/>
+                                          </p:stCondLst>
+                                        </p:cTn>
+                                        <p:tgtEl>
+                                          <p:spTgt spid="29"/>
+                                        </p:tgtEl>
+                                        <p:attrNameLst>
+                                          <p:attrName>style.visibility</p:attrName>
+                                        </p:attrNameLst>
+                                      </p:cBhvr>
+                                      <p:to>
+                                        <p:strVal val="visible"/>
+                                      </p:to>
+                                    </p:set>
+                                    <p:animEffect transition="in" filter="fade">
+                                      <p:cBhvr>
+                                        <p:cTn id="31" dur="500"/>
+                                        <p:tgtEl>
+                                          <p:spTgt spid="29"/>
+                                        </p:tgtEl>
+                                      </p:cBhvr>
+                                    </p:animEffect>
+                                  </p:childTnLst>
+                                </p:cTn>
+                              </p:par>
+                            </p:childTnLst>
+                          </p:cTn>
+                        </p:par>
+                      </p:childTnLst>
+                    </p:cTn>
+                  </p:par>
+                  <p:par>
+                    <p:cTn id="32" fill="hold">
+                      <p:stCondLst>
+                        <p:cond delay="indefinite"/>
+                      </p:stCondLst>
+                      <p:childTnLst>
+                        <p:par>
+                          <p:cTn id="33" fill="hold">
+                            <p:stCondLst>
+                              <p:cond delay="0"/>
+                            </p:stCondLst>
+                            <p:childTnLst>
+                              <p:par>
+                                <p:cTn id="34" presetID="10" presetClass="entr" presetSubtype="0" fill="hold" nodeType="clickEffect">
+                                  <p:stCondLst>
+                                    <p:cond delay="0"/>
+                                  </p:stCondLst>
+                                  <p:childTnLst>
+                                    <p:set>
+                                      <p:cBhvr>
+                                        <p:cTn id="35" dur="1" fill="hold">
+                                          <p:stCondLst>
+                                            <p:cond delay="0"/>
+                                          </p:stCondLst>
+                                        </p:cTn>
+                                        <p:tgtEl>
+                                          <p:spTgt spid="34"/>
+                                        </p:tgtEl>
+                                        <p:attrNameLst>
+                                          <p:attrName>style.visibility</p:attrName>
+                                        </p:attrNameLst>
+                                      </p:cBhvr>
+                                      <p:to>
+                                        <p:strVal val="visible"/>
+                                      </p:to>
+                                    </p:set>
+                                    <p:animEffect transition="in" filter="fade">
+                                      <p:cBhvr>
+                                        <p:cTn id="36" dur="500"/>
+                                        <p:tgtEl>
+                                          <p:spTgt spid="34"/>
+                                        </p:tgtEl>
+                                      </p:cBhvr>
+                                    </p:animEffect>
+                                  </p:childTnLst>
+                                </p:cTn>
+                              </p:par>
+                            </p:childTnLst>
+                          </p:cTn>
+                        </p:par>
+                      </p:childTnLst>
+                    </p:cTn>
+                  </p:par>
+                  <p:par>
+                    <p:cTn id="37" fill="hold">
+                      <p:stCondLst>
+                        <p:cond delay="indefinite"/>
+                      </p:stCondLst>
+                      <p:childTnLst>
+                        <p:par>
+                          <p:cTn id="38" fill="hold">
+                            <p:stCondLst>
+                              <p:cond delay="0"/>
+                            </p:stCondLst>
+                            <p:childTnLst>
+                              <p:par>
+                                <p:cTn id="39" presetID="10" presetClass="entr" presetSubtype="0" fill="hold" nodeType="clickEffect">
+                                  <p:stCondLst>
+                                    <p:cond delay="0"/>
+                                  </p:stCondLst>
+                                  <p:childTnLst>
+                                    <p:set>
+                                      <p:cBhvr>
+                                        <p:cTn id="40" dur="1" fill="hold">
+                                          <p:stCondLst>
+                                            <p:cond delay="0"/>
+                                          </p:stCondLst>
+                                        </p:cTn>
+                                        <p:tgtEl>
+                                          <p:spTgt spid="39"/>
+                                        </p:tgtEl>
+                                        <p:attrNameLst>
+                                          <p:attrName>style.visibility</p:attrName>
+                                        </p:attrNameLst>
+                                      </p:cBhvr>
+                                      <p:to>
+                                        <p:strVal val="visible"/>
+                                      </p:to>
+                                    </p:set>
+                                    <p:animEffect transition="in" filter="fade">
+                                      <p:cBhvr>
+                                        <p:cTn id="41" dur="500"/>
+                                        <p:tgtEl>
+                                          <p:spTgt spid="39"/>
+                                        </p:tgtEl>
+                                      </p:cBhvr>
+                                    </p:animEffect>
+                                  </p:childTnLst>
+                                </p:cTn>
+                              </p:par>
+                            </p:childTnLst>
+                          </p:cTn>
+                        </p:par>
+                      </p:childTnLst>
+                    </p:cTn>
+                  </p:par>
+                </p:childTnLst>
+              </p:cTn>
+              <p:prevCondLst>
+                <p:cond evt="onPrev" delay="0">
+                  <p:tgtEl>
+                    <p:sldTgt/>
+                  </p:tgtEl>
+                </p:cond>
+              </p:prevCondLst>
+              <p:nextCondLst>
+                <p:cond evt="onNext" delay="0">
+                  <p:tgtEl>
+                    <p:sldTgt/>
+                  </p:tgtEl>
+                </p:cond>
+              </p:nextCondLst>
+            </p:seq>
+          </p:childTnLst>
+        </p:cTn>
+      </p:par>
+    </p:tnLst>
+  </p:timing>
+</p:sld>
+</file>
+
 <file path=ppt/theme/theme1.xml><?xml version="1.0" encoding="utf-8"?>
 <a:theme xmlns:a="http://schemas.openxmlformats.org/drawingml/2006/main" name="Office Theme">
   <a:themeElements>

--- a/figures/figures.pptx
+++ b/figures/figures.pptx
@@ -6,9 +6,10 @@
   </p:sldMasterIdLst>
   <p:sldIdLst>
     <p:sldId id="2126987317" r:id="rId2"/>
-    <p:sldId id="2126987318" r:id="rId3"/>
-    <p:sldId id="2126987320" r:id="rId4"/>
-    <p:sldId id="2126987321" r:id="rId5"/>
+    <p:sldId id="2126987322" r:id="rId3"/>
+    <p:sldId id="2126987318" r:id="rId4"/>
+    <p:sldId id="2126987320" r:id="rId5"/>
+    <p:sldId id="2126987321" r:id="rId6"/>
   </p:sldIdLst>
   <p:sldSz cx="12192000" cy="6858000"/>
   <p:notesSz cx="6858000" cy="9144000"/>
@@ -107,6 +108,11 @@
       </a:defRPr>
     </a:lvl9pPr>
   </p:defaultTextStyle>
+  <p:extLst>
+    <p:ext uri="{EFAFB233-063F-42B5-8137-9DF3F51BA10A}">
+      <p15:sldGuideLst xmlns:p15="http://schemas.microsoft.com/office/powerpoint/2012/main"/>
+    </p:ext>
+  </p:extLst>
 </p:presentation>
 </file>
 
@@ -257,7 +263,7 @@
           <a:p>
             <a:fld id="{105E4FE3-D30E-4191-8E04-3160D200CB1D}" type="datetimeFigureOut">
               <a:rPr lang="en-US" smtClean="0"/>
-              <a:t>4/18/2022</a:t>
+              <a:t>4/27/2022</a:t>
             </a:fld>
             <a:endParaRPr lang="en-US"/>
           </a:p>
@@ -455,7 +461,7 @@
           <a:p>
             <a:fld id="{105E4FE3-D30E-4191-8E04-3160D200CB1D}" type="datetimeFigureOut">
               <a:rPr lang="en-US" smtClean="0"/>
-              <a:t>4/18/2022</a:t>
+              <a:t>4/27/2022</a:t>
             </a:fld>
             <a:endParaRPr lang="en-US"/>
           </a:p>
@@ -663,7 +669,7 @@
           <a:p>
             <a:fld id="{105E4FE3-D30E-4191-8E04-3160D200CB1D}" type="datetimeFigureOut">
               <a:rPr lang="en-US" smtClean="0"/>
-              <a:t>4/18/2022</a:t>
+              <a:t>4/27/2022</a:t>
             </a:fld>
             <a:endParaRPr lang="en-US"/>
           </a:p>
@@ -1516,7 +1522,7 @@
           <a:p>
             <a:fld id="{105E4FE3-D30E-4191-8E04-3160D200CB1D}" type="datetimeFigureOut">
               <a:rPr lang="en-US" smtClean="0"/>
-              <a:t>4/18/2022</a:t>
+              <a:t>4/27/2022</a:t>
             </a:fld>
             <a:endParaRPr lang="en-US"/>
           </a:p>
@@ -1791,7 +1797,7 @@
           <a:p>
             <a:fld id="{105E4FE3-D30E-4191-8E04-3160D200CB1D}" type="datetimeFigureOut">
               <a:rPr lang="en-US" smtClean="0"/>
-              <a:t>4/18/2022</a:t>
+              <a:t>4/27/2022</a:t>
             </a:fld>
             <a:endParaRPr lang="en-US"/>
           </a:p>
@@ -2056,7 +2062,7 @@
           <a:p>
             <a:fld id="{105E4FE3-D30E-4191-8E04-3160D200CB1D}" type="datetimeFigureOut">
               <a:rPr lang="en-US" smtClean="0"/>
-              <a:t>4/18/2022</a:t>
+              <a:t>4/27/2022</a:t>
             </a:fld>
             <a:endParaRPr lang="en-US"/>
           </a:p>
@@ -2468,7 +2474,7 @@
           <a:p>
             <a:fld id="{105E4FE3-D30E-4191-8E04-3160D200CB1D}" type="datetimeFigureOut">
               <a:rPr lang="en-US" smtClean="0"/>
-              <a:t>4/18/2022</a:t>
+              <a:t>4/27/2022</a:t>
             </a:fld>
             <a:endParaRPr lang="en-US"/>
           </a:p>
@@ -2609,7 +2615,7 @@
           <a:p>
             <a:fld id="{105E4FE3-D30E-4191-8E04-3160D200CB1D}" type="datetimeFigureOut">
               <a:rPr lang="en-US" smtClean="0"/>
-              <a:t>4/18/2022</a:t>
+              <a:t>4/27/2022</a:t>
             </a:fld>
             <a:endParaRPr lang="en-US"/>
           </a:p>
@@ -2722,7 +2728,7 @@
           <a:p>
             <a:fld id="{105E4FE3-D30E-4191-8E04-3160D200CB1D}" type="datetimeFigureOut">
               <a:rPr lang="en-US" smtClean="0"/>
-              <a:t>4/18/2022</a:t>
+              <a:t>4/27/2022</a:t>
             </a:fld>
             <a:endParaRPr lang="en-US"/>
           </a:p>
@@ -3033,7 +3039,7 @@
           <a:p>
             <a:fld id="{105E4FE3-D30E-4191-8E04-3160D200CB1D}" type="datetimeFigureOut">
               <a:rPr lang="en-US" smtClean="0"/>
-              <a:t>4/18/2022</a:t>
+              <a:t>4/27/2022</a:t>
             </a:fld>
             <a:endParaRPr lang="en-US"/>
           </a:p>
@@ -3321,7 +3327,7 @@
           <a:p>
             <a:fld id="{105E4FE3-D30E-4191-8E04-3160D200CB1D}" type="datetimeFigureOut">
               <a:rPr lang="en-US" smtClean="0"/>
-              <a:t>4/18/2022</a:t>
+              <a:t>4/27/2022</a:t>
             </a:fld>
             <a:endParaRPr lang="en-US"/>
           </a:p>
@@ -3562,7 +3568,7 @@
           <a:p>
             <a:fld id="{105E4FE3-D30E-4191-8E04-3160D200CB1D}" type="datetimeFigureOut">
               <a:rPr lang="en-US" smtClean="0"/>
-              <a:t>4/18/2022</a:t>
+              <a:t>4/27/2022</a:t>
             </a:fld>
             <a:endParaRPr lang="en-US"/>
           </a:p>
@@ -6583,6 +6589,2287 @@
           <a:chExt cx="0" cy="0"/>
         </a:xfrm>
       </p:grpSpPr>
+      <p:sp>
+        <p:nvSpPr>
+          <p:cNvPr id="24" name="Rectangle 23">
+            <a:extLst>
+              <a:ext uri="{FF2B5EF4-FFF2-40B4-BE49-F238E27FC236}">
+                <a16:creationId xmlns:a16="http://schemas.microsoft.com/office/drawing/2014/main" id="{D32B402B-FDFB-47D7-9DB4-94B5C3024A46}"/>
+              </a:ext>
+            </a:extLst>
+          </p:cNvPr>
+          <p:cNvSpPr/>
+          <p:nvPr/>
+        </p:nvSpPr>
+        <p:spPr>
+          <a:xfrm>
+            <a:off x="3855026" y="1959358"/>
+            <a:ext cx="4125495" cy="3614795"/>
+          </a:xfrm>
+          <a:prstGeom prst="rect">
+            <a:avLst/>
+          </a:prstGeom>
+          <a:solidFill>
+            <a:srgbClr val="CCFFCC"/>
+          </a:solidFill>
+          <a:ln w="19050">
+            <a:solidFill>
+              <a:schemeClr val="tx1"/>
+            </a:solidFill>
+            <a:prstDash val="dash"/>
+          </a:ln>
+          <a:effectLst/>
+        </p:spPr>
+        <p:style>
+          <a:lnRef idx="1">
+            <a:schemeClr val="accent1"/>
+          </a:lnRef>
+          <a:fillRef idx="3">
+            <a:schemeClr val="accent1"/>
+          </a:fillRef>
+          <a:effectRef idx="2">
+            <a:schemeClr val="accent1"/>
+          </a:effectRef>
+          <a:fontRef idx="minor">
+            <a:schemeClr val="lt1"/>
+          </a:fontRef>
+        </p:style>
+        <p:txBody>
+          <a:bodyPr rtlCol="0" anchor="t"/>
+          <a:lstStyle/>
+          <a:p>
+            <a:pPr algn="r"/>
+            <a:r>
+              <a:rPr lang="en-US" sz="1100" dirty="0">
+                <a:solidFill>
+                  <a:schemeClr val="tx1"/>
+                </a:solidFill>
+                <a:cs typeface="Arial" panose="020B0604020202020204" pitchFamily="34" charset="0"/>
+              </a:rPr>
+              <a:t>Run-Time Assurance</a:t>
+            </a:r>
+          </a:p>
+        </p:txBody>
+      </p:sp>
+      <p:sp>
+        <p:nvSpPr>
+          <p:cNvPr id="9" name="Rectangle 8">
+            <a:extLst>
+              <a:ext uri="{FF2B5EF4-FFF2-40B4-BE49-F238E27FC236}">
+                <a16:creationId xmlns:a16="http://schemas.microsoft.com/office/drawing/2014/main" id="{3D6D7FBC-612C-4178-8A11-8E16AC29B898}"/>
+              </a:ext>
+            </a:extLst>
+          </p:cNvPr>
+          <p:cNvSpPr/>
+          <p:nvPr/>
+        </p:nvSpPr>
+        <p:spPr>
+          <a:xfrm>
+            <a:off x="636989" y="1430521"/>
+            <a:ext cx="989137" cy="626780"/>
+          </a:xfrm>
+          <a:prstGeom prst="rect">
+            <a:avLst/>
+          </a:prstGeom>
+          <a:noFill/>
+          <a:ln w="19050">
+            <a:solidFill>
+              <a:schemeClr val="tx1"/>
+            </a:solidFill>
+          </a:ln>
+          <a:effectLst/>
+        </p:spPr>
+        <p:style>
+          <a:lnRef idx="1">
+            <a:schemeClr val="accent1"/>
+          </a:lnRef>
+          <a:fillRef idx="3">
+            <a:schemeClr val="accent1"/>
+          </a:fillRef>
+          <a:effectRef idx="2">
+            <a:schemeClr val="accent1"/>
+          </a:effectRef>
+          <a:fontRef idx="minor">
+            <a:schemeClr val="lt1"/>
+          </a:fontRef>
+        </p:style>
+        <p:txBody>
+          <a:bodyPr rtlCol="0" anchor="ctr"/>
+          <a:lstStyle/>
+          <a:p>
+            <a:pPr algn="ctr"/>
+            <a:r>
+              <a:rPr lang="en-US" sz="1100" dirty="0">
+                <a:solidFill>
+                  <a:schemeClr val="tx1"/>
+                </a:solidFill>
+              </a:rPr>
+              <a:t>ADS-B</a:t>
+            </a:r>
+          </a:p>
+        </p:txBody>
+      </p:sp>
+      <p:sp>
+        <p:nvSpPr>
+          <p:cNvPr id="14" name="Rectangle 13">
+            <a:extLst>
+              <a:ext uri="{FF2B5EF4-FFF2-40B4-BE49-F238E27FC236}">
+                <a16:creationId xmlns:a16="http://schemas.microsoft.com/office/drawing/2014/main" id="{3274BD7D-74D3-4A1C-A239-8F40AD294416}"/>
+              </a:ext>
+            </a:extLst>
+          </p:cNvPr>
+          <p:cNvSpPr/>
+          <p:nvPr/>
+        </p:nvSpPr>
+        <p:spPr>
+          <a:xfrm>
+            <a:off x="636989" y="4819915"/>
+            <a:ext cx="989137" cy="626780"/>
+          </a:xfrm>
+          <a:prstGeom prst="rect">
+            <a:avLst/>
+          </a:prstGeom>
+          <a:noFill/>
+          <a:ln w="19050">
+            <a:solidFill>
+              <a:schemeClr val="tx1"/>
+            </a:solidFill>
+          </a:ln>
+          <a:effectLst/>
+        </p:spPr>
+        <p:style>
+          <a:lnRef idx="1">
+            <a:schemeClr val="accent1"/>
+          </a:lnRef>
+          <a:fillRef idx="3">
+            <a:schemeClr val="accent1"/>
+          </a:fillRef>
+          <a:effectRef idx="2">
+            <a:schemeClr val="accent1"/>
+          </a:effectRef>
+          <a:fontRef idx="minor">
+            <a:schemeClr val="lt1"/>
+          </a:fontRef>
+        </p:style>
+        <p:txBody>
+          <a:bodyPr rtlCol="0" anchor="ctr"/>
+          <a:lstStyle/>
+          <a:p>
+            <a:pPr algn="ctr"/>
+            <a:r>
+              <a:rPr lang="en-US" sz="1100" dirty="0">
+                <a:solidFill>
+                  <a:schemeClr val="tx1"/>
+                </a:solidFill>
+              </a:rPr>
+              <a:t>Avoidance Alert</a:t>
+            </a:r>
+          </a:p>
+        </p:txBody>
+      </p:sp>
+      <p:sp>
+        <p:nvSpPr>
+          <p:cNvPr id="15" name="Rectangle 14">
+            <a:extLst>
+              <a:ext uri="{FF2B5EF4-FFF2-40B4-BE49-F238E27FC236}">
+                <a16:creationId xmlns:a16="http://schemas.microsoft.com/office/drawing/2014/main" id="{D7289FB9-1E7D-4AE2-A46C-62F5B2846AC4}"/>
+              </a:ext>
+            </a:extLst>
+          </p:cNvPr>
+          <p:cNvSpPr/>
+          <p:nvPr/>
+        </p:nvSpPr>
+        <p:spPr>
+          <a:xfrm>
+            <a:off x="2629300" y="3969465"/>
+            <a:ext cx="989137" cy="626780"/>
+          </a:xfrm>
+          <a:prstGeom prst="rect">
+            <a:avLst/>
+          </a:prstGeom>
+          <a:solidFill>
+            <a:srgbClr val="FFC000"/>
+          </a:solidFill>
+          <a:ln w="19050">
+            <a:solidFill>
+              <a:schemeClr val="tx1"/>
+            </a:solidFill>
+          </a:ln>
+          <a:effectLst/>
+        </p:spPr>
+        <p:style>
+          <a:lnRef idx="1">
+            <a:schemeClr val="accent1"/>
+          </a:lnRef>
+          <a:fillRef idx="3">
+            <a:schemeClr val="accent1"/>
+          </a:fillRef>
+          <a:effectRef idx="2">
+            <a:schemeClr val="accent1"/>
+          </a:effectRef>
+          <a:fontRef idx="minor">
+            <a:schemeClr val="lt1"/>
+          </a:fontRef>
+        </p:style>
+        <p:txBody>
+          <a:bodyPr rtlCol="0" anchor="ctr"/>
+          <a:lstStyle/>
+          <a:p>
+            <a:pPr algn="ctr"/>
+            <a:r>
+              <a:rPr lang="en-US" sz="1050" dirty="0">
+                <a:solidFill>
+                  <a:schemeClr val="tx1"/>
+                </a:solidFill>
+              </a:rPr>
+              <a:t>LEC</a:t>
+            </a:r>
+          </a:p>
+          <a:p>
+            <a:pPr algn="ctr"/>
+            <a:r>
+              <a:rPr lang="en-US" sz="1050" dirty="0">
+                <a:solidFill>
+                  <a:schemeClr val="tx1"/>
+                </a:solidFill>
+              </a:rPr>
+              <a:t>Planner</a:t>
+            </a:r>
+          </a:p>
+        </p:txBody>
+      </p:sp>
+      <p:sp>
+        <p:nvSpPr>
+          <p:cNvPr id="16" name="Rectangle 15">
+            <a:extLst>
+              <a:ext uri="{FF2B5EF4-FFF2-40B4-BE49-F238E27FC236}">
+                <a16:creationId xmlns:a16="http://schemas.microsoft.com/office/drawing/2014/main" id="{BA7A7FAD-D689-4249-BE57-795A4D4D4674}"/>
+              </a:ext>
+            </a:extLst>
+          </p:cNvPr>
+          <p:cNvSpPr/>
+          <p:nvPr/>
+        </p:nvSpPr>
+        <p:spPr>
+          <a:xfrm>
+            <a:off x="2629300" y="4820067"/>
+            <a:ext cx="989137" cy="626780"/>
+          </a:xfrm>
+          <a:prstGeom prst="rect">
+            <a:avLst/>
+          </a:prstGeom>
+          <a:noFill/>
+          <a:ln w="19050">
+            <a:solidFill>
+              <a:schemeClr val="tx1"/>
+            </a:solidFill>
+          </a:ln>
+          <a:effectLst/>
+        </p:spPr>
+        <p:style>
+          <a:lnRef idx="1">
+            <a:schemeClr val="accent1"/>
+          </a:lnRef>
+          <a:fillRef idx="3">
+            <a:schemeClr val="accent1"/>
+          </a:fillRef>
+          <a:effectRef idx="2">
+            <a:schemeClr val="accent1"/>
+          </a:effectRef>
+          <a:fontRef idx="minor">
+            <a:schemeClr val="lt1"/>
+          </a:fontRef>
+        </p:style>
+        <p:txBody>
+          <a:bodyPr rtlCol="0" anchor="ctr"/>
+          <a:lstStyle/>
+          <a:p>
+            <a:pPr algn="ctr"/>
+            <a:r>
+              <a:rPr lang="en-US" sz="1100" dirty="0">
+                <a:solidFill>
+                  <a:schemeClr val="tx1"/>
+                </a:solidFill>
+              </a:rPr>
+              <a:t>Backup Avoidance Planner</a:t>
+            </a:r>
+          </a:p>
+        </p:txBody>
+      </p:sp>
+      <p:sp>
+        <p:nvSpPr>
+          <p:cNvPr id="17" name="Rectangle 16">
+            <a:extLst>
+              <a:ext uri="{FF2B5EF4-FFF2-40B4-BE49-F238E27FC236}">
+                <a16:creationId xmlns:a16="http://schemas.microsoft.com/office/drawing/2014/main" id="{34530156-2E19-4864-A7FA-36BA7D9E05A8}"/>
+              </a:ext>
+            </a:extLst>
+          </p:cNvPr>
+          <p:cNvSpPr/>
+          <p:nvPr/>
+        </p:nvSpPr>
+        <p:spPr>
+          <a:xfrm>
+            <a:off x="10510213" y="4061538"/>
+            <a:ext cx="1199700" cy="1361287"/>
+          </a:xfrm>
+          <a:prstGeom prst="rect">
+            <a:avLst/>
+          </a:prstGeom>
+          <a:solidFill>
+            <a:schemeClr val="bg1">
+              <a:lumMod val="85000"/>
+            </a:schemeClr>
+          </a:solidFill>
+          <a:ln w="19050">
+            <a:solidFill>
+              <a:schemeClr val="tx1"/>
+            </a:solidFill>
+          </a:ln>
+          <a:effectLst/>
+        </p:spPr>
+        <p:style>
+          <a:lnRef idx="1">
+            <a:schemeClr val="accent1"/>
+          </a:lnRef>
+          <a:fillRef idx="3">
+            <a:schemeClr val="accent1"/>
+          </a:fillRef>
+          <a:effectRef idx="2">
+            <a:schemeClr val="accent1"/>
+          </a:effectRef>
+          <a:fontRef idx="minor">
+            <a:schemeClr val="lt1"/>
+          </a:fontRef>
+        </p:style>
+        <p:txBody>
+          <a:bodyPr rtlCol="0" anchor="ctr"/>
+          <a:lstStyle/>
+          <a:p>
+            <a:pPr algn="ctr"/>
+            <a:r>
+              <a:rPr lang="en-US" sz="1100" dirty="0">
+                <a:solidFill>
+                  <a:schemeClr val="tx1"/>
+                </a:solidFill>
+              </a:rPr>
+              <a:t>Test Aircraft</a:t>
+            </a:r>
+          </a:p>
+          <a:p>
+            <a:pPr algn="ctr"/>
+            <a:r>
+              <a:rPr lang="en-US" sz="1100" dirty="0">
+                <a:solidFill>
+                  <a:schemeClr val="tx1"/>
+                </a:solidFill>
+              </a:rPr>
+              <a:t>(Own ship) </a:t>
+            </a:r>
+          </a:p>
+          <a:p>
+            <a:pPr algn="ctr"/>
+            <a:endParaRPr lang="en-US" sz="1100" dirty="0">
+              <a:solidFill>
+                <a:schemeClr val="tx1"/>
+              </a:solidFill>
+            </a:endParaRPr>
+          </a:p>
+        </p:txBody>
+      </p:sp>
+      <p:cxnSp>
+        <p:nvCxnSpPr>
+          <p:cNvPr id="22" name="Straight Arrow Connector 21">
+            <a:extLst>
+              <a:ext uri="{FF2B5EF4-FFF2-40B4-BE49-F238E27FC236}">
+                <a16:creationId xmlns:a16="http://schemas.microsoft.com/office/drawing/2014/main" id="{EAB2A6FC-3843-49CE-88C5-DEBAB5FD9BDB}"/>
+              </a:ext>
+            </a:extLst>
+          </p:cNvPr>
+          <p:cNvCxnSpPr>
+            <a:cxnSpLocks/>
+            <a:stCxn id="15" idx="3"/>
+          </p:cNvCxnSpPr>
+          <p:nvPr/>
+        </p:nvCxnSpPr>
+        <p:spPr>
+          <a:xfrm>
+            <a:off x="3618437" y="4282855"/>
+            <a:ext cx="3219522" cy="0"/>
+          </a:xfrm>
+          <a:prstGeom prst="straightConnector1">
+            <a:avLst/>
+          </a:prstGeom>
+          <a:ln w="19050">
+            <a:solidFill>
+              <a:schemeClr val="tx1"/>
+            </a:solidFill>
+            <a:headEnd type="none" w="med" len="med"/>
+            <a:tailEnd type="arrow" w="med" len="med"/>
+          </a:ln>
+          <a:effectLst/>
+        </p:spPr>
+        <p:style>
+          <a:lnRef idx="2">
+            <a:schemeClr val="accent1"/>
+          </a:lnRef>
+          <a:fillRef idx="0">
+            <a:schemeClr val="accent1"/>
+          </a:fillRef>
+          <a:effectRef idx="1">
+            <a:schemeClr val="accent1"/>
+          </a:effectRef>
+          <a:fontRef idx="minor">
+            <a:schemeClr val="tx1"/>
+          </a:fontRef>
+        </p:style>
+      </p:cxnSp>
+      <p:cxnSp>
+        <p:nvCxnSpPr>
+          <p:cNvPr id="23" name="Straight Arrow Connector 22">
+            <a:extLst>
+              <a:ext uri="{FF2B5EF4-FFF2-40B4-BE49-F238E27FC236}">
+                <a16:creationId xmlns:a16="http://schemas.microsoft.com/office/drawing/2014/main" id="{A4039090-8BA6-4D60-8B72-2DA632F11105}"/>
+              </a:ext>
+            </a:extLst>
+          </p:cNvPr>
+          <p:cNvCxnSpPr>
+            <a:cxnSpLocks/>
+            <a:stCxn id="16" idx="3"/>
+          </p:cNvCxnSpPr>
+          <p:nvPr/>
+        </p:nvCxnSpPr>
+        <p:spPr>
+          <a:xfrm>
+            <a:off x="3618437" y="5133457"/>
+            <a:ext cx="3219522" cy="0"/>
+          </a:xfrm>
+          <a:prstGeom prst="straightConnector1">
+            <a:avLst/>
+          </a:prstGeom>
+          <a:ln w="19050">
+            <a:solidFill>
+              <a:schemeClr val="tx1"/>
+            </a:solidFill>
+            <a:headEnd type="none" w="med" len="med"/>
+            <a:tailEnd type="arrow" w="med" len="med"/>
+          </a:ln>
+          <a:effectLst/>
+        </p:spPr>
+        <p:style>
+          <a:lnRef idx="2">
+            <a:schemeClr val="accent1"/>
+          </a:lnRef>
+          <a:fillRef idx="0">
+            <a:schemeClr val="accent1"/>
+          </a:fillRef>
+          <a:effectRef idx="1">
+            <a:schemeClr val="accent1"/>
+          </a:effectRef>
+          <a:fontRef idx="minor">
+            <a:schemeClr val="tx1"/>
+          </a:fontRef>
+        </p:style>
+      </p:cxnSp>
+      <p:cxnSp>
+        <p:nvCxnSpPr>
+          <p:cNvPr id="25" name="Straight Arrow Connector 24">
+            <a:extLst>
+              <a:ext uri="{FF2B5EF4-FFF2-40B4-BE49-F238E27FC236}">
+                <a16:creationId xmlns:a16="http://schemas.microsoft.com/office/drawing/2014/main" id="{69F0E020-B9F4-48DA-89DD-708C2A3D780F}"/>
+              </a:ext>
+            </a:extLst>
+          </p:cNvPr>
+          <p:cNvCxnSpPr>
+            <a:stCxn id="9" idx="2"/>
+            <a:endCxn id="14" idx="0"/>
+          </p:cNvCxnSpPr>
+          <p:nvPr/>
+        </p:nvCxnSpPr>
+        <p:spPr>
+          <a:xfrm>
+            <a:off x="1131558" y="2057301"/>
+            <a:ext cx="0" cy="2762614"/>
+          </a:xfrm>
+          <a:prstGeom prst="straightConnector1">
+            <a:avLst/>
+          </a:prstGeom>
+          <a:ln w="19050">
+            <a:solidFill>
+              <a:schemeClr val="tx1"/>
+            </a:solidFill>
+            <a:headEnd type="none" w="med" len="med"/>
+            <a:tailEnd type="arrow" w="med" len="med"/>
+          </a:ln>
+          <a:effectLst/>
+        </p:spPr>
+        <p:style>
+          <a:lnRef idx="2">
+            <a:schemeClr val="accent1"/>
+          </a:lnRef>
+          <a:fillRef idx="0">
+            <a:schemeClr val="accent1"/>
+          </a:fillRef>
+          <a:effectRef idx="1">
+            <a:schemeClr val="accent1"/>
+          </a:effectRef>
+          <a:fontRef idx="minor">
+            <a:schemeClr val="tx1"/>
+          </a:fontRef>
+        </p:style>
+      </p:cxnSp>
+      <p:sp>
+        <p:nvSpPr>
+          <p:cNvPr id="27" name="TextBox 26">
+            <a:extLst>
+              <a:ext uri="{FF2B5EF4-FFF2-40B4-BE49-F238E27FC236}">
+                <a16:creationId xmlns:a16="http://schemas.microsoft.com/office/drawing/2014/main" id="{681229F7-1595-4DFF-8471-33153850EA34}"/>
+              </a:ext>
+            </a:extLst>
+          </p:cNvPr>
+          <p:cNvSpPr txBox="1"/>
+          <p:nvPr/>
+        </p:nvSpPr>
+        <p:spPr>
+          <a:xfrm>
+            <a:off x="1637329" y="4893604"/>
+            <a:ext cx="447558" cy="246221"/>
+          </a:xfrm>
+          <a:prstGeom prst="rect">
+            <a:avLst/>
+          </a:prstGeom>
+          <a:noFill/>
+        </p:spPr>
+        <p:txBody>
+          <a:bodyPr wrap="none" rtlCol="0">
+            <a:spAutoFit/>
+          </a:bodyPr>
+          <a:lstStyle/>
+          <a:p>
+            <a:pPr algn="l"/>
+            <a:r>
+              <a:rPr lang="en-US" sz="1000" dirty="0">
+                <a:cs typeface="Arial" panose="020B0604020202020204" pitchFamily="34" charset="0"/>
+              </a:rPr>
+              <a:t>Alert</a:t>
+            </a:r>
+            <a:endParaRPr lang="en-US" sz="900" dirty="0">
+              <a:cs typeface="Arial" panose="020B0604020202020204" pitchFamily="34" charset="0"/>
+            </a:endParaRPr>
+          </a:p>
+        </p:txBody>
+      </p:sp>
+      <p:sp>
+        <p:nvSpPr>
+          <p:cNvPr id="33" name="TextBox 32">
+            <a:extLst>
+              <a:ext uri="{FF2B5EF4-FFF2-40B4-BE49-F238E27FC236}">
+                <a16:creationId xmlns:a16="http://schemas.microsoft.com/office/drawing/2014/main" id="{AA830B82-3A2A-41DA-9DAA-9F681640DFB4}"/>
+              </a:ext>
+            </a:extLst>
+          </p:cNvPr>
+          <p:cNvSpPr txBox="1"/>
+          <p:nvPr/>
+        </p:nvSpPr>
+        <p:spPr>
+          <a:xfrm>
+            <a:off x="5418448" y="4057296"/>
+            <a:ext cx="1192955" cy="246221"/>
+          </a:xfrm>
+          <a:prstGeom prst="rect">
+            <a:avLst/>
+          </a:prstGeom>
+          <a:noFill/>
+        </p:spPr>
+        <p:txBody>
+          <a:bodyPr wrap="none" rtlCol="0">
+            <a:spAutoFit/>
+          </a:bodyPr>
+          <a:lstStyle/>
+          <a:p>
+            <a:pPr algn="l"/>
+            <a:r>
+              <a:rPr lang="en-US" sz="1000" dirty="0">
+                <a:cs typeface="Arial" panose="020B0604020202020204" pitchFamily="34" charset="0"/>
+              </a:rPr>
+              <a:t>LEC Avoidance </a:t>
+            </a:r>
+            <a:r>
+              <a:rPr lang="en-US" sz="1000" dirty="0"/>
+              <a:t>Plan</a:t>
+            </a:r>
+            <a:endParaRPr lang="en-US" sz="1000" dirty="0">
+              <a:cs typeface="Arial" panose="020B0604020202020204" pitchFamily="34" charset="0"/>
+            </a:endParaRPr>
+          </a:p>
+        </p:txBody>
+      </p:sp>
+      <p:sp>
+        <p:nvSpPr>
+          <p:cNvPr id="34" name="TextBox 33">
+            <a:extLst>
+              <a:ext uri="{FF2B5EF4-FFF2-40B4-BE49-F238E27FC236}">
+                <a16:creationId xmlns:a16="http://schemas.microsoft.com/office/drawing/2014/main" id="{845C4E6A-ABAC-405C-A17E-627D2C33F3BA}"/>
+              </a:ext>
+            </a:extLst>
+          </p:cNvPr>
+          <p:cNvSpPr txBox="1"/>
+          <p:nvPr/>
+        </p:nvSpPr>
+        <p:spPr>
+          <a:xfrm>
+            <a:off x="5418448" y="4889956"/>
+            <a:ext cx="1217000" cy="246221"/>
+          </a:xfrm>
+          <a:prstGeom prst="rect">
+            <a:avLst/>
+          </a:prstGeom>
+          <a:noFill/>
+        </p:spPr>
+        <p:txBody>
+          <a:bodyPr wrap="none" rtlCol="0">
+            <a:spAutoFit/>
+          </a:bodyPr>
+          <a:lstStyle/>
+          <a:p>
+            <a:pPr algn="l"/>
+            <a:r>
+              <a:rPr lang="en-US" sz="1000" dirty="0">
+                <a:cs typeface="Arial" panose="020B0604020202020204" pitchFamily="34" charset="0"/>
+              </a:rPr>
+              <a:t>BAP Avoidance Plan</a:t>
+            </a:r>
+          </a:p>
+        </p:txBody>
+      </p:sp>
+      <p:sp>
+        <p:nvSpPr>
+          <p:cNvPr id="35" name="TextBox 34">
+            <a:extLst>
+              <a:ext uri="{FF2B5EF4-FFF2-40B4-BE49-F238E27FC236}">
+                <a16:creationId xmlns:a16="http://schemas.microsoft.com/office/drawing/2014/main" id="{5D20F7BB-2724-49FA-BC7C-8FF5A6030942}"/>
+              </a:ext>
+            </a:extLst>
+          </p:cNvPr>
+          <p:cNvSpPr txBox="1"/>
+          <p:nvPr/>
+        </p:nvSpPr>
+        <p:spPr>
+          <a:xfrm>
+            <a:off x="8580373" y="3361242"/>
+            <a:ext cx="1098378" cy="400110"/>
+          </a:xfrm>
+          <a:prstGeom prst="rect">
+            <a:avLst/>
+          </a:prstGeom>
+          <a:noFill/>
+        </p:spPr>
+        <p:txBody>
+          <a:bodyPr wrap="none" rtlCol="0">
+            <a:spAutoFit/>
+          </a:bodyPr>
+          <a:lstStyle/>
+          <a:p>
+            <a:pPr algn="l"/>
+            <a:r>
+              <a:rPr lang="en-US" sz="1000" dirty="0">
+                <a:cs typeface="Arial" panose="020B0604020202020204" pitchFamily="34" charset="0"/>
+              </a:rPr>
+              <a:t>Aircraft State and</a:t>
+            </a:r>
+          </a:p>
+          <a:p>
+            <a:pPr algn="l"/>
+            <a:r>
+              <a:rPr lang="en-US" sz="1000" dirty="0">
+                <a:cs typeface="Arial" panose="020B0604020202020204" pitchFamily="34" charset="0"/>
+              </a:rPr>
+              <a:t>Initial Flight Plan</a:t>
+            </a:r>
+          </a:p>
+        </p:txBody>
+      </p:sp>
+      <p:sp>
+        <p:nvSpPr>
+          <p:cNvPr id="39" name="TextBox 38">
+            <a:extLst>
+              <a:ext uri="{FF2B5EF4-FFF2-40B4-BE49-F238E27FC236}">
+                <a16:creationId xmlns:a16="http://schemas.microsoft.com/office/drawing/2014/main" id="{36E46D6F-0C3E-42A6-80A7-BB92466B90D7}"/>
+              </a:ext>
+            </a:extLst>
+          </p:cNvPr>
+          <p:cNvSpPr txBox="1"/>
+          <p:nvPr/>
+        </p:nvSpPr>
+        <p:spPr>
+          <a:xfrm>
+            <a:off x="9530644" y="1537156"/>
+            <a:ext cx="1063112" cy="246221"/>
+          </a:xfrm>
+          <a:prstGeom prst="rect">
+            <a:avLst/>
+          </a:prstGeom>
+          <a:noFill/>
+        </p:spPr>
+        <p:txBody>
+          <a:bodyPr wrap="none" rtlCol="0">
+            <a:spAutoFit/>
+          </a:bodyPr>
+          <a:lstStyle/>
+          <a:p>
+            <a:pPr algn="l"/>
+            <a:r>
+              <a:rPr lang="en-US" sz="1000" dirty="0">
+                <a:cs typeface="Arial" panose="020B0604020202020204" pitchFamily="34" charset="0"/>
+              </a:rPr>
+              <a:t>Intruder Position</a:t>
+            </a:r>
+          </a:p>
+        </p:txBody>
+      </p:sp>
+      <p:cxnSp>
+        <p:nvCxnSpPr>
+          <p:cNvPr id="41" name="Straight Arrow Connector 40">
+            <a:extLst>
+              <a:ext uri="{FF2B5EF4-FFF2-40B4-BE49-F238E27FC236}">
+                <a16:creationId xmlns:a16="http://schemas.microsoft.com/office/drawing/2014/main" id="{A4C12FE7-3100-4B49-8EBA-69D9AE6FD3FD}"/>
+              </a:ext>
+            </a:extLst>
+          </p:cNvPr>
+          <p:cNvCxnSpPr>
+            <a:stCxn id="14" idx="3"/>
+            <a:endCxn id="16" idx="1"/>
+          </p:cNvCxnSpPr>
+          <p:nvPr/>
+        </p:nvCxnSpPr>
+        <p:spPr>
+          <a:xfrm>
+            <a:off x="1626126" y="5133305"/>
+            <a:ext cx="1003174" cy="152"/>
+          </a:xfrm>
+          <a:prstGeom prst="straightConnector1">
+            <a:avLst/>
+          </a:prstGeom>
+          <a:ln w="19050">
+            <a:solidFill>
+              <a:schemeClr val="tx1"/>
+            </a:solidFill>
+            <a:headEnd type="none" w="med" len="med"/>
+            <a:tailEnd type="arrow" w="med" len="med"/>
+          </a:ln>
+          <a:effectLst/>
+        </p:spPr>
+        <p:style>
+          <a:lnRef idx="2">
+            <a:schemeClr val="accent1"/>
+          </a:lnRef>
+          <a:fillRef idx="0">
+            <a:schemeClr val="accent1"/>
+          </a:fillRef>
+          <a:effectRef idx="1">
+            <a:schemeClr val="accent1"/>
+          </a:effectRef>
+          <a:fontRef idx="minor">
+            <a:schemeClr val="tx1"/>
+          </a:fontRef>
+        </p:style>
+      </p:cxnSp>
+      <p:sp>
+        <p:nvSpPr>
+          <p:cNvPr id="42" name="Rectangle 41">
+            <a:extLst>
+              <a:ext uri="{FF2B5EF4-FFF2-40B4-BE49-F238E27FC236}">
+                <a16:creationId xmlns:a16="http://schemas.microsoft.com/office/drawing/2014/main" id="{B1358106-3365-47DD-9865-D35BC054E462}"/>
+              </a:ext>
+            </a:extLst>
+          </p:cNvPr>
+          <p:cNvSpPr/>
+          <p:nvPr/>
+        </p:nvSpPr>
+        <p:spPr>
+          <a:xfrm>
+            <a:off x="528360" y="4735283"/>
+            <a:ext cx="3219522" cy="838878"/>
+          </a:xfrm>
+          <a:prstGeom prst="rect">
+            <a:avLst/>
+          </a:prstGeom>
+          <a:noFill/>
+          <a:ln w="19050">
+            <a:solidFill>
+              <a:schemeClr val="tx1"/>
+            </a:solidFill>
+            <a:prstDash val="dash"/>
+          </a:ln>
+          <a:effectLst/>
+        </p:spPr>
+        <p:style>
+          <a:lnRef idx="1">
+            <a:schemeClr val="accent1"/>
+          </a:lnRef>
+          <a:fillRef idx="3">
+            <a:schemeClr val="accent1"/>
+          </a:fillRef>
+          <a:effectRef idx="2">
+            <a:schemeClr val="accent1"/>
+          </a:effectRef>
+          <a:fontRef idx="minor">
+            <a:schemeClr val="lt1"/>
+          </a:fontRef>
+        </p:style>
+        <p:txBody>
+          <a:bodyPr rtlCol="0" anchor="b"/>
+          <a:lstStyle/>
+          <a:p>
+            <a:pPr algn="ctr"/>
+            <a:r>
+              <a:rPr lang="en-US" sz="1100" dirty="0">
+                <a:solidFill>
+                  <a:schemeClr val="tx1"/>
+                </a:solidFill>
+                <a:cs typeface="Arial" panose="020B0604020202020204" pitchFamily="34" charset="0"/>
+              </a:rPr>
+              <a:t>DAA</a:t>
+            </a:r>
+            <a:endParaRPr lang="en-US" sz="1050" dirty="0">
+              <a:solidFill>
+                <a:schemeClr val="tx1"/>
+              </a:solidFill>
+              <a:cs typeface="Arial" panose="020B0604020202020204" pitchFamily="34" charset="0"/>
+            </a:endParaRPr>
+          </a:p>
+        </p:txBody>
+      </p:sp>
+      <p:sp>
+        <p:nvSpPr>
+          <p:cNvPr id="43" name="Rectangle 42">
+            <a:extLst>
+              <a:ext uri="{FF2B5EF4-FFF2-40B4-BE49-F238E27FC236}">
+                <a16:creationId xmlns:a16="http://schemas.microsoft.com/office/drawing/2014/main" id="{9B8CEA8A-360D-425E-8CD7-821D3815AC20}"/>
+              </a:ext>
+            </a:extLst>
+          </p:cNvPr>
+          <p:cNvSpPr/>
+          <p:nvPr/>
+        </p:nvSpPr>
+        <p:spPr>
+          <a:xfrm>
+            <a:off x="10542291" y="2206929"/>
+            <a:ext cx="1062396" cy="1000385"/>
+          </a:xfrm>
+          <a:prstGeom prst="rect">
+            <a:avLst/>
+          </a:prstGeom>
+          <a:solidFill>
+            <a:schemeClr val="bg1">
+              <a:lumMod val="85000"/>
+            </a:schemeClr>
+          </a:solidFill>
+          <a:ln w="19050">
+            <a:solidFill>
+              <a:schemeClr val="tx1"/>
+            </a:solidFill>
+          </a:ln>
+          <a:effectLst/>
+        </p:spPr>
+        <p:style>
+          <a:lnRef idx="1">
+            <a:schemeClr val="accent1"/>
+          </a:lnRef>
+          <a:fillRef idx="3">
+            <a:schemeClr val="accent1"/>
+          </a:fillRef>
+          <a:effectRef idx="2">
+            <a:schemeClr val="accent1"/>
+          </a:effectRef>
+          <a:fontRef idx="minor">
+            <a:schemeClr val="lt1"/>
+          </a:fontRef>
+        </p:style>
+        <p:txBody>
+          <a:bodyPr rtlCol="0" anchor="ctr"/>
+          <a:lstStyle/>
+          <a:p>
+            <a:pPr algn="ctr"/>
+            <a:r>
+              <a:rPr lang="en-US" sz="1100" dirty="0">
+                <a:solidFill>
+                  <a:schemeClr val="tx1"/>
+                </a:solidFill>
+              </a:rPr>
+              <a:t>Target Aircraft (Intruder)</a:t>
+            </a:r>
+          </a:p>
+        </p:txBody>
+      </p:sp>
+      <p:sp>
+        <p:nvSpPr>
+          <p:cNvPr id="45" name="Rectangle 44">
+            <a:extLst>
+              <a:ext uri="{FF2B5EF4-FFF2-40B4-BE49-F238E27FC236}">
+                <a16:creationId xmlns:a16="http://schemas.microsoft.com/office/drawing/2014/main" id="{3CCB37B7-7715-4049-8F49-5057D1D03032}"/>
+              </a:ext>
+            </a:extLst>
+          </p:cNvPr>
+          <p:cNvSpPr/>
+          <p:nvPr/>
+        </p:nvSpPr>
+        <p:spPr>
+          <a:xfrm>
+            <a:off x="8724263" y="4059196"/>
+            <a:ext cx="1004244" cy="1361287"/>
+          </a:xfrm>
+          <a:prstGeom prst="rect">
+            <a:avLst/>
+          </a:prstGeom>
+          <a:noFill/>
+          <a:ln w="19050">
+            <a:solidFill>
+              <a:schemeClr val="tx1"/>
+            </a:solidFill>
+          </a:ln>
+          <a:effectLst/>
+        </p:spPr>
+        <p:style>
+          <a:lnRef idx="1">
+            <a:schemeClr val="accent1"/>
+          </a:lnRef>
+          <a:fillRef idx="3">
+            <a:schemeClr val="accent1"/>
+          </a:fillRef>
+          <a:effectRef idx="2">
+            <a:schemeClr val="accent1"/>
+          </a:effectRef>
+          <a:fontRef idx="minor">
+            <a:schemeClr val="lt1"/>
+          </a:fontRef>
+        </p:style>
+        <p:txBody>
+          <a:bodyPr rtlCol="0" anchor="ctr"/>
+          <a:lstStyle/>
+          <a:p>
+            <a:pPr algn="ctr"/>
+            <a:r>
+              <a:rPr lang="en-US" sz="1050" dirty="0">
+                <a:solidFill>
+                  <a:schemeClr val="tx1"/>
+                </a:solidFill>
+              </a:rPr>
+              <a:t>Autonomous Executive</a:t>
+            </a:r>
+          </a:p>
+        </p:txBody>
+      </p:sp>
+      <p:cxnSp>
+        <p:nvCxnSpPr>
+          <p:cNvPr id="46" name="Straight Arrow Connector 45">
+            <a:extLst>
+              <a:ext uri="{FF2B5EF4-FFF2-40B4-BE49-F238E27FC236}">
+                <a16:creationId xmlns:a16="http://schemas.microsoft.com/office/drawing/2014/main" id="{4FAC9D41-4B75-4329-BC4B-71E59BABB022}"/>
+              </a:ext>
+            </a:extLst>
+          </p:cNvPr>
+          <p:cNvCxnSpPr>
+            <a:cxnSpLocks/>
+            <a:stCxn id="45" idx="3"/>
+            <a:endCxn id="17" idx="1"/>
+          </p:cNvCxnSpPr>
+          <p:nvPr/>
+        </p:nvCxnSpPr>
+        <p:spPr>
+          <a:xfrm>
+            <a:off x="9728507" y="4739840"/>
+            <a:ext cx="781706" cy="2342"/>
+          </a:xfrm>
+          <a:prstGeom prst="straightConnector1">
+            <a:avLst/>
+          </a:prstGeom>
+          <a:ln w="19050">
+            <a:solidFill>
+              <a:schemeClr val="tx1"/>
+            </a:solidFill>
+            <a:headEnd type="none" w="med" len="med"/>
+            <a:tailEnd type="arrow" w="med" len="med"/>
+          </a:ln>
+          <a:effectLst/>
+        </p:spPr>
+        <p:style>
+          <a:lnRef idx="2">
+            <a:schemeClr val="accent1"/>
+          </a:lnRef>
+          <a:fillRef idx="0">
+            <a:schemeClr val="accent1"/>
+          </a:fillRef>
+          <a:effectRef idx="1">
+            <a:schemeClr val="accent1"/>
+          </a:effectRef>
+          <a:fontRef idx="minor">
+            <a:schemeClr val="tx1"/>
+          </a:fontRef>
+        </p:style>
+      </p:cxnSp>
+      <p:sp>
+        <p:nvSpPr>
+          <p:cNvPr id="47" name="Rectangle 46">
+            <a:extLst>
+              <a:ext uri="{FF2B5EF4-FFF2-40B4-BE49-F238E27FC236}">
+                <a16:creationId xmlns:a16="http://schemas.microsoft.com/office/drawing/2014/main" id="{55B444AB-657A-44DF-B1E3-F28AA6A07C4D}"/>
+              </a:ext>
+            </a:extLst>
+          </p:cNvPr>
+          <p:cNvSpPr/>
+          <p:nvPr/>
+        </p:nvSpPr>
+        <p:spPr>
+          <a:xfrm>
+            <a:off x="6869132" y="4059196"/>
+            <a:ext cx="1004244" cy="1361287"/>
+          </a:xfrm>
+          <a:prstGeom prst="rect">
+            <a:avLst/>
+          </a:prstGeom>
+          <a:noFill/>
+          <a:ln w="19050">
+            <a:solidFill>
+              <a:schemeClr val="tx1"/>
+            </a:solidFill>
+          </a:ln>
+          <a:effectLst/>
+        </p:spPr>
+        <p:style>
+          <a:lnRef idx="1">
+            <a:schemeClr val="accent1"/>
+          </a:lnRef>
+          <a:fillRef idx="3">
+            <a:schemeClr val="accent1"/>
+          </a:fillRef>
+          <a:effectRef idx="2">
+            <a:schemeClr val="accent1"/>
+          </a:effectRef>
+          <a:fontRef idx="minor">
+            <a:schemeClr val="lt1"/>
+          </a:fontRef>
+        </p:style>
+        <p:txBody>
+          <a:bodyPr rtlCol="0" anchor="ctr"/>
+          <a:lstStyle/>
+          <a:p>
+            <a:pPr algn="ctr"/>
+            <a:r>
+              <a:rPr lang="en-US" sz="1050" dirty="0">
+                <a:solidFill>
+                  <a:schemeClr val="tx1"/>
+                </a:solidFill>
+              </a:rPr>
+              <a:t>Plan Switch</a:t>
+            </a:r>
+          </a:p>
+        </p:txBody>
+      </p:sp>
+      <p:cxnSp>
+        <p:nvCxnSpPr>
+          <p:cNvPr id="48" name="Straight Arrow Connector 47">
+            <a:extLst>
+              <a:ext uri="{FF2B5EF4-FFF2-40B4-BE49-F238E27FC236}">
+                <a16:creationId xmlns:a16="http://schemas.microsoft.com/office/drawing/2014/main" id="{BB8C9EE6-010B-47B5-907A-7D99DC128D65}"/>
+              </a:ext>
+            </a:extLst>
+          </p:cNvPr>
+          <p:cNvCxnSpPr>
+            <a:cxnSpLocks/>
+            <a:stCxn id="47" idx="3"/>
+            <a:endCxn id="45" idx="1"/>
+          </p:cNvCxnSpPr>
+          <p:nvPr/>
+        </p:nvCxnSpPr>
+        <p:spPr>
+          <a:xfrm>
+            <a:off x="7873376" y="4739840"/>
+            <a:ext cx="850887" cy="0"/>
+          </a:xfrm>
+          <a:prstGeom prst="straightConnector1">
+            <a:avLst/>
+          </a:prstGeom>
+          <a:ln w="19050">
+            <a:solidFill>
+              <a:schemeClr val="tx1"/>
+            </a:solidFill>
+            <a:headEnd type="none" w="med" len="med"/>
+            <a:tailEnd type="arrow" w="med" len="med"/>
+          </a:ln>
+          <a:effectLst/>
+        </p:spPr>
+        <p:style>
+          <a:lnRef idx="2">
+            <a:schemeClr val="accent1"/>
+          </a:lnRef>
+          <a:fillRef idx="0">
+            <a:schemeClr val="accent1"/>
+          </a:fillRef>
+          <a:effectRef idx="1">
+            <a:schemeClr val="accent1"/>
+          </a:effectRef>
+          <a:fontRef idx="minor">
+            <a:schemeClr val="tx1"/>
+          </a:fontRef>
+        </p:style>
+      </p:cxnSp>
+      <p:cxnSp>
+        <p:nvCxnSpPr>
+          <p:cNvPr id="61" name="Elbow Connector 30">
+            <a:extLst>
+              <a:ext uri="{FF2B5EF4-FFF2-40B4-BE49-F238E27FC236}">
+                <a16:creationId xmlns:a16="http://schemas.microsoft.com/office/drawing/2014/main" id="{6E0BF803-2DE9-4D1B-BCAD-E5B242F494E7}"/>
+              </a:ext>
+            </a:extLst>
+          </p:cNvPr>
+          <p:cNvCxnSpPr>
+            <a:cxnSpLocks/>
+            <a:stCxn id="17" idx="0"/>
+            <a:endCxn id="15" idx="0"/>
+          </p:cNvCxnSpPr>
+          <p:nvPr/>
+        </p:nvCxnSpPr>
+        <p:spPr>
+          <a:xfrm rot="16200000" flipV="1">
+            <a:off x="7070930" y="22405"/>
+            <a:ext cx="92073" cy="7986194"/>
+          </a:xfrm>
+          <a:prstGeom prst="bentConnector3">
+            <a:avLst>
+              <a:gd name="adj1" fmla="val 348281"/>
+            </a:avLst>
+          </a:prstGeom>
+          <a:ln w="19050">
+            <a:solidFill>
+              <a:schemeClr val="tx1"/>
+            </a:solidFill>
+            <a:headEnd type="none" w="med" len="med"/>
+            <a:tailEnd type="arrow" w="med" len="med"/>
+          </a:ln>
+          <a:effectLst/>
+        </p:spPr>
+        <p:style>
+          <a:lnRef idx="2">
+            <a:schemeClr val="accent1"/>
+          </a:lnRef>
+          <a:fillRef idx="0">
+            <a:schemeClr val="accent1"/>
+          </a:fillRef>
+          <a:effectRef idx="1">
+            <a:schemeClr val="accent1"/>
+          </a:effectRef>
+          <a:fontRef idx="minor">
+            <a:schemeClr val="tx1"/>
+          </a:fontRef>
+        </p:style>
+      </p:cxnSp>
+      <p:cxnSp>
+        <p:nvCxnSpPr>
+          <p:cNvPr id="63" name="Elbow Connector 30">
+            <a:extLst>
+              <a:ext uri="{FF2B5EF4-FFF2-40B4-BE49-F238E27FC236}">
+                <a16:creationId xmlns:a16="http://schemas.microsoft.com/office/drawing/2014/main" id="{1233E01F-C6EC-49B9-9785-8C6E58597890}"/>
+              </a:ext>
+            </a:extLst>
+          </p:cNvPr>
+          <p:cNvCxnSpPr>
+            <a:cxnSpLocks/>
+            <a:stCxn id="43" idx="0"/>
+            <a:endCxn id="9" idx="3"/>
+          </p:cNvCxnSpPr>
+          <p:nvPr/>
+        </p:nvCxnSpPr>
+        <p:spPr>
+          <a:xfrm rot="16200000" flipV="1">
+            <a:off x="6118299" y="-2748262"/>
+            <a:ext cx="463018" cy="9447363"/>
+          </a:xfrm>
+          <a:prstGeom prst="bentConnector2">
+            <a:avLst/>
+          </a:prstGeom>
+          <a:ln w="19050">
+            <a:solidFill>
+              <a:schemeClr val="tx1"/>
+            </a:solidFill>
+            <a:headEnd type="none" w="med" len="med"/>
+            <a:tailEnd type="arrow" w="med" len="med"/>
+          </a:ln>
+          <a:effectLst/>
+        </p:spPr>
+        <p:style>
+          <a:lnRef idx="2">
+            <a:schemeClr val="accent1"/>
+          </a:lnRef>
+          <a:fillRef idx="0">
+            <a:schemeClr val="accent1"/>
+          </a:fillRef>
+          <a:effectRef idx="1">
+            <a:schemeClr val="accent1"/>
+          </a:effectRef>
+          <a:fontRef idx="minor">
+            <a:schemeClr val="tx1"/>
+          </a:fontRef>
+        </p:style>
+      </p:cxnSp>
+      <p:cxnSp>
+        <p:nvCxnSpPr>
+          <p:cNvPr id="68" name="Elbow Connector 30">
+            <a:extLst>
+              <a:ext uri="{FF2B5EF4-FFF2-40B4-BE49-F238E27FC236}">
+                <a16:creationId xmlns:a16="http://schemas.microsoft.com/office/drawing/2014/main" id="{54AA6FCF-8448-4316-9509-BA362751DB2C}"/>
+              </a:ext>
+            </a:extLst>
+          </p:cNvPr>
+          <p:cNvCxnSpPr>
+            <a:cxnSpLocks/>
+            <a:stCxn id="14" idx="0"/>
+            <a:endCxn id="15" idx="1"/>
+          </p:cNvCxnSpPr>
+          <p:nvPr/>
+        </p:nvCxnSpPr>
+        <p:spPr>
+          <a:xfrm rot="5400000" flipH="1" flipV="1">
+            <a:off x="1611899" y="3802514"/>
+            <a:ext cx="537060" cy="1497742"/>
+          </a:xfrm>
+          <a:prstGeom prst="bentConnector2">
+            <a:avLst/>
+          </a:prstGeom>
+          <a:ln w="19050">
+            <a:solidFill>
+              <a:schemeClr val="tx1"/>
+            </a:solidFill>
+            <a:headEnd type="none" w="med" len="med"/>
+            <a:tailEnd type="arrow" w="med" len="med"/>
+          </a:ln>
+          <a:effectLst/>
+        </p:spPr>
+        <p:style>
+          <a:lnRef idx="2">
+            <a:schemeClr val="accent1"/>
+          </a:lnRef>
+          <a:fillRef idx="0">
+            <a:schemeClr val="accent1"/>
+          </a:fillRef>
+          <a:effectRef idx="1">
+            <a:schemeClr val="accent1"/>
+          </a:effectRef>
+          <a:fontRef idx="minor">
+            <a:schemeClr val="tx1"/>
+          </a:fontRef>
+        </p:style>
+      </p:cxnSp>
+      <p:sp>
+        <p:nvSpPr>
+          <p:cNvPr id="72" name="TextBox 71">
+            <a:extLst>
+              <a:ext uri="{FF2B5EF4-FFF2-40B4-BE49-F238E27FC236}">
+                <a16:creationId xmlns:a16="http://schemas.microsoft.com/office/drawing/2014/main" id="{F965DFC0-3450-480A-9B46-D3FD725667BA}"/>
+              </a:ext>
+            </a:extLst>
+          </p:cNvPr>
+          <p:cNvSpPr txBox="1"/>
+          <p:nvPr/>
+        </p:nvSpPr>
+        <p:spPr>
+          <a:xfrm rot="16200000">
+            <a:off x="498211" y="3381234"/>
+            <a:ext cx="1035861" cy="246221"/>
+          </a:xfrm>
+          <a:prstGeom prst="rect">
+            <a:avLst/>
+          </a:prstGeom>
+          <a:noFill/>
+        </p:spPr>
+        <p:txBody>
+          <a:bodyPr wrap="none" rtlCol="0">
+            <a:spAutoFit/>
+          </a:bodyPr>
+          <a:lstStyle/>
+          <a:p>
+            <a:pPr algn="l"/>
+            <a:r>
+              <a:rPr lang="en-US" sz="1000" dirty="0">
+                <a:cs typeface="Arial" panose="020B0604020202020204" pitchFamily="34" charset="0"/>
+              </a:rPr>
+              <a:t>ADS-B messages</a:t>
+            </a:r>
+            <a:endParaRPr lang="en-US" sz="900" dirty="0">
+              <a:cs typeface="Arial" panose="020B0604020202020204" pitchFamily="34" charset="0"/>
+            </a:endParaRPr>
+          </a:p>
+        </p:txBody>
+      </p:sp>
+      <p:sp>
+        <p:nvSpPr>
+          <p:cNvPr id="80" name="TextBox 79">
+            <a:extLst>
+              <a:ext uri="{FF2B5EF4-FFF2-40B4-BE49-F238E27FC236}">
+                <a16:creationId xmlns:a16="http://schemas.microsoft.com/office/drawing/2014/main" id="{6856FC40-8CF7-4320-A58D-84C590A28F33}"/>
+              </a:ext>
+            </a:extLst>
+          </p:cNvPr>
+          <p:cNvSpPr txBox="1"/>
+          <p:nvPr/>
+        </p:nvSpPr>
+        <p:spPr>
+          <a:xfrm>
+            <a:off x="8060051" y="4364063"/>
+            <a:ext cx="700833" cy="369332"/>
+          </a:xfrm>
+          <a:prstGeom prst="rect">
+            <a:avLst/>
+          </a:prstGeom>
+          <a:noFill/>
+        </p:spPr>
+        <p:txBody>
+          <a:bodyPr wrap="none" rtlCol="0">
+            <a:spAutoFit/>
+          </a:bodyPr>
+          <a:lstStyle/>
+          <a:p>
+            <a:pPr algn="l"/>
+            <a:r>
+              <a:rPr lang="en-US" sz="900" dirty="0">
+                <a:cs typeface="Arial" panose="020B0604020202020204" pitchFamily="34" charset="0"/>
+              </a:rPr>
+              <a:t>Avoidance </a:t>
+            </a:r>
+          </a:p>
+          <a:p>
+            <a:pPr algn="l"/>
+            <a:r>
+              <a:rPr lang="en-US" sz="900" dirty="0">
+                <a:cs typeface="Arial" panose="020B0604020202020204" pitchFamily="34" charset="0"/>
+              </a:rPr>
+              <a:t>Plan</a:t>
+            </a:r>
+          </a:p>
+        </p:txBody>
+      </p:sp>
+      <p:sp>
+        <p:nvSpPr>
+          <p:cNvPr id="82" name="TextBox 81">
+            <a:extLst>
+              <a:ext uri="{FF2B5EF4-FFF2-40B4-BE49-F238E27FC236}">
+                <a16:creationId xmlns:a16="http://schemas.microsoft.com/office/drawing/2014/main" id="{2EFF5CB8-12AF-4EC9-AE77-34C86CB136F9}"/>
+              </a:ext>
+            </a:extLst>
+          </p:cNvPr>
+          <p:cNvSpPr txBox="1"/>
+          <p:nvPr/>
+        </p:nvSpPr>
+        <p:spPr>
+          <a:xfrm>
+            <a:off x="9718392" y="4472978"/>
+            <a:ext cx="771365" cy="246221"/>
+          </a:xfrm>
+          <a:prstGeom prst="rect">
+            <a:avLst/>
+          </a:prstGeom>
+          <a:noFill/>
+        </p:spPr>
+        <p:txBody>
+          <a:bodyPr wrap="none" rtlCol="0">
+            <a:spAutoFit/>
+          </a:bodyPr>
+          <a:lstStyle/>
+          <a:p>
+            <a:pPr algn="l"/>
+            <a:r>
+              <a:rPr lang="en-US" sz="1000" dirty="0">
+                <a:cs typeface="Arial" panose="020B0604020202020204" pitchFamily="34" charset="0"/>
+              </a:rPr>
+              <a:t>Commands</a:t>
+            </a:r>
+          </a:p>
+        </p:txBody>
+      </p:sp>
+      <p:sp>
+        <p:nvSpPr>
+          <p:cNvPr id="10" name="Rectangle 9">
+            <a:extLst>
+              <a:ext uri="{FF2B5EF4-FFF2-40B4-BE49-F238E27FC236}">
+                <a16:creationId xmlns:a16="http://schemas.microsoft.com/office/drawing/2014/main" id="{B2EE4163-6915-458E-A7E6-62B2CB0DE81D}"/>
+              </a:ext>
+            </a:extLst>
+          </p:cNvPr>
+          <p:cNvSpPr/>
+          <p:nvPr/>
+        </p:nvSpPr>
+        <p:spPr>
+          <a:xfrm>
+            <a:off x="4017516" y="2068112"/>
+            <a:ext cx="989137" cy="626780"/>
+          </a:xfrm>
+          <a:prstGeom prst="rect">
+            <a:avLst/>
+          </a:prstGeom>
+          <a:noFill/>
+          <a:ln w="19050">
+            <a:solidFill>
+              <a:schemeClr val="tx1"/>
+            </a:solidFill>
+          </a:ln>
+          <a:effectLst/>
+        </p:spPr>
+        <p:style>
+          <a:lnRef idx="1">
+            <a:schemeClr val="accent1"/>
+          </a:lnRef>
+          <a:fillRef idx="3">
+            <a:schemeClr val="accent1"/>
+          </a:fillRef>
+          <a:effectRef idx="2">
+            <a:schemeClr val="accent1"/>
+          </a:effectRef>
+          <a:fontRef idx="minor">
+            <a:schemeClr val="lt1"/>
+          </a:fontRef>
+        </p:style>
+        <p:txBody>
+          <a:bodyPr rtlCol="0" anchor="ctr"/>
+          <a:lstStyle/>
+          <a:p>
+            <a:pPr algn="ctr"/>
+            <a:r>
+              <a:rPr lang="en-US" sz="1050" dirty="0">
+                <a:solidFill>
+                  <a:schemeClr val="tx1"/>
+                </a:solidFill>
+              </a:rPr>
+              <a:t>Intruder Trajectory</a:t>
+            </a:r>
+          </a:p>
+          <a:p>
+            <a:pPr algn="ctr"/>
+            <a:r>
+              <a:rPr lang="en-US" sz="1050" dirty="0">
+                <a:solidFill>
+                  <a:schemeClr val="tx1"/>
+                </a:solidFill>
+              </a:rPr>
+              <a:t>Prediction</a:t>
+            </a:r>
+          </a:p>
+        </p:txBody>
+      </p:sp>
+      <p:sp>
+        <p:nvSpPr>
+          <p:cNvPr id="11" name="Rectangle 10">
+            <a:extLst>
+              <a:ext uri="{FF2B5EF4-FFF2-40B4-BE49-F238E27FC236}">
+                <a16:creationId xmlns:a16="http://schemas.microsoft.com/office/drawing/2014/main" id="{EA8F5FF6-7C98-4371-880D-DD27F1D0007F}"/>
+              </a:ext>
+            </a:extLst>
+          </p:cNvPr>
+          <p:cNvSpPr/>
+          <p:nvPr/>
+        </p:nvSpPr>
+        <p:spPr>
+          <a:xfrm>
+            <a:off x="5496322" y="2401086"/>
+            <a:ext cx="989137" cy="626780"/>
+          </a:xfrm>
+          <a:prstGeom prst="rect">
+            <a:avLst/>
+          </a:prstGeom>
+          <a:noFill/>
+          <a:ln w="19050">
+            <a:solidFill>
+              <a:schemeClr val="tx1"/>
+            </a:solidFill>
+          </a:ln>
+          <a:effectLst/>
+        </p:spPr>
+        <p:style>
+          <a:lnRef idx="1">
+            <a:schemeClr val="accent1"/>
+          </a:lnRef>
+          <a:fillRef idx="3">
+            <a:schemeClr val="accent1"/>
+          </a:fillRef>
+          <a:effectRef idx="2">
+            <a:schemeClr val="accent1"/>
+          </a:effectRef>
+          <a:fontRef idx="minor">
+            <a:schemeClr val="lt1"/>
+          </a:fontRef>
+        </p:style>
+        <p:txBody>
+          <a:bodyPr rtlCol="0" anchor="ctr"/>
+          <a:lstStyle/>
+          <a:p>
+            <a:pPr algn="ctr"/>
+            <a:r>
+              <a:rPr lang="en-US" sz="1050" dirty="0">
+                <a:solidFill>
+                  <a:schemeClr val="tx1"/>
+                </a:solidFill>
+              </a:rPr>
+              <a:t>Remain Well Clear Assessment</a:t>
+            </a:r>
+          </a:p>
+        </p:txBody>
+      </p:sp>
+      <p:cxnSp>
+        <p:nvCxnSpPr>
+          <p:cNvPr id="12" name="Elbow Connector 14">
+            <a:extLst>
+              <a:ext uri="{FF2B5EF4-FFF2-40B4-BE49-F238E27FC236}">
+                <a16:creationId xmlns:a16="http://schemas.microsoft.com/office/drawing/2014/main" id="{B3482453-6FDB-456C-A95A-422FF231835F}"/>
+              </a:ext>
+            </a:extLst>
+          </p:cNvPr>
+          <p:cNvCxnSpPr>
+            <a:cxnSpLocks/>
+            <a:stCxn id="10" idx="3"/>
+          </p:cNvCxnSpPr>
+          <p:nvPr/>
+        </p:nvCxnSpPr>
+        <p:spPr>
+          <a:xfrm>
+            <a:off x="5006654" y="2381502"/>
+            <a:ext cx="482310" cy="153913"/>
+          </a:xfrm>
+          <a:prstGeom prst="bentConnector3">
+            <a:avLst/>
+          </a:prstGeom>
+          <a:ln w="19050">
+            <a:solidFill>
+              <a:schemeClr val="tx1"/>
+            </a:solidFill>
+            <a:headEnd type="none" w="med" len="med"/>
+            <a:tailEnd type="arrow" w="med" len="med"/>
+          </a:ln>
+          <a:effectLst/>
+        </p:spPr>
+        <p:style>
+          <a:lnRef idx="2">
+            <a:schemeClr val="accent1"/>
+          </a:lnRef>
+          <a:fillRef idx="0">
+            <a:schemeClr val="accent1"/>
+          </a:fillRef>
+          <a:effectRef idx="1">
+            <a:schemeClr val="accent1"/>
+          </a:effectRef>
+          <a:fontRef idx="minor">
+            <a:schemeClr val="tx1"/>
+          </a:fontRef>
+        </p:style>
+      </p:cxnSp>
+      <p:cxnSp>
+        <p:nvCxnSpPr>
+          <p:cNvPr id="19" name="Elbow Connector 24">
+            <a:extLst>
+              <a:ext uri="{FF2B5EF4-FFF2-40B4-BE49-F238E27FC236}">
+                <a16:creationId xmlns:a16="http://schemas.microsoft.com/office/drawing/2014/main" id="{4A6E9041-0A80-4C06-98FC-464C40248606}"/>
+              </a:ext>
+            </a:extLst>
+          </p:cNvPr>
+          <p:cNvCxnSpPr>
+            <a:stCxn id="15" idx="3"/>
+            <a:endCxn id="52" idx="2"/>
+          </p:cNvCxnSpPr>
+          <p:nvPr/>
+        </p:nvCxnSpPr>
+        <p:spPr>
+          <a:xfrm flipV="1">
+            <a:off x="3618437" y="3418495"/>
+            <a:ext cx="714916" cy="864360"/>
+          </a:xfrm>
+          <a:prstGeom prst="bentConnector2">
+            <a:avLst/>
+          </a:prstGeom>
+          <a:ln w="19050">
+            <a:solidFill>
+              <a:schemeClr val="tx1"/>
+            </a:solidFill>
+            <a:headEnd type="none" w="med" len="med"/>
+            <a:tailEnd type="arrow" w="med" len="med"/>
+          </a:ln>
+          <a:effectLst/>
+        </p:spPr>
+        <p:style>
+          <a:lnRef idx="2">
+            <a:schemeClr val="accent1"/>
+          </a:lnRef>
+          <a:fillRef idx="0">
+            <a:schemeClr val="accent1"/>
+          </a:fillRef>
+          <a:effectRef idx="1">
+            <a:schemeClr val="accent1"/>
+          </a:effectRef>
+          <a:fontRef idx="minor">
+            <a:schemeClr val="tx1"/>
+          </a:fontRef>
+        </p:style>
+      </p:cxnSp>
+      <p:cxnSp>
+        <p:nvCxnSpPr>
+          <p:cNvPr id="20" name="Elbow Connector 27">
+            <a:extLst>
+              <a:ext uri="{FF2B5EF4-FFF2-40B4-BE49-F238E27FC236}">
+                <a16:creationId xmlns:a16="http://schemas.microsoft.com/office/drawing/2014/main" id="{647EC8FB-F4FC-4FD6-93CA-A207AA7EED8E}"/>
+              </a:ext>
+            </a:extLst>
+          </p:cNvPr>
+          <p:cNvCxnSpPr>
+            <a:stCxn id="16" idx="3"/>
+            <a:endCxn id="50" idx="2"/>
+          </p:cNvCxnSpPr>
+          <p:nvPr/>
+        </p:nvCxnSpPr>
+        <p:spPr>
+          <a:xfrm flipV="1">
+            <a:off x="3618437" y="3429399"/>
+            <a:ext cx="893648" cy="1704058"/>
+          </a:xfrm>
+          <a:prstGeom prst="bentConnector2">
+            <a:avLst/>
+          </a:prstGeom>
+          <a:ln w="19050">
+            <a:solidFill>
+              <a:schemeClr val="tx1"/>
+            </a:solidFill>
+            <a:headEnd type="none" w="med" len="med"/>
+            <a:tailEnd type="arrow" w="med" len="med"/>
+          </a:ln>
+          <a:effectLst/>
+        </p:spPr>
+        <p:style>
+          <a:lnRef idx="2">
+            <a:schemeClr val="accent1"/>
+          </a:lnRef>
+          <a:fillRef idx="0">
+            <a:schemeClr val="accent1"/>
+          </a:fillRef>
+          <a:effectRef idx="1">
+            <a:schemeClr val="accent1"/>
+          </a:effectRef>
+          <a:fontRef idx="minor">
+            <a:schemeClr val="tx1"/>
+          </a:fontRef>
+        </p:style>
+      </p:cxnSp>
+      <p:cxnSp>
+        <p:nvCxnSpPr>
+          <p:cNvPr id="21" name="Elbow Connector 30">
+            <a:extLst>
+              <a:ext uri="{FF2B5EF4-FFF2-40B4-BE49-F238E27FC236}">
+                <a16:creationId xmlns:a16="http://schemas.microsoft.com/office/drawing/2014/main" id="{B3B50CFB-B261-4D90-8372-E05DB4E14BAF}"/>
+              </a:ext>
+            </a:extLst>
+          </p:cNvPr>
+          <p:cNvCxnSpPr>
+            <a:cxnSpLocks/>
+            <a:stCxn id="17" idx="0"/>
+            <a:endCxn id="51" idx="2"/>
+          </p:cNvCxnSpPr>
+          <p:nvPr/>
+        </p:nvCxnSpPr>
+        <p:spPr>
+          <a:xfrm rot="16200000" flipV="1">
+            <a:off x="7585991" y="537464"/>
+            <a:ext cx="628900" cy="6419249"/>
+          </a:xfrm>
+          <a:prstGeom prst="bentConnector3">
+            <a:avLst>
+              <a:gd name="adj1" fmla="val 50000"/>
+            </a:avLst>
+          </a:prstGeom>
+          <a:ln w="19050">
+            <a:solidFill>
+              <a:schemeClr val="tx1"/>
+            </a:solidFill>
+            <a:headEnd type="none" w="med" len="med"/>
+            <a:tailEnd type="arrow" w="med" len="med"/>
+          </a:ln>
+          <a:effectLst/>
+        </p:spPr>
+        <p:style>
+          <a:lnRef idx="2">
+            <a:schemeClr val="accent1"/>
+          </a:lnRef>
+          <a:fillRef idx="0">
+            <a:schemeClr val="accent1"/>
+          </a:fillRef>
+          <a:effectRef idx="1">
+            <a:schemeClr val="accent1"/>
+          </a:effectRef>
+          <a:fontRef idx="minor">
+            <a:schemeClr val="tx1"/>
+          </a:fontRef>
+        </p:style>
+      </p:cxnSp>
+      <p:cxnSp>
+        <p:nvCxnSpPr>
+          <p:cNvPr id="29" name="Elbow Connector 67">
+            <a:extLst>
+              <a:ext uri="{FF2B5EF4-FFF2-40B4-BE49-F238E27FC236}">
+                <a16:creationId xmlns:a16="http://schemas.microsoft.com/office/drawing/2014/main" id="{1D0D7BBB-700E-4682-A81B-05604C18458D}"/>
+              </a:ext>
+            </a:extLst>
+          </p:cNvPr>
+          <p:cNvCxnSpPr>
+            <a:cxnSpLocks/>
+            <a:stCxn id="9" idx="2"/>
+            <a:endCxn id="10" idx="1"/>
+          </p:cNvCxnSpPr>
+          <p:nvPr/>
+        </p:nvCxnSpPr>
+        <p:spPr>
+          <a:xfrm rot="16200000" flipH="1">
+            <a:off x="2412437" y="776422"/>
+            <a:ext cx="324201" cy="2885958"/>
+          </a:xfrm>
+          <a:prstGeom prst="bentConnector2">
+            <a:avLst/>
+          </a:prstGeom>
+          <a:ln w="19050">
+            <a:solidFill>
+              <a:schemeClr val="tx1"/>
+            </a:solidFill>
+            <a:prstDash val="solid"/>
+            <a:headEnd type="none" w="med" len="med"/>
+            <a:tailEnd type="arrow" w="med" len="med"/>
+          </a:ln>
+          <a:effectLst/>
+        </p:spPr>
+        <p:style>
+          <a:lnRef idx="2">
+            <a:schemeClr val="accent1"/>
+          </a:lnRef>
+          <a:fillRef idx="0">
+            <a:schemeClr val="accent1"/>
+          </a:fillRef>
+          <a:effectRef idx="1">
+            <a:schemeClr val="accent1"/>
+          </a:effectRef>
+          <a:fontRef idx="minor">
+            <a:schemeClr val="tx1"/>
+          </a:fontRef>
+        </p:style>
+      </p:cxnSp>
+      <p:sp>
+        <p:nvSpPr>
+          <p:cNvPr id="30" name="Rectangle 29">
+            <a:extLst>
+              <a:ext uri="{FF2B5EF4-FFF2-40B4-BE49-F238E27FC236}">
+                <a16:creationId xmlns:a16="http://schemas.microsoft.com/office/drawing/2014/main" id="{A26C752E-BFFB-4727-B898-4E21D864DD8D}"/>
+              </a:ext>
+            </a:extLst>
+          </p:cNvPr>
+          <p:cNvSpPr/>
+          <p:nvPr/>
+        </p:nvSpPr>
+        <p:spPr>
+          <a:xfrm>
+            <a:off x="6872302" y="2401086"/>
+            <a:ext cx="989137" cy="626780"/>
+          </a:xfrm>
+          <a:prstGeom prst="rect">
+            <a:avLst/>
+          </a:prstGeom>
+          <a:noFill/>
+          <a:ln w="19050">
+            <a:solidFill>
+              <a:schemeClr val="tx1"/>
+            </a:solidFill>
+          </a:ln>
+          <a:effectLst/>
+        </p:spPr>
+        <p:style>
+          <a:lnRef idx="1">
+            <a:schemeClr val="accent1"/>
+          </a:lnRef>
+          <a:fillRef idx="3">
+            <a:schemeClr val="accent1"/>
+          </a:fillRef>
+          <a:effectRef idx="2">
+            <a:schemeClr val="accent1"/>
+          </a:effectRef>
+          <a:fontRef idx="minor">
+            <a:schemeClr val="lt1"/>
+          </a:fontRef>
+        </p:style>
+        <p:txBody>
+          <a:bodyPr rtlCol="0" anchor="ctr"/>
+          <a:lstStyle/>
+          <a:p>
+            <a:pPr algn="ctr"/>
+            <a:r>
+              <a:rPr lang="en-US" sz="1050" dirty="0">
+                <a:solidFill>
+                  <a:schemeClr val="tx1"/>
+                </a:solidFill>
+              </a:rPr>
+              <a:t>Plan Selector</a:t>
+            </a:r>
+          </a:p>
+        </p:txBody>
+      </p:sp>
+      <p:cxnSp>
+        <p:nvCxnSpPr>
+          <p:cNvPr id="31" name="Straight Arrow Connector 30">
+            <a:extLst>
+              <a:ext uri="{FF2B5EF4-FFF2-40B4-BE49-F238E27FC236}">
+                <a16:creationId xmlns:a16="http://schemas.microsoft.com/office/drawing/2014/main" id="{9AFB87D0-77C4-4CB6-BE94-AC6A73EB7C1F}"/>
+              </a:ext>
+            </a:extLst>
+          </p:cNvPr>
+          <p:cNvCxnSpPr>
+            <a:stCxn id="11" idx="3"/>
+            <a:endCxn id="30" idx="1"/>
+          </p:cNvCxnSpPr>
+          <p:nvPr/>
+        </p:nvCxnSpPr>
+        <p:spPr>
+          <a:xfrm>
+            <a:off x="6485459" y="2714478"/>
+            <a:ext cx="386842" cy="0"/>
+          </a:xfrm>
+          <a:prstGeom prst="straightConnector1">
+            <a:avLst/>
+          </a:prstGeom>
+          <a:ln w="19050">
+            <a:solidFill>
+              <a:schemeClr val="tx1"/>
+            </a:solidFill>
+            <a:headEnd type="none" w="med" len="med"/>
+            <a:tailEnd type="arrow" w="med" len="med"/>
+          </a:ln>
+          <a:effectLst/>
+        </p:spPr>
+        <p:style>
+          <a:lnRef idx="2">
+            <a:schemeClr val="accent1"/>
+          </a:lnRef>
+          <a:fillRef idx="0">
+            <a:schemeClr val="accent1"/>
+          </a:fillRef>
+          <a:effectRef idx="1">
+            <a:schemeClr val="accent1"/>
+          </a:effectRef>
+          <a:fontRef idx="minor">
+            <a:schemeClr val="tx1"/>
+          </a:fontRef>
+        </p:style>
+      </p:cxnSp>
+      <p:grpSp>
+        <p:nvGrpSpPr>
+          <p:cNvPr id="32" name="Group 31">
+            <a:extLst>
+              <a:ext uri="{FF2B5EF4-FFF2-40B4-BE49-F238E27FC236}">
+                <a16:creationId xmlns:a16="http://schemas.microsoft.com/office/drawing/2014/main" id="{DE5316F1-495C-4541-A8E2-23A2429AB101}"/>
+              </a:ext>
+            </a:extLst>
+          </p:cNvPr>
+          <p:cNvGrpSpPr/>
+          <p:nvPr/>
+        </p:nvGrpSpPr>
+        <p:grpSpPr>
+          <a:xfrm>
+            <a:off x="4017516" y="2802619"/>
+            <a:ext cx="989137" cy="630020"/>
+            <a:chOff x="4027054" y="2881745"/>
+            <a:chExt cx="932873" cy="594183"/>
+          </a:xfrm>
+        </p:grpSpPr>
+        <p:sp>
+          <p:nvSpPr>
+            <p:cNvPr id="50" name="Rectangle 49">
+              <a:extLst>
+                <a:ext uri="{FF2B5EF4-FFF2-40B4-BE49-F238E27FC236}">
+                  <a16:creationId xmlns:a16="http://schemas.microsoft.com/office/drawing/2014/main" id="{0729F763-1ED9-458E-BA62-5BB72E1EA402}"/>
+                </a:ext>
+              </a:extLst>
+            </p:cNvPr>
+            <p:cNvSpPr/>
+            <p:nvPr/>
+          </p:nvSpPr>
+          <p:spPr>
+            <a:xfrm>
+              <a:off x="4027054" y="2881745"/>
+              <a:ext cx="932873" cy="591127"/>
+            </a:xfrm>
+            <a:prstGeom prst="rect">
+              <a:avLst/>
+            </a:prstGeom>
+            <a:noFill/>
+            <a:ln w="19050">
+              <a:solidFill>
+                <a:schemeClr val="tx1"/>
+              </a:solidFill>
+            </a:ln>
+            <a:effectLst/>
+          </p:spPr>
+          <p:style>
+            <a:lnRef idx="1">
+              <a:schemeClr val="accent1"/>
+            </a:lnRef>
+            <a:fillRef idx="3">
+              <a:schemeClr val="accent1"/>
+            </a:fillRef>
+            <a:effectRef idx="2">
+              <a:schemeClr val="accent1"/>
+            </a:effectRef>
+            <a:fontRef idx="minor">
+              <a:schemeClr val="lt1"/>
+            </a:fontRef>
+          </p:style>
+          <p:txBody>
+            <a:bodyPr rtlCol="0" anchor="ctr"/>
+            <a:lstStyle/>
+            <a:p>
+              <a:pPr algn="ctr"/>
+              <a:r>
+                <a:rPr lang="en-US" sz="1050" dirty="0">
+                  <a:solidFill>
+                    <a:schemeClr val="tx1"/>
+                  </a:solidFill>
+                </a:rPr>
+                <a:t>Own ship</a:t>
+              </a:r>
+            </a:p>
+            <a:p>
+              <a:pPr algn="ctr"/>
+              <a:r>
+                <a:rPr lang="en-US" sz="1050" dirty="0">
+                  <a:solidFill>
+                    <a:schemeClr val="tx1"/>
+                  </a:solidFill>
+                </a:rPr>
+                <a:t>Trajectory Prediction</a:t>
+              </a:r>
+            </a:p>
+          </p:txBody>
+        </p:sp>
+        <p:sp>
+          <p:nvSpPr>
+            <p:cNvPr id="51" name="Rectangle 50">
+              <a:extLst>
+                <a:ext uri="{FF2B5EF4-FFF2-40B4-BE49-F238E27FC236}">
+                  <a16:creationId xmlns:a16="http://schemas.microsoft.com/office/drawing/2014/main" id="{F6E0E3AF-3944-47A0-A141-9A43354A9E21}"/>
+                </a:ext>
+              </a:extLst>
+            </p:cNvPr>
+            <p:cNvSpPr/>
+            <p:nvPr/>
+          </p:nvSpPr>
+          <p:spPr>
+            <a:xfrm>
+              <a:off x="4562761" y="3279879"/>
+              <a:ext cx="198584" cy="196049"/>
+            </a:xfrm>
+            <a:prstGeom prst="rect">
+              <a:avLst/>
+            </a:prstGeom>
+            <a:noFill/>
+            <a:ln>
+              <a:noFill/>
+            </a:ln>
+            <a:effectLst/>
+          </p:spPr>
+          <p:style>
+            <a:lnRef idx="1">
+              <a:schemeClr val="accent1"/>
+            </a:lnRef>
+            <a:fillRef idx="3">
+              <a:schemeClr val="accent1"/>
+            </a:fillRef>
+            <a:effectRef idx="2">
+              <a:schemeClr val="accent1"/>
+            </a:effectRef>
+            <a:fontRef idx="minor">
+              <a:schemeClr val="lt1"/>
+            </a:fontRef>
+          </p:style>
+          <p:txBody>
+            <a:bodyPr rtlCol="0" anchor="ctr"/>
+            <a:lstStyle/>
+            <a:p>
+              <a:pPr algn="ctr"/>
+              <a:endParaRPr lang="en-US" sz="1400"/>
+            </a:p>
+          </p:txBody>
+        </p:sp>
+        <p:sp>
+          <p:nvSpPr>
+            <p:cNvPr id="52" name="Rectangle 51">
+              <a:extLst>
+                <a:ext uri="{FF2B5EF4-FFF2-40B4-BE49-F238E27FC236}">
+                  <a16:creationId xmlns:a16="http://schemas.microsoft.com/office/drawing/2014/main" id="{448AE298-248C-49B8-B4F7-97B100051BD8}"/>
+                </a:ext>
+              </a:extLst>
+            </p:cNvPr>
+            <p:cNvSpPr/>
+            <p:nvPr/>
+          </p:nvSpPr>
+          <p:spPr>
+            <a:xfrm>
+              <a:off x="4225633" y="3266540"/>
+              <a:ext cx="198584" cy="196049"/>
+            </a:xfrm>
+            <a:prstGeom prst="rect">
+              <a:avLst/>
+            </a:prstGeom>
+            <a:noFill/>
+            <a:ln>
+              <a:noFill/>
+            </a:ln>
+            <a:effectLst/>
+          </p:spPr>
+          <p:style>
+            <a:lnRef idx="1">
+              <a:schemeClr val="accent1"/>
+            </a:lnRef>
+            <a:fillRef idx="3">
+              <a:schemeClr val="accent1"/>
+            </a:fillRef>
+            <a:effectRef idx="2">
+              <a:schemeClr val="accent1"/>
+            </a:effectRef>
+            <a:fontRef idx="minor">
+              <a:schemeClr val="lt1"/>
+            </a:fontRef>
+          </p:style>
+          <p:txBody>
+            <a:bodyPr rtlCol="0" anchor="ctr"/>
+            <a:lstStyle/>
+            <a:p>
+              <a:pPr algn="ctr"/>
+              <a:endParaRPr lang="en-US" sz="1400"/>
+            </a:p>
+          </p:txBody>
+        </p:sp>
+      </p:grpSp>
+      <p:cxnSp>
+        <p:nvCxnSpPr>
+          <p:cNvPr id="36" name="Straight Arrow Connector 35">
+            <a:extLst>
+              <a:ext uri="{FF2B5EF4-FFF2-40B4-BE49-F238E27FC236}">
+                <a16:creationId xmlns:a16="http://schemas.microsoft.com/office/drawing/2014/main" id="{EC8F3A72-613F-46FF-82A8-F21DA3717FF3}"/>
+              </a:ext>
+            </a:extLst>
+          </p:cNvPr>
+          <p:cNvCxnSpPr>
+            <a:cxnSpLocks/>
+            <a:stCxn id="30" idx="2"/>
+            <a:endCxn id="47" idx="0"/>
+          </p:cNvCxnSpPr>
+          <p:nvPr/>
+        </p:nvCxnSpPr>
+        <p:spPr>
+          <a:xfrm>
+            <a:off x="7366871" y="3027866"/>
+            <a:ext cx="4383" cy="1031330"/>
+          </a:xfrm>
+          <a:prstGeom prst="straightConnector1">
+            <a:avLst/>
+          </a:prstGeom>
+          <a:ln w="19050">
+            <a:solidFill>
+              <a:schemeClr val="tx1"/>
+            </a:solidFill>
+            <a:headEnd type="none" w="med" len="med"/>
+            <a:tailEnd type="arrow" w="med" len="med"/>
+          </a:ln>
+          <a:effectLst/>
+        </p:spPr>
+        <p:style>
+          <a:lnRef idx="2">
+            <a:schemeClr val="accent1"/>
+          </a:lnRef>
+          <a:fillRef idx="0">
+            <a:schemeClr val="accent1"/>
+          </a:fillRef>
+          <a:effectRef idx="1">
+            <a:schemeClr val="accent1"/>
+          </a:effectRef>
+          <a:fontRef idx="minor">
+            <a:schemeClr val="tx1"/>
+          </a:fontRef>
+        </p:style>
+      </p:cxnSp>
+      <p:sp>
+        <p:nvSpPr>
+          <p:cNvPr id="37" name="TextBox 36">
+            <a:extLst>
+              <a:ext uri="{FF2B5EF4-FFF2-40B4-BE49-F238E27FC236}">
+                <a16:creationId xmlns:a16="http://schemas.microsoft.com/office/drawing/2014/main" id="{AEC97773-D2EA-4CB8-8867-680C7EB51AE0}"/>
+              </a:ext>
+            </a:extLst>
+          </p:cNvPr>
+          <p:cNvSpPr txBox="1"/>
+          <p:nvPr/>
+        </p:nvSpPr>
+        <p:spPr>
+          <a:xfrm>
+            <a:off x="7347570" y="3038455"/>
+            <a:ext cx="444352" cy="338554"/>
+          </a:xfrm>
+          <a:prstGeom prst="rect">
+            <a:avLst/>
+          </a:prstGeom>
+          <a:noFill/>
+        </p:spPr>
+        <p:txBody>
+          <a:bodyPr wrap="none" rtlCol="0">
+            <a:spAutoFit/>
+          </a:bodyPr>
+          <a:lstStyle/>
+          <a:p>
+            <a:pPr algn="l"/>
+            <a:r>
+              <a:rPr lang="en-US" sz="800" dirty="0">
+                <a:cs typeface="Arial" panose="020B0604020202020204" pitchFamily="34" charset="0"/>
+              </a:rPr>
+              <a:t>LEC or</a:t>
+            </a:r>
+          </a:p>
+          <a:p>
+            <a:pPr algn="l"/>
+            <a:r>
+              <a:rPr lang="en-US" sz="800" dirty="0">
+                <a:cs typeface="Arial" panose="020B0604020202020204" pitchFamily="34" charset="0"/>
+              </a:rPr>
+              <a:t>BAP</a:t>
+            </a:r>
+          </a:p>
+        </p:txBody>
+      </p:sp>
+      <p:cxnSp>
+        <p:nvCxnSpPr>
+          <p:cNvPr id="78" name="Elbow Connector 15">
+            <a:extLst>
+              <a:ext uri="{FF2B5EF4-FFF2-40B4-BE49-F238E27FC236}">
+                <a16:creationId xmlns:a16="http://schemas.microsoft.com/office/drawing/2014/main" id="{269FAF1D-9B7B-43C5-82A9-1E95070872CA}"/>
+              </a:ext>
+            </a:extLst>
+          </p:cNvPr>
+          <p:cNvCxnSpPr>
+            <a:cxnSpLocks/>
+            <a:stCxn id="50" idx="3"/>
+          </p:cNvCxnSpPr>
+          <p:nvPr/>
+        </p:nvCxnSpPr>
+        <p:spPr>
+          <a:xfrm flipV="1">
+            <a:off x="5006653" y="2924928"/>
+            <a:ext cx="494923" cy="191081"/>
+          </a:xfrm>
+          <a:prstGeom prst="bentConnector3">
+            <a:avLst>
+              <a:gd name="adj1" fmla="val 50000"/>
+            </a:avLst>
+          </a:prstGeom>
+          <a:ln w="19050">
+            <a:solidFill>
+              <a:schemeClr val="tx1"/>
+            </a:solidFill>
+            <a:headEnd type="none" w="med" len="med"/>
+            <a:tailEnd type="arrow" w="med" len="med"/>
+          </a:ln>
+          <a:effectLst/>
+        </p:spPr>
+        <p:style>
+          <a:lnRef idx="2">
+            <a:schemeClr val="accent1"/>
+          </a:lnRef>
+          <a:fillRef idx="0">
+            <a:schemeClr val="accent1"/>
+          </a:fillRef>
+          <a:effectRef idx="1">
+            <a:schemeClr val="accent1"/>
+          </a:effectRef>
+          <a:fontRef idx="minor">
+            <a:schemeClr val="tx1"/>
+          </a:fontRef>
+        </p:style>
+      </p:cxnSp>
+      <p:cxnSp>
+        <p:nvCxnSpPr>
+          <p:cNvPr id="65" name="Elbow Connector 30">
+            <a:extLst>
+              <a:ext uri="{FF2B5EF4-FFF2-40B4-BE49-F238E27FC236}">
+                <a16:creationId xmlns:a16="http://schemas.microsoft.com/office/drawing/2014/main" id="{A1A8F167-4DF8-49A6-A243-9EAECBED5B6D}"/>
+              </a:ext>
+            </a:extLst>
+          </p:cNvPr>
+          <p:cNvCxnSpPr>
+            <a:cxnSpLocks/>
+            <a:stCxn id="17" idx="0"/>
+            <a:endCxn id="42" idx="0"/>
+          </p:cNvCxnSpPr>
+          <p:nvPr/>
+        </p:nvCxnSpPr>
+        <p:spPr>
+          <a:xfrm rot="16200000" flipH="1" flipV="1">
+            <a:off x="6287219" y="-87561"/>
+            <a:ext cx="673745" cy="8971942"/>
+          </a:xfrm>
+          <a:prstGeom prst="bentConnector3">
+            <a:avLst>
+              <a:gd name="adj1" fmla="val -47810"/>
+            </a:avLst>
+          </a:prstGeom>
+          <a:ln w="19050">
+            <a:solidFill>
+              <a:schemeClr val="tx1"/>
+            </a:solidFill>
+            <a:headEnd type="none" w="med" len="med"/>
+            <a:tailEnd type="arrow" w="med" len="med"/>
+          </a:ln>
+          <a:effectLst/>
+        </p:spPr>
+        <p:style>
+          <a:lnRef idx="2">
+            <a:schemeClr val="accent1"/>
+          </a:lnRef>
+          <a:fillRef idx="0">
+            <a:schemeClr val="accent1"/>
+          </a:fillRef>
+          <a:effectRef idx="1">
+            <a:schemeClr val="accent1"/>
+          </a:effectRef>
+          <a:fontRef idx="minor">
+            <a:schemeClr val="tx1"/>
+          </a:fontRef>
+        </p:style>
+      </p:cxnSp>
+    </p:spTree>
+    <p:extLst>
+      <p:ext uri="{BB962C8B-B14F-4D97-AF65-F5344CB8AC3E}">
+        <p14:creationId xmlns:p14="http://schemas.microsoft.com/office/powerpoint/2010/main" val="2267995398"/>
+      </p:ext>
+    </p:extLst>
+  </p:cSld>
+  <p:clrMapOvr>
+    <a:masterClrMapping/>
+  </p:clrMapOvr>
+</p:sld>
+</file>
+
+<file path=ppt/slides/slide3.xml><?xml version="1.0" encoding="utf-8"?>
+<p:sld xmlns:a="http://schemas.openxmlformats.org/drawingml/2006/main" xmlns:r="http://schemas.openxmlformats.org/officeDocument/2006/relationships" xmlns:p="http://schemas.openxmlformats.org/presentationml/2006/main">
+  <p:cSld>
+    <p:spTree>
+      <p:nvGrpSpPr>
+        <p:cNvPr id="1" name=""/>
+        <p:cNvGrpSpPr/>
+        <p:nvPr/>
+      </p:nvGrpSpPr>
+      <p:grpSpPr>
+        <a:xfrm>
+          <a:off x="0" y="0"/>
+          <a:ext cx="0" cy="0"/>
+          <a:chOff x="0" y="0"/>
+          <a:chExt cx="0" cy="0"/>
+        </a:xfrm>
+      </p:grpSpPr>
       <p:grpSp>
         <p:nvGrpSpPr>
           <p:cNvPr id="27" name="Group 26">
@@ -7626,7 +9913,7 @@
 </p:sld>
 </file>
 
-<file path=ppt/slides/slide3.xml><?xml version="1.0" encoding="utf-8"?>
+<file path=ppt/slides/slide4.xml><?xml version="1.0" encoding="utf-8"?>
 <p:sld xmlns:a="http://schemas.openxmlformats.org/drawingml/2006/main" xmlns:r="http://schemas.openxmlformats.org/officeDocument/2006/relationships" xmlns:p="http://schemas.openxmlformats.org/presentationml/2006/main">
   <p:cSld>
     <p:spTree>
@@ -8680,7 +10967,7 @@
 </p:sld>
 </file>
 
-<file path=ppt/slides/slide4.xml><?xml version="1.0" encoding="utf-8"?>
+<file path=ppt/slides/slide5.xml><?xml version="1.0" encoding="utf-8"?>
 <p:sld xmlns:a="http://schemas.openxmlformats.org/drawingml/2006/main" xmlns:r="http://schemas.openxmlformats.org/officeDocument/2006/relationships" xmlns:p="http://schemas.openxmlformats.org/presentationml/2006/main">
   <p:cSld>
     <p:spTree>
